--- a/destroy-Them-All.pptx
+++ b/destroy-Them-All.pptx
@@ -1,34 +1,40 @@
 
 <file path=ppt/presentation.xml><?xml version="1.0" encoding="utf-8"?>
-<p:presentation xmlns:a="http://schemas.openxmlformats.org/drawingml/2006/main" xmlns:r="http://schemas.openxmlformats.org/officeDocument/2006/relationships" xmlns:mc="http://schemas.openxmlformats.org/markup-compatibility/2006" xmlns:mv="urn:schemas-microsoft-com:mac:vml" xmlns:p="http://schemas.openxmlformats.org/presentationml/2006/main" xmlns:c="http://schemas.openxmlformats.org/drawingml/2006/chart" xmlns:dgm="http://schemas.openxmlformats.org/drawingml/2006/diagram" xmlns:o="urn:schemas-microsoft-com:office:office" xmlns:v="urn:schemas-microsoft-com:vml" xmlns:pvml="urn:schemas-microsoft-com:office:powerpoint" xmlns:com="http://schemas.openxmlformats.org/drawingml/2006/compatibility" xmlns:p14="http://schemas.microsoft.com/office/powerpoint/2010/main" xmlns:p15="http://schemas.microsoft.com/office/powerpoint/2012/main" xmlns:ahyp="http://schemas.microsoft.com/office/drawing/2018/hyperlinkcolor" autoCompressPictures="0" embedTrueTypeFonts="1" strictFirstAndLastChars="0" saveSubsetFonts="1">
+<p:presentation xmlns:a="http://schemas.openxmlformats.org/drawingml/2006/main" xmlns:r="http://schemas.openxmlformats.org/officeDocument/2006/relationships" xmlns:p="http://schemas.openxmlformats.org/presentationml/2006/main" strictFirstAndLastChars="0" embedTrueTypeFonts="1" saveSubsetFonts="1" autoCompressPictures="0">
   <p:sldMasterIdLst>
-    <p:sldMasterId id="2147483649" r:id="rId3"/>
+    <p:sldMasterId id="2147483649" r:id="rId1"/>
   </p:sldMasterIdLst>
   <p:notesMasterIdLst>
-    <p:notesMasterId r:id="rId4"/>
+    <p:notesMasterId r:id="rId8"/>
   </p:notesMasterIdLst>
   <p:sldIdLst>
-    <p:sldId id="256" r:id="rId5"/>
-    <p:sldId id="257" r:id="rId6"/>
-    <p:sldId id="258" r:id="rId7"/>
-    <p:sldId id="259" r:id="rId8"/>
-    <p:sldId id="260" r:id="rId9"/>
-    <p:sldId id="261" r:id="rId10"/>
-    <p:sldId id="262" r:id="rId11"/>
+    <p:sldId id="256" r:id="rId2"/>
+    <p:sldId id="257" r:id="rId3"/>
+    <p:sldId id="258" r:id="rId4"/>
+    <p:sldId id="259" r:id="rId5"/>
+    <p:sldId id="260" r:id="rId6"/>
+    <p:sldId id="261" r:id="rId7"/>
   </p:sldIdLst>
-  <p:sldSz cy="8229600" cx="14630400"/>
+  <p:sldSz cx="14630400" cy="8229600"/>
   <p:notesSz cx="8229600" cy="14630400"/>
   <p:embeddedFontLst>
     <p:embeddedFont>
-      <p:font typeface="Lora"/>
-      <p:regular r:id="rId12"/>
-      <p:bold r:id="rId13"/>
-      <p:italic r:id="rId14"/>
-      <p:boldItalic r:id="rId15"/>
+      <p:font typeface="Calibri" panose="020F0502020204030204" pitchFamily="34" charset="0"/>
+      <p:regular r:id="rId9"/>
+      <p:bold r:id="rId10"/>
+      <p:italic r:id="rId11"/>
+      <p:boldItalic r:id="rId12"/>
+    </p:embeddedFont>
+    <p:embeddedFont>
+      <p:font typeface="Lora" panose="020B0604020202020204" charset="-52"/>
+      <p:regular r:id="rId13"/>
+      <p:bold r:id="rId14"/>
+      <p:italic r:id="rId15"/>
+      <p:boldItalic r:id="rId16"/>
     </p:embeddedFont>
   </p:embeddedFontLst>
   <p:defaultTextStyle>
-    <a:defPPr lvl="0" marR="0" rtl="0" algn="l">
+    <a:defPPr marR="0" lvl="0" algn="l" rtl="0">
       <a:lnSpc>
         <a:spcPct val="100000"/>
       </a:lnSpc>
@@ -39,7 +45,7 @@
         <a:spcPts val="0"/>
       </a:spcAft>
     </a:defPPr>
-    <a:lvl1pPr lvl="0" marR="0" rtl="0" algn="l">
+    <a:lvl1pPr marR="0" lvl="0" algn="l" rtl="0">
       <a:lnSpc>
         <a:spcPct val="100000"/>
       </a:lnSpc>
@@ -53,7 +59,7 @@
         <a:srgbClr val="000000"/>
       </a:buClr>
       <a:buFont typeface="Arial"/>
-      <a:defRPr b="0" i="0" sz="1400" u="none" cap="none" strike="noStrike">
+      <a:defRPr sz="1400" b="0" i="0" u="none" strike="noStrike" cap="none">
         <a:solidFill>
           <a:srgbClr val="000000"/>
         </a:solidFill>
@@ -63,7 +69,7 @@
         <a:sym typeface="Arial"/>
       </a:defRPr>
     </a:lvl1pPr>
-    <a:lvl2pPr lvl="1" marR="0" rtl="0" algn="l">
+    <a:lvl2pPr marR="0" lvl="1" algn="l" rtl="0">
       <a:lnSpc>
         <a:spcPct val="100000"/>
       </a:lnSpc>
@@ -77,7 +83,7 @@
         <a:srgbClr val="000000"/>
       </a:buClr>
       <a:buFont typeface="Arial"/>
-      <a:defRPr b="0" i="0" sz="1400" u="none" cap="none" strike="noStrike">
+      <a:defRPr sz="1400" b="0" i="0" u="none" strike="noStrike" cap="none">
         <a:solidFill>
           <a:srgbClr val="000000"/>
         </a:solidFill>
@@ -87,7 +93,7 @@
         <a:sym typeface="Arial"/>
       </a:defRPr>
     </a:lvl2pPr>
-    <a:lvl3pPr lvl="2" marR="0" rtl="0" algn="l">
+    <a:lvl3pPr marR="0" lvl="2" algn="l" rtl="0">
       <a:lnSpc>
         <a:spcPct val="100000"/>
       </a:lnSpc>
@@ -101,7 +107,7 @@
         <a:srgbClr val="000000"/>
       </a:buClr>
       <a:buFont typeface="Arial"/>
-      <a:defRPr b="0" i="0" sz="1400" u="none" cap="none" strike="noStrike">
+      <a:defRPr sz="1400" b="0" i="0" u="none" strike="noStrike" cap="none">
         <a:solidFill>
           <a:srgbClr val="000000"/>
         </a:solidFill>
@@ -111,7 +117,7 @@
         <a:sym typeface="Arial"/>
       </a:defRPr>
     </a:lvl3pPr>
-    <a:lvl4pPr lvl="3" marR="0" rtl="0" algn="l">
+    <a:lvl4pPr marR="0" lvl="3" algn="l" rtl="0">
       <a:lnSpc>
         <a:spcPct val="100000"/>
       </a:lnSpc>
@@ -125,7 +131,7 @@
         <a:srgbClr val="000000"/>
       </a:buClr>
       <a:buFont typeface="Arial"/>
-      <a:defRPr b="0" i="0" sz="1400" u="none" cap="none" strike="noStrike">
+      <a:defRPr sz="1400" b="0" i="0" u="none" strike="noStrike" cap="none">
         <a:solidFill>
           <a:srgbClr val="000000"/>
         </a:solidFill>
@@ -135,7 +141,7 @@
         <a:sym typeface="Arial"/>
       </a:defRPr>
     </a:lvl4pPr>
-    <a:lvl5pPr lvl="4" marR="0" rtl="0" algn="l">
+    <a:lvl5pPr marR="0" lvl="4" algn="l" rtl="0">
       <a:lnSpc>
         <a:spcPct val="100000"/>
       </a:lnSpc>
@@ -149,7 +155,7 @@
         <a:srgbClr val="000000"/>
       </a:buClr>
       <a:buFont typeface="Arial"/>
-      <a:defRPr b="0" i="0" sz="1400" u="none" cap="none" strike="noStrike">
+      <a:defRPr sz="1400" b="0" i="0" u="none" strike="noStrike" cap="none">
         <a:solidFill>
           <a:srgbClr val="000000"/>
         </a:solidFill>
@@ -159,7 +165,7 @@
         <a:sym typeface="Arial"/>
       </a:defRPr>
     </a:lvl5pPr>
-    <a:lvl6pPr lvl="5" marR="0" rtl="0" algn="l">
+    <a:lvl6pPr marR="0" lvl="5" algn="l" rtl="0">
       <a:lnSpc>
         <a:spcPct val="100000"/>
       </a:lnSpc>
@@ -173,7 +179,7 @@
         <a:srgbClr val="000000"/>
       </a:buClr>
       <a:buFont typeface="Arial"/>
-      <a:defRPr b="0" i="0" sz="1400" u="none" cap="none" strike="noStrike">
+      <a:defRPr sz="1400" b="0" i="0" u="none" strike="noStrike" cap="none">
         <a:solidFill>
           <a:srgbClr val="000000"/>
         </a:solidFill>
@@ -183,7 +189,7 @@
         <a:sym typeface="Arial"/>
       </a:defRPr>
     </a:lvl6pPr>
-    <a:lvl7pPr lvl="6" marR="0" rtl="0" algn="l">
+    <a:lvl7pPr marR="0" lvl="6" algn="l" rtl="0">
       <a:lnSpc>
         <a:spcPct val="100000"/>
       </a:lnSpc>
@@ -197,7 +203,7 @@
         <a:srgbClr val="000000"/>
       </a:buClr>
       <a:buFont typeface="Arial"/>
-      <a:defRPr b="0" i="0" sz="1400" u="none" cap="none" strike="noStrike">
+      <a:defRPr sz="1400" b="0" i="0" u="none" strike="noStrike" cap="none">
         <a:solidFill>
           <a:srgbClr val="000000"/>
         </a:solidFill>
@@ -207,7 +213,7 @@
         <a:sym typeface="Arial"/>
       </a:defRPr>
     </a:lvl7pPr>
-    <a:lvl8pPr lvl="7" marR="0" rtl="0" algn="l">
+    <a:lvl8pPr marR="0" lvl="7" algn="l" rtl="0">
       <a:lnSpc>
         <a:spcPct val="100000"/>
       </a:lnSpc>
@@ -221,7 +227,7 @@
         <a:srgbClr val="000000"/>
       </a:buClr>
       <a:buFont typeface="Arial"/>
-      <a:defRPr b="0" i="0" sz="1400" u="none" cap="none" strike="noStrike">
+      <a:defRPr sz="1400" b="0" i="0" u="none" strike="noStrike" cap="none">
         <a:solidFill>
           <a:srgbClr val="000000"/>
         </a:solidFill>
@@ -231,7 +237,7 @@
         <a:sym typeface="Arial"/>
       </a:defRPr>
     </a:lvl8pPr>
-    <a:lvl9pPr lvl="8" marR="0" rtl="0" algn="l">
+    <a:lvl9pPr marR="0" lvl="8" algn="l" rtl="0">
       <a:lnSpc>
         <a:spcPct val="100000"/>
       </a:lnSpc>
@@ -245,7 +251,7 @@
         <a:srgbClr val="000000"/>
       </a:buClr>
       <a:buFont typeface="Arial"/>
-      <a:defRPr b="0" i="0" sz="1400" u="none" cap="none" strike="noStrike">
+      <a:defRPr sz="1400" b="0" i="0" u="none" strike="noStrike" cap="none">
         <a:solidFill>
           <a:srgbClr val="000000"/>
         </a:solidFill>
@@ -260,18 +266,19 @@
 </file>
 
 <file path=ppt/notesMasters/notesMaster1.xml><?xml version="1.0" encoding="utf-8"?>
-<p:notesMaster xmlns:a="http://schemas.openxmlformats.org/drawingml/2006/main" xmlns:r="http://schemas.openxmlformats.org/officeDocument/2006/relationships" xmlns:mc="http://schemas.openxmlformats.org/markup-compatibility/2006" xmlns:mv="urn:schemas-microsoft-com:mac:vml" xmlns:p="http://schemas.openxmlformats.org/presentationml/2006/main" xmlns:c="http://schemas.openxmlformats.org/drawingml/2006/chart" xmlns:dgm="http://schemas.openxmlformats.org/drawingml/2006/diagram" xmlns:o="urn:schemas-microsoft-com:office:office" xmlns:v="urn:schemas-microsoft-com:vml" xmlns:pvml="urn:schemas-microsoft-com:office:powerpoint" xmlns:com="http://schemas.openxmlformats.org/drawingml/2006/compatibility" xmlns:p14="http://schemas.microsoft.com/office/powerpoint/2010/main" xmlns:p15="http://schemas.microsoft.com/office/powerpoint/2012/main" xmlns:ahyp="http://schemas.microsoft.com/office/drawing/2018/hyperlinkcolor">
+<p:notesMaster xmlns:a="http://schemas.openxmlformats.org/drawingml/2006/main" xmlns:r="http://schemas.openxmlformats.org/officeDocument/2006/relationships" xmlns:p="http://schemas.openxmlformats.org/presentationml/2006/main">
   <p:cSld>
     <p:bg>
       <p:bgPr>
         <a:solidFill>
           <a:schemeClr val="lt1"/>
         </a:solidFill>
+        <a:effectLst/>
       </p:bgPr>
     </p:bg>
     <p:spTree>
       <p:nvGrpSpPr>
-        <p:cNvPr id="2" name="Shape 2"/>
+        <p:cNvPr id="1" name="Shape 2"/>
         <p:cNvGrpSpPr/>
         <p:nvPr/>
       </p:nvGrpSpPr>
@@ -286,9 +293,11 @@
       <p:sp>
         <p:nvSpPr>
           <p:cNvPr id="3" name="Google Shape;3;n"/>
-          <p:cNvSpPr txBox="1"/>
+          <p:cNvSpPr txBox="1">
+            <a:spLocks noGrp="1"/>
+          </p:cNvSpPr>
           <p:nvPr>
-            <p:ph idx="2" type="hdr"/>
+            <p:ph type="hdr" idx="2"/>
           </p:nvPr>
         </p:nvSpPr>
         <p:spPr>
@@ -305,11 +314,11 @@
           </a:ln>
         </p:spPr>
         <p:txBody>
-          <a:bodyPr anchorCtr="0" anchor="t" bIns="45700" lIns="91425" spcFirstLastPara="1" rIns="91425" wrap="square" tIns="45700">
+          <a:bodyPr spcFirstLastPara="1" wrap="square" lIns="91425" tIns="45700" rIns="91425" bIns="45700" anchor="t" anchorCtr="0">
             <a:noAutofit/>
           </a:bodyPr>
           <a:lstStyle>
-            <a:lvl1pPr lvl="0" marR="0" rtl="0" algn="l">
+            <a:lvl1pPr marR="0" lvl="0" algn="l" rtl="0">
               <a:spcBef>
                 <a:spcPts val="0"/>
               </a:spcBef>
@@ -318,7 +327,7 @@
               </a:spcAft>
               <a:buSzPts val="1400"/>
               <a:buNone/>
-              <a:defRPr b="0" i="0" sz="1200" u="none" cap="none" strike="noStrike">
+              <a:defRPr sz="1200" b="0" i="0" u="none" strike="noStrike" cap="none">
                 <a:solidFill>
                   <a:schemeClr val="dk1"/>
                 </a:solidFill>
@@ -328,7 +337,7 @@
                 <a:sym typeface="Calibri"/>
               </a:defRPr>
             </a:lvl1pPr>
-            <a:lvl2pPr lvl="1" marR="0" rtl="0" algn="l">
+            <a:lvl2pPr marR="0" lvl="1" algn="l" rtl="0">
               <a:spcBef>
                 <a:spcPts val="0"/>
               </a:spcBef>
@@ -337,7 +346,7 @@
               </a:spcAft>
               <a:buSzPts val="1400"/>
               <a:buNone/>
-              <a:defRPr b="0" i="0" sz="1800" u="none" cap="none" strike="noStrike">
+              <a:defRPr sz="1800" b="0" i="0" u="none" strike="noStrike" cap="none">
                 <a:solidFill>
                   <a:schemeClr val="dk1"/>
                 </a:solidFill>
@@ -347,7 +356,7 @@
                 <a:sym typeface="Calibri"/>
               </a:defRPr>
             </a:lvl2pPr>
-            <a:lvl3pPr lvl="2" marR="0" rtl="0" algn="l">
+            <a:lvl3pPr marR="0" lvl="2" algn="l" rtl="0">
               <a:spcBef>
                 <a:spcPts val="0"/>
               </a:spcBef>
@@ -356,7 +365,7 @@
               </a:spcAft>
               <a:buSzPts val="1400"/>
               <a:buNone/>
-              <a:defRPr b="0" i="0" sz="1800" u="none" cap="none" strike="noStrike">
+              <a:defRPr sz="1800" b="0" i="0" u="none" strike="noStrike" cap="none">
                 <a:solidFill>
                   <a:schemeClr val="dk1"/>
                 </a:solidFill>
@@ -366,7 +375,7 @@
                 <a:sym typeface="Calibri"/>
               </a:defRPr>
             </a:lvl3pPr>
-            <a:lvl4pPr lvl="3" marR="0" rtl="0" algn="l">
+            <a:lvl4pPr marR="0" lvl="3" algn="l" rtl="0">
               <a:spcBef>
                 <a:spcPts val="0"/>
               </a:spcBef>
@@ -375,7 +384,7 @@
               </a:spcAft>
               <a:buSzPts val="1400"/>
               <a:buNone/>
-              <a:defRPr b="0" i="0" sz="1800" u="none" cap="none" strike="noStrike">
+              <a:defRPr sz="1800" b="0" i="0" u="none" strike="noStrike" cap="none">
                 <a:solidFill>
                   <a:schemeClr val="dk1"/>
                 </a:solidFill>
@@ -385,7 +394,7 @@
                 <a:sym typeface="Calibri"/>
               </a:defRPr>
             </a:lvl4pPr>
-            <a:lvl5pPr lvl="4" marR="0" rtl="0" algn="l">
+            <a:lvl5pPr marR="0" lvl="4" algn="l" rtl="0">
               <a:spcBef>
                 <a:spcPts val="0"/>
               </a:spcBef>
@@ -394,7 +403,7 @@
               </a:spcAft>
               <a:buSzPts val="1400"/>
               <a:buNone/>
-              <a:defRPr b="0" i="0" sz="1800" u="none" cap="none" strike="noStrike">
+              <a:defRPr sz="1800" b="0" i="0" u="none" strike="noStrike" cap="none">
                 <a:solidFill>
                   <a:schemeClr val="dk1"/>
                 </a:solidFill>
@@ -404,7 +413,7 @@
                 <a:sym typeface="Calibri"/>
               </a:defRPr>
             </a:lvl5pPr>
-            <a:lvl6pPr lvl="5" marR="0" rtl="0" algn="l">
+            <a:lvl6pPr marR="0" lvl="5" algn="l" rtl="0">
               <a:spcBef>
                 <a:spcPts val="0"/>
               </a:spcBef>
@@ -413,7 +422,7 @@
               </a:spcAft>
               <a:buSzPts val="1400"/>
               <a:buNone/>
-              <a:defRPr b="0" i="0" sz="1800" u="none" cap="none" strike="noStrike">
+              <a:defRPr sz="1800" b="0" i="0" u="none" strike="noStrike" cap="none">
                 <a:solidFill>
                   <a:schemeClr val="dk1"/>
                 </a:solidFill>
@@ -423,7 +432,7 @@
                 <a:sym typeface="Calibri"/>
               </a:defRPr>
             </a:lvl6pPr>
-            <a:lvl7pPr lvl="6" marR="0" rtl="0" algn="l">
+            <a:lvl7pPr marR="0" lvl="6" algn="l" rtl="0">
               <a:spcBef>
                 <a:spcPts val="0"/>
               </a:spcBef>
@@ -432,7 +441,7 @@
               </a:spcAft>
               <a:buSzPts val="1400"/>
               <a:buNone/>
-              <a:defRPr b="0" i="0" sz="1800" u="none" cap="none" strike="noStrike">
+              <a:defRPr sz="1800" b="0" i="0" u="none" strike="noStrike" cap="none">
                 <a:solidFill>
                   <a:schemeClr val="dk1"/>
                 </a:solidFill>
@@ -442,7 +451,7 @@
                 <a:sym typeface="Calibri"/>
               </a:defRPr>
             </a:lvl7pPr>
-            <a:lvl8pPr lvl="7" marR="0" rtl="0" algn="l">
+            <a:lvl8pPr marR="0" lvl="7" algn="l" rtl="0">
               <a:spcBef>
                 <a:spcPts val="0"/>
               </a:spcBef>
@@ -451,7 +460,7 @@
               </a:spcAft>
               <a:buSzPts val="1400"/>
               <a:buNone/>
-              <a:defRPr b="0" i="0" sz="1800" u="none" cap="none" strike="noStrike">
+              <a:defRPr sz="1800" b="0" i="0" u="none" strike="noStrike" cap="none">
                 <a:solidFill>
                   <a:schemeClr val="dk1"/>
                 </a:solidFill>
@@ -461,7 +470,7 @@
                 <a:sym typeface="Calibri"/>
               </a:defRPr>
             </a:lvl8pPr>
-            <a:lvl9pPr lvl="8" marR="0" rtl="0" algn="l">
+            <a:lvl9pPr marR="0" lvl="8" algn="l" rtl="0">
               <a:spcBef>
                 <a:spcPts val="0"/>
               </a:spcBef>
@@ -470,7 +479,7 @@
               </a:spcAft>
               <a:buSzPts val="1400"/>
               <a:buNone/>
-              <a:defRPr b="0" i="0" sz="1800" u="none" cap="none" strike="noStrike">
+              <a:defRPr sz="1800" b="0" i="0" u="none" strike="noStrike" cap="none">
                 <a:solidFill>
                   <a:schemeClr val="dk1"/>
                 </a:solidFill>
@@ -481,15 +490,19 @@
               </a:defRPr>
             </a:lvl9pPr>
           </a:lstStyle>
-          <a:p/>
+          <a:p>
+            <a:endParaRPr/>
+          </a:p>
         </p:txBody>
       </p:sp>
       <p:sp>
         <p:nvSpPr>
           <p:cNvPr id="4" name="Google Shape;4;n"/>
-          <p:cNvSpPr txBox="1"/>
+          <p:cNvSpPr txBox="1">
+            <a:spLocks noGrp="1"/>
+          </p:cNvSpPr>
           <p:nvPr>
-            <p:ph idx="10" type="dt"/>
+            <p:ph type="dt" idx="10"/>
           </p:nvPr>
         </p:nvSpPr>
         <p:spPr>
@@ -506,11 +519,11 @@
           </a:ln>
         </p:spPr>
         <p:txBody>
-          <a:bodyPr anchorCtr="0" anchor="t" bIns="45700" lIns="91425" spcFirstLastPara="1" rIns="91425" wrap="square" tIns="45700">
+          <a:bodyPr spcFirstLastPara="1" wrap="square" lIns="91425" tIns="45700" rIns="91425" bIns="45700" anchor="t" anchorCtr="0">
             <a:noAutofit/>
           </a:bodyPr>
           <a:lstStyle>
-            <a:lvl1pPr lvl="0" marR="0" rtl="0" algn="r">
+            <a:lvl1pPr marR="0" lvl="0" algn="r" rtl="0">
               <a:spcBef>
                 <a:spcPts val="0"/>
               </a:spcBef>
@@ -519,7 +532,7 @@
               </a:spcAft>
               <a:buSzPts val="1400"/>
               <a:buNone/>
-              <a:defRPr b="0" i="0" sz="1200" u="none" cap="none" strike="noStrike">
+              <a:defRPr sz="1200" b="0" i="0" u="none" strike="noStrike" cap="none">
                 <a:solidFill>
                   <a:schemeClr val="dk1"/>
                 </a:solidFill>
@@ -529,7 +542,7 @@
                 <a:sym typeface="Calibri"/>
               </a:defRPr>
             </a:lvl1pPr>
-            <a:lvl2pPr lvl="1" marR="0" rtl="0" algn="l">
+            <a:lvl2pPr marR="0" lvl="1" algn="l" rtl="0">
               <a:spcBef>
                 <a:spcPts val="0"/>
               </a:spcBef>
@@ -538,7 +551,7 @@
               </a:spcAft>
               <a:buSzPts val="1400"/>
               <a:buNone/>
-              <a:defRPr b="0" i="0" sz="1800" u="none" cap="none" strike="noStrike">
+              <a:defRPr sz="1800" b="0" i="0" u="none" strike="noStrike" cap="none">
                 <a:solidFill>
                   <a:schemeClr val="dk1"/>
                 </a:solidFill>
@@ -548,7 +561,7 @@
                 <a:sym typeface="Calibri"/>
               </a:defRPr>
             </a:lvl2pPr>
-            <a:lvl3pPr lvl="2" marR="0" rtl="0" algn="l">
+            <a:lvl3pPr marR="0" lvl="2" algn="l" rtl="0">
               <a:spcBef>
                 <a:spcPts val="0"/>
               </a:spcBef>
@@ -557,7 +570,7 @@
               </a:spcAft>
               <a:buSzPts val="1400"/>
               <a:buNone/>
-              <a:defRPr b="0" i="0" sz="1800" u="none" cap="none" strike="noStrike">
+              <a:defRPr sz="1800" b="0" i="0" u="none" strike="noStrike" cap="none">
                 <a:solidFill>
                   <a:schemeClr val="dk1"/>
                 </a:solidFill>
@@ -567,7 +580,7 @@
                 <a:sym typeface="Calibri"/>
               </a:defRPr>
             </a:lvl3pPr>
-            <a:lvl4pPr lvl="3" marR="0" rtl="0" algn="l">
+            <a:lvl4pPr marR="0" lvl="3" algn="l" rtl="0">
               <a:spcBef>
                 <a:spcPts val="0"/>
               </a:spcBef>
@@ -576,7 +589,7 @@
               </a:spcAft>
               <a:buSzPts val="1400"/>
               <a:buNone/>
-              <a:defRPr b="0" i="0" sz="1800" u="none" cap="none" strike="noStrike">
+              <a:defRPr sz="1800" b="0" i="0" u="none" strike="noStrike" cap="none">
                 <a:solidFill>
                   <a:schemeClr val="dk1"/>
                 </a:solidFill>
@@ -586,7 +599,7 @@
                 <a:sym typeface="Calibri"/>
               </a:defRPr>
             </a:lvl4pPr>
-            <a:lvl5pPr lvl="4" marR="0" rtl="0" algn="l">
+            <a:lvl5pPr marR="0" lvl="4" algn="l" rtl="0">
               <a:spcBef>
                 <a:spcPts val="0"/>
               </a:spcBef>
@@ -595,7 +608,7 @@
               </a:spcAft>
               <a:buSzPts val="1400"/>
               <a:buNone/>
-              <a:defRPr b="0" i="0" sz="1800" u="none" cap="none" strike="noStrike">
+              <a:defRPr sz="1800" b="0" i="0" u="none" strike="noStrike" cap="none">
                 <a:solidFill>
                   <a:schemeClr val="dk1"/>
                 </a:solidFill>
@@ -605,7 +618,7 @@
                 <a:sym typeface="Calibri"/>
               </a:defRPr>
             </a:lvl5pPr>
-            <a:lvl6pPr lvl="5" marR="0" rtl="0" algn="l">
+            <a:lvl6pPr marR="0" lvl="5" algn="l" rtl="0">
               <a:spcBef>
                 <a:spcPts val="0"/>
               </a:spcBef>
@@ -614,7 +627,7 @@
               </a:spcAft>
               <a:buSzPts val="1400"/>
               <a:buNone/>
-              <a:defRPr b="0" i="0" sz="1800" u="none" cap="none" strike="noStrike">
+              <a:defRPr sz="1800" b="0" i="0" u="none" strike="noStrike" cap="none">
                 <a:solidFill>
                   <a:schemeClr val="dk1"/>
                 </a:solidFill>
@@ -624,7 +637,7 @@
                 <a:sym typeface="Calibri"/>
               </a:defRPr>
             </a:lvl6pPr>
-            <a:lvl7pPr lvl="6" marR="0" rtl="0" algn="l">
+            <a:lvl7pPr marR="0" lvl="6" algn="l" rtl="0">
               <a:spcBef>
                 <a:spcPts val="0"/>
               </a:spcBef>
@@ -633,7 +646,7 @@
               </a:spcAft>
               <a:buSzPts val="1400"/>
               <a:buNone/>
-              <a:defRPr b="0" i="0" sz="1800" u="none" cap="none" strike="noStrike">
+              <a:defRPr sz="1800" b="0" i="0" u="none" strike="noStrike" cap="none">
                 <a:solidFill>
                   <a:schemeClr val="dk1"/>
                 </a:solidFill>
@@ -643,7 +656,7 @@
                 <a:sym typeface="Calibri"/>
               </a:defRPr>
             </a:lvl7pPr>
-            <a:lvl8pPr lvl="7" marR="0" rtl="0" algn="l">
+            <a:lvl8pPr marR="0" lvl="7" algn="l" rtl="0">
               <a:spcBef>
                 <a:spcPts val="0"/>
               </a:spcBef>
@@ -652,7 +665,7 @@
               </a:spcAft>
               <a:buSzPts val="1400"/>
               <a:buNone/>
-              <a:defRPr b="0" i="0" sz="1800" u="none" cap="none" strike="noStrike">
+              <a:defRPr sz="1800" b="0" i="0" u="none" strike="noStrike" cap="none">
                 <a:solidFill>
                   <a:schemeClr val="dk1"/>
                 </a:solidFill>
@@ -662,7 +675,7 @@
                 <a:sym typeface="Calibri"/>
               </a:defRPr>
             </a:lvl8pPr>
-            <a:lvl9pPr lvl="8" marR="0" rtl="0" algn="l">
+            <a:lvl9pPr marR="0" lvl="8" algn="l" rtl="0">
               <a:spcBef>
                 <a:spcPts val="0"/>
               </a:spcBef>
@@ -671,7 +684,7 @@
               </a:spcAft>
               <a:buSzPts val="1400"/>
               <a:buNone/>
-              <a:defRPr b="0" i="0" sz="1800" u="none" cap="none" strike="noStrike">
+              <a:defRPr sz="1800" b="0" i="0" u="none" strike="noStrike" cap="none">
                 <a:solidFill>
                   <a:schemeClr val="dk1"/>
                 </a:solidFill>
@@ -682,15 +695,19 @@
               </a:defRPr>
             </a:lvl9pPr>
           </a:lstStyle>
-          <a:p/>
+          <a:p>
+            <a:endParaRPr/>
+          </a:p>
         </p:txBody>
       </p:sp>
       <p:sp>
         <p:nvSpPr>
           <p:cNvPr id="5" name="Google Shape;5;n"/>
-          <p:cNvSpPr/>
+          <p:cNvSpPr>
+            <a:spLocks noGrp="1" noRot="1" noChangeAspect="1"/>
+          </p:cNvSpPr>
           <p:nvPr>
-            <p:ph idx="3" type="sldImg"/>
+            <p:ph type="sldImg" idx="3"/>
           </p:nvPr>
         </p:nvSpPr>
         <p:spPr>
@@ -699,9 +716,13 @@
             <a:ext cx="5486400" cy="3086100"/>
           </a:xfrm>
           <a:custGeom>
-            <a:rect b="b" l="l" r="r" t="t"/>
+            <a:avLst/>
+            <a:gdLst/>
+            <a:ahLst/>
+            <a:cxnLst/>
+            <a:rect l="l" t="t" r="r" b="b"/>
             <a:pathLst>
-              <a:path extrusionOk="0" h="120000" w="120000">
+              <a:path w="120000" h="120000" extrusionOk="0">
                 <a:moveTo>
                   <a:pt x="0" y="0"/>
                 </a:moveTo>
@@ -719,23 +740,25 @@
             </a:pathLst>
           </a:custGeom>
           <a:noFill/>
-          <a:ln cap="flat" cmpd="sng" w="12700">
+          <a:ln w="12700" cap="flat" cmpd="sng">
             <a:solidFill>
               <a:srgbClr val="000000"/>
             </a:solidFill>
             <a:prstDash val="solid"/>
             <a:round/>
-            <a:headEnd len="sm" w="sm" type="none"/>
-            <a:tailEnd len="sm" w="sm" type="none"/>
+            <a:headEnd type="none" w="sm" len="sm"/>
+            <a:tailEnd type="none" w="sm" len="sm"/>
           </a:ln>
         </p:spPr>
       </p:sp>
       <p:sp>
         <p:nvSpPr>
           <p:cNvPr id="6" name="Google Shape;6;n"/>
-          <p:cNvSpPr txBox="1"/>
+          <p:cNvSpPr txBox="1">
+            <a:spLocks noGrp="1"/>
+          </p:cNvSpPr>
           <p:nvPr>
-            <p:ph idx="1" type="body"/>
+            <p:ph type="body" idx="1"/>
           </p:nvPr>
         </p:nvSpPr>
         <p:spPr>
@@ -752,11 +775,11 @@
           </a:ln>
         </p:spPr>
         <p:txBody>
-          <a:bodyPr anchorCtr="0" anchor="t" bIns="45700" lIns="91425" spcFirstLastPara="1" rIns="91425" wrap="square" tIns="45700">
+          <a:bodyPr spcFirstLastPara="1" wrap="square" lIns="91425" tIns="45700" rIns="91425" bIns="45700" anchor="t" anchorCtr="0">
             <a:noAutofit/>
           </a:bodyPr>
           <a:lstStyle>
-            <a:lvl1pPr indent="-228600" lvl="0" marL="457200" marR="0" rtl="0" algn="l">
+            <a:lvl1pPr marL="457200" marR="0" lvl="0" indent="-228600" algn="l" rtl="0">
               <a:spcBef>
                 <a:spcPts val="0"/>
               </a:spcBef>
@@ -765,7 +788,7 @@
               </a:spcAft>
               <a:buSzPts val="1400"/>
               <a:buNone/>
-              <a:defRPr b="0" i="0" sz="1200" u="none" cap="none" strike="noStrike">
+              <a:defRPr sz="1200" b="0" i="0" u="none" strike="noStrike" cap="none">
                 <a:solidFill>
                   <a:schemeClr val="dk1"/>
                 </a:solidFill>
@@ -775,7 +798,7 @@
                 <a:sym typeface="Calibri"/>
               </a:defRPr>
             </a:lvl1pPr>
-            <a:lvl2pPr indent="-228600" lvl="1" marL="914400" marR="0" rtl="0" algn="l">
+            <a:lvl2pPr marL="914400" marR="0" lvl="1" indent="-228600" algn="l" rtl="0">
               <a:spcBef>
                 <a:spcPts val="0"/>
               </a:spcBef>
@@ -784,7 +807,7 @@
               </a:spcAft>
               <a:buSzPts val="1400"/>
               <a:buNone/>
-              <a:defRPr b="0" i="0" sz="1200" u="none" cap="none" strike="noStrike">
+              <a:defRPr sz="1200" b="0" i="0" u="none" strike="noStrike" cap="none">
                 <a:solidFill>
                   <a:schemeClr val="dk1"/>
                 </a:solidFill>
@@ -794,7 +817,7 @@
                 <a:sym typeface="Calibri"/>
               </a:defRPr>
             </a:lvl2pPr>
-            <a:lvl3pPr indent="-228600" lvl="2" marL="1371600" marR="0" rtl="0" algn="l">
+            <a:lvl3pPr marL="1371600" marR="0" lvl="2" indent="-228600" algn="l" rtl="0">
               <a:spcBef>
                 <a:spcPts val="0"/>
               </a:spcBef>
@@ -803,7 +826,7 @@
               </a:spcAft>
               <a:buSzPts val="1400"/>
               <a:buNone/>
-              <a:defRPr b="0" i="0" sz="1200" u="none" cap="none" strike="noStrike">
+              <a:defRPr sz="1200" b="0" i="0" u="none" strike="noStrike" cap="none">
                 <a:solidFill>
                   <a:schemeClr val="dk1"/>
                 </a:solidFill>
@@ -813,7 +836,7 @@
                 <a:sym typeface="Calibri"/>
               </a:defRPr>
             </a:lvl3pPr>
-            <a:lvl4pPr indent="-228600" lvl="3" marL="1828800" marR="0" rtl="0" algn="l">
+            <a:lvl4pPr marL="1828800" marR="0" lvl="3" indent="-228600" algn="l" rtl="0">
               <a:spcBef>
                 <a:spcPts val="0"/>
               </a:spcBef>
@@ -822,7 +845,7 @@
               </a:spcAft>
               <a:buSzPts val="1400"/>
               <a:buNone/>
-              <a:defRPr b="0" i="0" sz="1200" u="none" cap="none" strike="noStrike">
+              <a:defRPr sz="1200" b="0" i="0" u="none" strike="noStrike" cap="none">
                 <a:solidFill>
                   <a:schemeClr val="dk1"/>
                 </a:solidFill>
@@ -832,7 +855,7 @@
                 <a:sym typeface="Calibri"/>
               </a:defRPr>
             </a:lvl4pPr>
-            <a:lvl5pPr indent="-228600" lvl="4" marL="2286000" marR="0" rtl="0" algn="l">
+            <a:lvl5pPr marL="2286000" marR="0" lvl="4" indent="-228600" algn="l" rtl="0">
               <a:spcBef>
                 <a:spcPts val="0"/>
               </a:spcBef>
@@ -841,7 +864,7 @@
               </a:spcAft>
               <a:buSzPts val="1400"/>
               <a:buNone/>
-              <a:defRPr b="0" i="0" sz="1200" u="none" cap="none" strike="noStrike">
+              <a:defRPr sz="1200" b="0" i="0" u="none" strike="noStrike" cap="none">
                 <a:solidFill>
                   <a:schemeClr val="dk1"/>
                 </a:solidFill>
@@ -851,7 +874,7 @@
                 <a:sym typeface="Calibri"/>
               </a:defRPr>
             </a:lvl5pPr>
-            <a:lvl6pPr indent="-228600" lvl="5" marL="2743200" marR="0" rtl="0" algn="l">
+            <a:lvl6pPr marL="2743200" marR="0" lvl="5" indent="-228600" algn="l" rtl="0">
               <a:spcBef>
                 <a:spcPts val="0"/>
               </a:spcBef>
@@ -860,7 +883,7 @@
               </a:spcAft>
               <a:buSzPts val="1400"/>
               <a:buNone/>
-              <a:defRPr b="0" i="0" sz="1200" u="none" cap="none" strike="noStrike">
+              <a:defRPr sz="1200" b="0" i="0" u="none" strike="noStrike" cap="none">
                 <a:solidFill>
                   <a:schemeClr val="dk1"/>
                 </a:solidFill>
@@ -870,7 +893,7 @@
                 <a:sym typeface="Calibri"/>
               </a:defRPr>
             </a:lvl6pPr>
-            <a:lvl7pPr indent="-228600" lvl="6" marL="3200400" marR="0" rtl="0" algn="l">
+            <a:lvl7pPr marL="3200400" marR="0" lvl="6" indent="-228600" algn="l" rtl="0">
               <a:spcBef>
                 <a:spcPts val="0"/>
               </a:spcBef>
@@ -879,7 +902,7 @@
               </a:spcAft>
               <a:buSzPts val="1400"/>
               <a:buNone/>
-              <a:defRPr b="0" i="0" sz="1200" u="none" cap="none" strike="noStrike">
+              <a:defRPr sz="1200" b="0" i="0" u="none" strike="noStrike" cap="none">
                 <a:solidFill>
                   <a:schemeClr val="dk1"/>
                 </a:solidFill>
@@ -889,7 +912,7 @@
                 <a:sym typeface="Calibri"/>
               </a:defRPr>
             </a:lvl7pPr>
-            <a:lvl8pPr indent="-228600" lvl="7" marL="3657600" marR="0" rtl="0" algn="l">
+            <a:lvl8pPr marL="3657600" marR="0" lvl="7" indent="-228600" algn="l" rtl="0">
               <a:spcBef>
                 <a:spcPts val="0"/>
               </a:spcBef>
@@ -898,7 +921,7 @@
               </a:spcAft>
               <a:buSzPts val="1400"/>
               <a:buNone/>
-              <a:defRPr b="0" i="0" sz="1200" u="none" cap="none" strike="noStrike">
+              <a:defRPr sz="1200" b="0" i="0" u="none" strike="noStrike" cap="none">
                 <a:solidFill>
                   <a:schemeClr val="dk1"/>
                 </a:solidFill>
@@ -908,7 +931,7 @@
                 <a:sym typeface="Calibri"/>
               </a:defRPr>
             </a:lvl8pPr>
-            <a:lvl9pPr indent="-228600" lvl="8" marL="4114800" marR="0" rtl="0" algn="l">
+            <a:lvl9pPr marL="4114800" marR="0" lvl="8" indent="-228600" algn="l" rtl="0">
               <a:spcBef>
                 <a:spcPts val="0"/>
               </a:spcBef>
@@ -917,7 +940,7 @@
               </a:spcAft>
               <a:buSzPts val="1400"/>
               <a:buNone/>
-              <a:defRPr b="0" i="0" sz="1200" u="none" cap="none" strike="noStrike">
+              <a:defRPr sz="1200" b="0" i="0" u="none" strike="noStrike" cap="none">
                 <a:solidFill>
                   <a:schemeClr val="dk1"/>
                 </a:solidFill>
@@ -928,15 +951,19 @@
               </a:defRPr>
             </a:lvl9pPr>
           </a:lstStyle>
-          <a:p/>
+          <a:p>
+            <a:endParaRPr/>
+          </a:p>
         </p:txBody>
       </p:sp>
       <p:sp>
         <p:nvSpPr>
           <p:cNvPr id="7" name="Google Shape;7;n"/>
-          <p:cNvSpPr txBox="1"/>
+          <p:cNvSpPr txBox="1">
+            <a:spLocks noGrp="1"/>
+          </p:cNvSpPr>
           <p:nvPr>
-            <p:ph idx="11" type="ftr"/>
+            <p:ph type="ftr" idx="11"/>
           </p:nvPr>
         </p:nvSpPr>
         <p:spPr>
@@ -953,11 +980,11 @@
           </a:ln>
         </p:spPr>
         <p:txBody>
-          <a:bodyPr anchorCtr="0" anchor="b" bIns="45700" lIns="91425" spcFirstLastPara="1" rIns="91425" wrap="square" tIns="45700">
+          <a:bodyPr spcFirstLastPara="1" wrap="square" lIns="91425" tIns="45700" rIns="91425" bIns="45700" anchor="b" anchorCtr="0">
             <a:noAutofit/>
           </a:bodyPr>
           <a:lstStyle>
-            <a:lvl1pPr lvl="0" marR="0" rtl="0" algn="l">
+            <a:lvl1pPr marR="0" lvl="0" algn="l" rtl="0">
               <a:spcBef>
                 <a:spcPts val="0"/>
               </a:spcBef>
@@ -966,7 +993,7 @@
               </a:spcAft>
               <a:buSzPts val="1400"/>
               <a:buNone/>
-              <a:defRPr b="0" i="0" sz="1200" u="none" cap="none" strike="noStrike">
+              <a:defRPr sz="1200" b="0" i="0" u="none" strike="noStrike" cap="none">
                 <a:solidFill>
                   <a:schemeClr val="dk1"/>
                 </a:solidFill>
@@ -976,7 +1003,7 @@
                 <a:sym typeface="Calibri"/>
               </a:defRPr>
             </a:lvl1pPr>
-            <a:lvl2pPr lvl="1" marR="0" rtl="0" algn="l">
+            <a:lvl2pPr marR="0" lvl="1" algn="l" rtl="0">
               <a:spcBef>
                 <a:spcPts val="0"/>
               </a:spcBef>
@@ -985,7 +1012,7 @@
               </a:spcAft>
               <a:buSzPts val="1400"/>
               <a:buNone/>
-              <a:defRPr b="0" i="0" sz="1800" u="none" cap="none" strike="noStrike">
+              <a:defRPr sz="1800" b="0" i="0" u="none" strike="noStrike" cap="none">
                 <a:solidFill>
                   <a:schemeClr val="dk1"/>
                 </a:solidFill>
@@ -995,7 +1022,7 @@
                 <a:sym typeface="Calibri"/>
               </a:defRPr>
             </a:lvl2pPr>
-            <a:lvl3pPr lvl="2" marR="0" rtl="0" algn="l">
+            <a:lvl3pPr marR="0" lvl="2" algn="l" rtl="0">
               <a:spcBef>
                 <a:spcPts val="0"/>
               </a:spcBef>
@@ -1004,7 +1031,7 @@
               </a:spcAft>
               <a:buSzPts val="1400"/>
               <a:buNone/>
-              <a:defRPr b="0" i="0" sz="1800" u="none" cap="none" strike="noStrike">
+              <a:defRPr sz="1800" b="0" i="0" u="none" strike="noStrike" cap="none">
                 <a:solidFill>
                   <a:schemeClr val="dk1"/>
                 </a:solidFill>
@@ -1014,7 +1041,7 @@
                 <a:sym typeface="Calibri"/>
               </a:defRPr>
             </a:lvl3pPr>
-            <a:lvl4pPr lvl="3" marR="0" rtl="0" algn="l">
+            <a:lvl4pPr marR="0" lvl="3" algn="l" rtl="0">
               <a:spcBef>
                 <a:spcPts val="0"/>
               </a:spcBef>
@@ -1023,7 +1050,7 @@
               </a:spcAft>
               <a:buSzPts val="1400"/>
               <a:buNone/>
-              <a:defRPr b="0" i="0" sz="1800" u="none" cap="none" strike="noStrike">
+              <a:defRPr sz="1800" b="0" i="0" u="none" strike="noStrike" cap="none">
                 <a:solidFill>
                   <a:schemeClr val="dk1"/>
                 </a:solidFill>
@@ -1033,7 +1060,7 @@
                 <a:sym typeface="Calibri"/>
               </a:defRPr>
             </a:lvl4pPr>
-            <a:lvl5pPr lvl="4" marR="0" rtl="0" algn="l">
+            <a:lvl5pPr marR="0" lvl="4" algn="l" rtl="0">
               <a:spcBef>
                 <a:spcPts val="0"/>
               </a:spcBef>
@@ -1042,7 +1069,7 @@
               </a:spcAft>
               <a:buSzPts val="1400"/>
               <a:buNone/>
-              <a:defRPr b="0" i="0" sz="1800" u="none" cap="none" strike="noStrike">
+              <a:defRPr sz="1800" b="0" i="0" u="none" strike="noStrike" cap="none">
                 <a:solidFill>
                   <a:schemeClr val="dk1"/>
                 </a:solidFill>
@@ -1052,7 +1079,7 @@
                 <a:sym typeface="Calibri"/>
               </a:defRPr>
             </a:lvl5pPr>
-            <a:lvl6pPr lvl="5" marR="0" rtl="0" algn="l">
+            <a:lvl6pPr marR="0" lvl="5" algn="l" rtl="0">
               <a:spcBef>
                 <a:spcPts val="0"/>
               </a:spcBef>
@@ -1061,7 +1088,7 @@
               </a:spcAft>
               <a:buSzPts val="1400"/>
               <a:buNone/>
-              <a:defRPr b="0" i="0" sz="1800" u="none" cap="none" strike="noStrike">
+              <a:defRPr sz="1800" b="0" i="0" u="none" strike="noStrike" cap="none">
                 <a:solidFill>
                   <a:schemeClr val="dk1"/>
                 </a:solidFill>
@@ -1071,7 +1098,7 @@
                 <a:sym typeface="Calibri"/>
               </a:defRPr>
             </a:lvl6pPr>
-            <a:lvl7pPr lvl="6" marR="0" rtl="0" algn="l">
+            <a:lvl7pPr marR="0" lvl="6" algn="l" rtl="0">
               <a:spcBef>
                 <a:spcPts val="0"/>
               </a:spcBef>
@@ -1080,7 +1107,7 @@
               </a:spcAft>
               <a:buSzPts val="1400"/>
               <a:buNone/>
-              <a:defRPr b="0" i="0" sz="1800" u="none" cap="none" strike="noStrike">
+              <a:defRPr sz="1800" b="0" i="0" u="none" strike="noStrike" cap="none">
                 <a:solidFill>
                   <a:schemeClr val="dk1"/>
                 </a:solidFill>
@@ -1090,7 +1117,7 @@
                 <a:sym typeface="Calibri"/>
               </a:defRPr>
             </a:lvl7pPr>
-            <a:lvl8pPr lvl="7" marR="0" rtl="0" algn="l">
+            <a:lvl8pPr marR="0" lvl="7" algn="l" rtl="0">
               <a:spcBef>
                 <a:spcPts val="0"/>
               </a:spcBef>
@@ -1099,7 +1126,7 @@
               </a:spcAft>
               <a:buSzPts val="1400"/>
               <a:buNone/>
-              <a:defRPr b="0" i="0" sz="1800" u="none" cap="none" strike="noStrike">
+              <a:defRPr sz="1800" b="0" i="0" u="none" strike="noStrike" cap="none">
                 <a:solidFill>
                   <a:schemeClr val="dk1"/>
                 </a:solidFill>
@@ -1109,7 +1136,7 @@
                 <a:sym typeface="Calibri"/>
               </a:defRPr>
             </a:lvl8pPr>
-            <a:lvl9pPr lvl="8" marR="0" rtl="0" algn="l">
+            <a:lvl9pPr marR="0" lvl="8" algn="l" rtl="0">
               <a:spcBef>
                 <a:spcPts val="0"/>
               </a:spcBef>
@@ -1118,7 +1145,7 @@
               </a:spcAft>
               <a:buSzPts val="1400"/>
               <a:buNone/>
-              <a:defRPr b="0" i="0" sz="1800" u="none" cap="none" strike="noStrike">
+              <a:defRPr sz="1800" b="0" i="0" u="none" strike="noStrike" cap="none">
                 <a:solidFill>
                   <a:schemeClr val="dk1"/>
                 </a:solidFill>
@@ -1129,15 +1156,19 @@
               </a:defRPr>
             </a:lvl9pPr>
           </a:lstStyle>
-          <a:p/>
+          <a:p>
+            <a:endParaRPr/>
+          </a:p>
         </p:txBody>
       </p:sp>
       <p:sp>
         <p:nvSpPr>
           <p:cNvPr id="8" name="Google Shape;8;n"/>
-          <p:cNvSpPr txBox="1"/>
+          <p:cNvSpPr txBox="1">
+            <a:spLocks noGrp="1"/>
+          </p:cNvSpPr>
           <p:nvPr>
-            <p:ph idx="12" type="sldNum"/>
+            <p:ph type="sldNum" idx="12"/>
           </p:nvPr>
         </p:nvSpPr>
         <p:spPr>
@@ -1154,12 +1185,12 @@
           </a:ln>
         </p:spPr>
         <p:txBody>
-          <a:bodyPr anchorCtr="0" anchor="b" bIns="45700" lIns="91425" spcFirstLastPara="1" rIns="91425" wrap="square" tIns="45700">
+          <a:bodyPr spcFirstLastPara="1" wrap="square" lIns="91425" tIns="45700" rIns="91425" bIns="45700" anchor="b" anchorCtr="0">
             <a:noAutofit/>
           </a:bodyPr>
           <a:lstStyle/>
           <a:p>
-            <a:pPr indent="0" lvl="0" marL="0" marR="0" rtl="0" algn="r">
+            <a:pPr marL="0" marR="0" lvl="0" indent="0" algn="r" rtl="0">
               <a:spcBef>
                 <a:spcPts val="0"/>
               </a:spcBef>
@@ -1169,7 +1200,7 @@
               <a:buNone/>
             </a:pPr>
             <a:fld id="{00000000-1234-1234-1234-123412341234}" type="slidenum">
-              <a:rPr b="0" i="0" lang="en-US" sz="1200" u="none" cap="none" strike="noStrike">
+              <a:rPr lang="en-US" sz="1200" b="0" i="0" u="none" strike="noStrike" cap="none">
                 <a:solidFill>
                   <a:schemeClr val="dk1"/>
                 </a:solidFill>
@@ -1180,7 +1211,7 @@
               </a:rPr>
               <a:t>‹#›</a:t>
             </a:fld>
-            <a:endParaRPr b="0" i="0" sz="1200" u="none" cap="none" strike="noStrike">
+            <a:endParaRPr sz="1200" b="0" i="0" u="none" strike="noStrike" cap="none">
               <a:solidFill>
                 <a:schemeClr val="dk1"/>
               </a:solidFill>
@@ -1194,9 +1225,9 @@
       </p:sp>
     </p:spTree>
   </p:cSld>
-  <p:clrMap accent1="accent1" accent2="accent2" accent3="accent3" accent4="accent4" accent5="accent5" accent6="accent6" bg1="lt1" bg2="dk2" tx1="dk1" tx2="lt2" folHlink="folHlink" hlink="hlink"/>
+  <p:clrMap bg1="lt1" tx1="dk1" bg2="dk2" tx2="lt2" accent1="accent1" accent2="accent2" accent3="accent3" accent4="accent4" accent5="accent5" accent6="accent6" hlink="hlink" folHlink="folHlink"/>
   <p:notesStyle>
-    <a:defPPr lvl="0" marR="0" rtl="0" algn="l">
+    <a:defPPr marR="0" lvl="0" algn="l" rtl="0">
       <a:lnSpc>
         <a:spcPct val="100000"/>
       </a:lnSpc>
@@ -1207,7 +1238,7 @@
         <a:spcPts val="0"/>
       </a:spcAft>
     </a:defPPr>
-    <a:lvl1pPr lvl="0" marR="0" rtl="0" algn="l">
+    <a:lvl1pPr marR="0" lvl="0" algn="l" rtl="0">
       <a:lnSpc>
         <a:spcPct val="100000"/>
       </a:lnSpc>
@@ -1221,7 +1252,7 @@
         <a:srgbClr val="000000"/>
       </a:buClr>
       <a:buFont typeface="Arial"/>
-      <a:defRPr b="0" i="0" sz="1400" u="none" cap="none" strike="noStrike">
+      <a:defRPr sz="1400" b="0" i="0" u="none" strike="noStrike" cap="none">
         <a:solidFill>
           <a:srgbClr val="000000"/>
         </a:solidFill>
@@ -1231,7 +1262,7 @@
         <a:sym typeface="Arial"/>
       </a:defRPr>
     </a:lvl1pPr>
-    <a:lvl2pPr lvl="1" marR="0" rtl="0" algn="l">
+    <a:lvl2pPr marR="0" lvl="1" algn="l" rtl="0">
       <a:lnSpc>
         <a:spcPct val="100000"/>
       </a:lnSpc>
@@ -1245,7 +1276,7 @@
         <a:srgbClr val="000000"/>
       </a:buClr>
       <a:buFont typeface="Arial"/>
-      <a:defRPr b="0" i="0" sz="1400" u="none" cap="none" strike="noStrike">
+      <a:defRPr sz="1400" b="0" i="0" u="none" strike="noStrike" cap="none">
         <a:solidFill>
           <a:srgbClr val="000000"/>
         </a:solidFill>
@@ -1255,7 +1286,7 @@
         <a:sym typeface="Arial"/>
       </a:defRPr>
     </a:lvl2pPr>
-    <a:lvl3pPr lvl="2" marR="0" rtl="0" algn="l">
+    <a:lvl3pPr marR="0" lvl="2" algn="l" rtl="0">
       <a:lnSpc>
         <a:spcPct val="100000"/>
       </a:lnSpc>
@@ -1269,7 +1300,7 @@
         <a:srgbClr val="000000"/>
       </a:buClr>
       <a:buFont typeface="Arial"/>
-      <a:defRPr b="0" i="0" sz="1400" u="none" cap="none" strike="noStrike">
+      <a:defRPr sz="1400" b="0" i="0" u="none" strike="noStrike" cap="none">
         <a:solidFill>
           <a:srgbClr val="000000"/>
         </a:solidFill>
@@ -1279,7 +1310,7 @@
         <a:sym typeface="Arial"/>
       </a:defRPr>
     </a:lvl3pPr>
-    <a:lvl4pPr lvl="3" marR="0" rtl="0" algn="l">
+    <a:lvl4pPr marR="0" lvl="3" algn="l" rtl="0">
       <a:lnSpc>
         <a:spcPct val="100000"/>
       </a:lnSpc>
@@ -1293,7 +1324,7 @@
         <a:srgbClr val="000000"/>
       </a:buClr>
       <a:buFont typeface="Arial"/>
-      <a:defRPr b="0" i="0" sz="1400" u="none" cap="none" strike="noStrike">
+      <a:defRPr sz="1400" b="0" i="0" u="none" strike="noStrike" cap="none">
         <a:solidFill>
           <a:srgbClr val="000000"/>
         </a:solidFill>
@@ -1303,7 +1334,7 @@
         <a:sym typeface="Arial"/>
       </a:defRPr>
     </a:lvl4pPr>
-    <a:lvl5pPr lvl="4" marR="0" rtl="0" algn="l">
+    <a:lvl5pPr marR="0" lvl="4" algn="l" rtl="0">
       <a:lnSpc>
         <a:spcPct val="100000"/>
       </a:lnSpc>
@@ -1317,7 +1348,7 @@
         <a:srgbClr val="000000"/>
       </a:buClr>
       <a:buFont typeface="Arial"/>
-      <a:defRPr b="0" i="0" sz="1400" u="none" cap="none" strike="noStrike">
+      <a:defRPr sz="1400" b="0" i="0" u="none" strike="noStrike" cap="none">
         <a:solidFill>
           <a:srgbClr val="000000"/>
         </a:solidFill>
@@ -1327,7 +1358,7 @@
         <a:sym typeface="Arial"/>
       </a:defRPr>
     </a:lvl5pPr>
-    <a:lvl6pPr lvl="5" marR="0" rtl="0" algn="l">
+    <a:lvl6pPr marR="0" lvl="5" algn="l" rtl="0">
       <a:lnSpc>
         <a:spcPct val="100000"/>
       </a:lnSpc>
@@ -1341,7 +1372,7 @@
         <a:srgbClr val="000000"/>
       </a:buClr>
       <a:buFont typeface="Arial"/>
-      <a:defRPr b="0" i="0" sz="1400" u="none" cap="none" strike="noStrike">
+      <a:defRPr sz="1400" b="0" i="0" u="none" strike="noStrike" cap="none">
         <a:solidFill>
           <a:srgbClr val="000000"/>
         </a:solidFill>
@@ -1351,7 +1382,7 @@
         <a:sym typeface="Arial"/>
       </a:defRPr>
     </a:lvl6pPr>
-    <a:lvl7pPr lvl="6" marR="0" rtl="0" algn="l">
+    <a:lvl7pPr marR="0" lvl="6" algn="l" rtl="0">
       <a:lnSpc>
         <a:spcPct val="100000"/>
       </a:lnSpc>
@@ -1365,7 +1396,7 @@
         <a:srgbClr val="000000"/>
       </a:buClr>
       <a:buFont typeface="Arial"/>
-      <a:defRPr b="0" i="0" sz="1400" u="none" cap="none" strike="noStrike">
+      <a:defRPr sz="1400" b="0" i="0" u="none" strike="noStrike" cap="none">
         <a:solidFill>
           <a:srgbClr val="000000"/>
         </a:solidFill>
@@ -1375,7 +1406,7 @@
         <a:sym typeface="Arial"/>
       </a:defRPr>
     </a:lvl7pPr>
-    <a:lvl8pPr lvl="7" marR="0" rtl="0" algn="l">
+    <a:lvl8pPr marR="0" lvl="7" algn="l" rtl="0">
       <a:lnSpc>
         <a:spcPct val="100000"/>
       </a:lnSpc>
@@ -1389,7 +1420,7 @@
         <a:srgbClr val="000000"/>
       </a:buClr>
       <a:buFont typeface="Arial"/>
-      <a:defRPr b="0" i="0" sz="1400" u="none" cap="none" strike="noStrike">
+      <a:defRPr sz="1400" b="0" i="0" u="none" strike="noStrike" cap="none">
         <a:solidFill>
           <a:srgbClr val="000000"/>
         </a:solidFill>
@@ -1399,7 +1430,7 @@
         <a:sym typeface="Arial"/>
       </a:defRPr>
     </a:lvl8pPr>
-    <a:lvl9pPr lvl="8" marR="0" rtl="0" algn="l">
+    <a:lvl9pPr marR="0" lvl="8" algn="l" rtl="0">
       <a:lnSpc>
         <a:spcPct val="100000"/>
       </a:lnSpc>
@@ -1413,7 +1444,7 @@
         <a:srgbClr val="000000"/>
       </a:buClr>
       <a:buFont typeface="Arial"/>
-      <a:defRPr b="0" i="0" sz="1400" u="none" cap="none" strike="noStrike">
+      <a:defRPr sz="1400" b="0" i="0" u="none" strike="noStrike" cap="none">
         <a:solidFill>
           <a:srgbClr val="000000"/>
         </a:solidFill>
@@ -1428,11 +1459,11 @@
 </file>
 
 <file path=ppt/notesSlides/notesSlide1.xml><?xml version="1.0" encoding="utf-8"?>
-<p:notes xmlns:a="http://schemas.openxmlformats.org/drawingml/2006/main" xmlns:r="http://schemas.openxmlformats.org/officeDocument/2006/relationships" xmlns:mc="http://schemas.openxmlformats.org/markup-compatibility/2006" xmlns:mv="urn:schemas-microsoft-com:mac:vml" xmlns:p="http://schemas.openxmlformats.org/presentationml/2006/main" xmlns:c="http://schemas.openxmlformats.org/drawingml/2006/chart" xmlns:dgm="http://schemas.openxmlformats.org/drawingml/2006/diagram" xmlns:o="urn:schemas-microsoft-com:office:office" xmlns:v="urn:schemas-microsoft-com:vml" xmlns:pvml="urn:schemas-microsoft-com:office:powerpoint" xmlns:com="http://schemas.openxmlformats.org/drawingml/2006/compatibility" xmlns:p14="http://schemas.microsoft.com/office/powerpoint/2010/main" xmlns:p15="http://schemas.microsoft.com/office/powerpoint/2012/main" xmlns:ahyp="http://schemas.microsoft.com/office/drawing/2018/hyperlinkcolor" showMasterPhAnim="0" showMasterSp="0">
+<p:notes xmlns:a="http://schemas.openxmlformats.org/drawingml/2006/main" xmlns:r="http://schemas.openxmlformats.org/officeDocument/2006/relationships" xmlns:p="http://schemas.openxmlformats.org/presentationml/2006/main" showMasterSp="0" showMasterPhAnim="0">
   <p:cSld>
     <p:spTree>
       <p:nvGrpSpPr>
-        <p:cNvPr id="11" name="Shape 11"/>
+        <p:cNvPr id="1" name="Shape 11"/>
         <p:cNvGrpSpPr/>
         <p:nvPr/>
       </p:nvGrpSpPr>
@@ -1447,9 +1478,11 @@
       <p:sp>
         <p:nvSpPr>
           <p:cNvPr id="12" name="Google Shape;12;p1:notes"/>
-          <p:cNvSpPr/>
+          <p:cNvSpPr>
+            <a:spLocks noGrp="1" noRot="1" noChangeAspect="1"/>
+          </p:cNvSpPr>
           <p:nvPr>
-            <p:ph idx="2" type="sldImg"/>
+            <p:ph type="sldImg" idx="2"/>
           </p:nvPr>
         </p:nvSpPr>
         <p:spPr>
@@ -1458,9 +1491,13 @@
             <a:ext cx="5486400" cy="3086100"/>
           </a:xfrm>
           <a:custGeom>
-            <a:rect b="b" l="l" r="r" t="t"/>
+            <a:avLst/>
+            <a:gdLst/>
+            <a:ahLst/>
+            <a:cxnLst/>
+            <a:rect l="l" t="t" r="r" b="b"/>
             <a:pathLst>
-              <a:path extrusionOk="0" h="120000" w="120000">
+              <a:path w="120000" h="120000" extrusionOk="0">
                 <a:moveTo>
                   <a:pt x="0" y="0"/>
                 </a:moveTo>
@@ -1478,23 +1515,25 @@
             </a:pathLst>
           </a:custGeom>
           <a:noFill/>
-          <a:ln cap="flat" cmpd="sng" w="12700">
+          <a:ln w="12700" cap="flat" cmpd="sng">
             <a:solidFill>
               <a:srgbClr val="000000"/>
             </a:solidFill>
             <a:prstDash val="solid"/>
             <a:round/>
-            <a:headEnd len="sm" w="sm" type="none"/>
-            <a:tailEnd len="sm" w="sm" type="none"/>
+            <a:headEnd type="none" w="sm" len="sm"/>
+            <a:tailEnd type="none" w="sm" len="sm"/>
           </a:ln>
         </p:spPr>
       </p:sp>
       <p:sp>
         <p:nvSpPr>
           <p:cNvPr id="13" name="Google Shape;13;p1:notes"/>
-          <p:cNvSpPr txBox="1"/>
+          <p:cNvSpPr txBox="1">
+            <a:spLocks noGrp="1"/>
+          </p:cNvSpPr>
           <p:nvPr>
-            <p:ph idx="1" type="body"/>
+            <p:ph type="body" idx="1"/>
           </p:nvPr>
         </p:nvSpPr>
         <p:spPr>
@@ -1511,12 +1550,12 @@
           </a:ln>
         </p:spPr>
         <p:txBody>
-          <a:bodyPr anchorCtr="0" anchor="t" bIns="45700" lIns="91425" spcFirstLastPara="1" rIns="91425" wrap="square" tIns="45700">
+          <a:bodyPr spcFirstLastPara="1" wrap="square" lIns="91425" tIns="45700" rIns="91425" bIns="45700" anchor="t" anchorCtr="0">
             <a:noAutofit/>
           </a:bodyPr>
           <a:lstStyle/>
           <a:p>
-            <a:pPr indent="0" lvl="0" marL="0" rtl="0" algn="l">
+            <a:pPr marL="0" lvl="0" indent="0" algn="l" rtl="0">
               <a:spcBef>
                 <a:spcPts val="0"/>
               </a:spcBef>
@@ -1525,9 +1564,6 @@
               </a:spcAft>
               <a:buNone/>
             </a:pPr>
-            <a:r>
-              <a:t/>
-            </a:r>
             <a:endParaRPr/>
           </a:p>
         </p:txBody>
@@ -1535,9 +1571,11 @@
       <p:sp>
         <p:nvSpPr>
           <p:cNvPr id="14" name="Google Shape;14;p1:notes"/>
-          <p:cNvSpPr txBox="1"/>
+          <p:cNvSpPr txBox="1">
+            <a:spLocks noGrp="1"/>
+          </p:cNvSpPr>
           <p:nvPr>
-            <p:ph idx="12" type="sldNum"/>
+            <p:ph type="sldNum" idx="12"/>
           </p:nvPr>
         </p:nvSpPr>
         <p:spPr>
@@ -1554,12 +1592,12 @@
           </a:ln>
         </p:spPr>
         <p:txBody>
-          <a:bodyPr anchorCtr="0" anchor="b" bIns="45700" lIns="91425" spcFirstLastPara="1" rIns="91425" wrap="square" tIns="45700">
+          <a:bodyPr spcFirstLastPara="1" wrap="square" lIns="91425" tIns="45700" rIns="91425" bIns="45700" anchor="b" anchorCtr="0">
             <a:noAutofit/>
           </a:bodyPr>
           <a:lstStyle/>
           <a:p>
-            <a:pPr indent="0" lvl="0" marL="0" rtl="0" algn="r">
+            <a:pPr marL="0" lvl="0" indent="0" algn="r" rtl="0">
               <a:spcBef>
                 <a:spcPts val="0"/>
               </a:spcBef>
@@ -1570,7 +1608,7 @@
             </a:pPr>
             <a:fld id="{00000000-1234-1234-1234-123412341234}" type="slidenum">
               <a:rPr lang="en-US"/>
-              <a:t>‹#›</a:t>
+              <a:t>1</a:t>
             </a:fld>
             <a:endParaRPr/>
           </a:p>
@@ -1585,11 +1623,11 @@
 </file>
 
 <file path=ppt/notesSlides/notesSlide2.xml><?xml version="1.0" encoding="utf-8"?>
-<p:notes xmlns:a="http://schemas.openxmlformats.org/drawingml/2006/main" xmlns:r="http://schemas.openxmlformats.org/officeDocument/2006/relationships" xmlns:mc="http://schemas.openxmlformats.org/markup-compatibility/2006" xmlns:mv="urn:schemas-microsoft-com:mac:vml" xmlns:p="http://schemas.openxmlformats.org/presentationml/2006/main" xmlns:c="http://schemas.openxmlformats.org/drawingml/2006/chart" xmlns:dgm="http://schemas.openxmlformats.org/drawingml/2006/diagram" xmlns:o="urn:schemas-microsoft-com:office:office" xmlns:v="urn:schemas-microsoft-com:vml" xmlns:pvml="urn:schemas-microsoft-com:office:powerpoint" xmlns:com="http://schemas.openxmlformats.org/drawingml/2006/compatibility" xmlns:p14="http://schemas.microsoft.com/office/powerpoint/2010/main" xmlns:p15="http://schemas.microsoft.com/office/powerpoint/2012/main" xmlns:ahyp="http://schemas.microsoft.com/office/drawing/2018/hyperlinkcolor" showMasterPhAnim="0" showMasterSp="0">
+<p:notes xmlns:a="http://schemas.openxmlformats.org/drawingml/2006/main" xmlns:r="http://schemas.openxmlformats.org/officeDocument/2006/relationships" xmlns:p="http://schemas.openxmlformats.org/presentationml/2006/main" showMasterSp="0" showMasterPhAnim="0">
   <p:cSld>
     <p:spTree>
       <p:nvGrpSpPr>
-        <p:cNvPr id="22" name="Shape 22"/>
+        <p:cNvPr id="1" name="Shape 22"/>
         <p:cNvGrpSpPr/>
         <p:nvPr/>
       </p:nvGrpSpPr>
@@ -1604,9 +1642,11 @@
       <p:sp>
         <p:nvSpPr>
           <p:cNvPr id="23" name="Google Shape;23;g1ef77c4199c_0_15:notes"/>
-          <p:cNvSpPr/>
+          <p:cNvSpPr>
+            <a:spLocks noGrp="1" noRot="1" noChangeAspect="1"/>
+          </p:cNvSpPr>
           <p:nvPr>
-            <p:ph idx="2" type="sldImg"/>
+            <p:ph type="sldImg" idx="2"/>
           </p:nvPr>
         </p:nvSpPr>
         <p:spPr>
@@ -1615,9 +1655,13 @@
             <a:ext cx="5486400" cy="3086100"/>
           </a:xfrm>
           <a:custGeom>
-            <a:rect b="b" l="l" r="r" t="t"/>
+            <a:avLst/>
+            <a:gdLst/>
+            <a:ahLst/>
+            <a:cxnLst/>
+            <a:rect l="l" t="t" r="r" b="b"/>
             <a:pathLst>
-              <a:path extrusionOk="0" h="120000" w="120000">
+              <a:path w="120000" h="120000" extrusionOk="0">
                 <a:moveTo>
                   <a:pt x="0" y="0"/>
                 </a:moveTo>
@@ -1635,23 +1679,25 @@
             </a:pathLst>
           </a:custGeom>
           <a:noFill/>
-          <a:ln cap="flat" cmpd="sng" w="12700">
+          <a:ln w="12700" cap="flat" cmpd="sng">
             <a:solidFill>
               <a:srgbClr val="000000"/>
             </a:solidFill>
             <a:prstDash val="solid"/>
             <a:round/>
-            <a:headEnd len="sm" w="sm" type="none"/>
-            <a:tailEnd len="sm" w="sm" type="none"/>
+            <a:headEnd type="none" w="sm" len="sm"/>
+            <a:tailEnd type="none" w="sm" len="sm"/>
           </a:ln>
         </p:spPr>
       </p:sp>
       <p:sp>
         <p:nvSpPr>
           <p:cNvPr id="24" name="Google Shape;24;g1ef77c4199c_0_15:notes"/>
-          <p:cNvSpPr txBox="1"/>
+          <p:cNvSpPr txBox="1">
+            <a:spLocks noGrp="1"/>
+          </p:cNvSpPr>
           <p:nvPr>
-            <p:ph idx="1" type="body"/>
+            <p:ph type="body" idx="1"/>
           </p:nvPr>
         </p:nvSpPr>
         <p:spPr>
@@ -1668,12 +1714,12 @@
           </a:ln>
         </p:spPr>
         <p:txBody>
-          <a:bodyPr anchorCtr="0" anchor="t" bIns="45700" lIns="91425" spcFirstLastPara="1" rIns="91425" wrap="square" tIns="45700">
+          <a:bodyPr spcFirstLastPara="1" wrap="square" lIns="91425" tIns="45700" rIns="91425" bIns="45700" anchor="t" anchorCtr="0">
             <a:noAutofit/>
           </a:bodyPr>
           <a:lstStyle/>
           <a:p>
-            <a:pPr indent="0" lvl="0" marL="0" rtl="0" algn="l">
+            <a:pPr marL="0" lvl="0" indent="0" algn="l" rtl="0">
               <a:spcBef>
                 <a:spcPts val="0"/>
               </a:spcBef>
@@ -1682,9 +1728,6 @@
               </a:spcAft>
               <a:buNone/>
             </a:pPr>
-            <a:r>
-              <a:t/>
-            </a:r>
             <a:endParaRPr/>
           </a:p>
         </p:txBody>
@@ -1692,9 +1735,11 @@
       <p:sp>
         <p:nvSpPr>
           <p:cNvPr id="25" name="Google Shape;25;g1ef77c4199c_0_15:notes"/>
-          <p:cNvSpPr txBox="1"/>
+          <p:cNvSpPr txBox="1">
+            <a:spLocks noGrp="1"/>
+          </p:cNvSpPr>
           <p:nvPr>
-            <p:ph idx="12" type="sldNum"/>
+            <p:ph type="sldNum" idx="12"/>
           </p:nvPr>
         </p:nvSpPr>
         <p:spPr>
@@ -1711,12 +1756,12 @@
           </a:ln>
         </p:spPr>
         <p:txBody>
-          <a:bodyPr anchorCtr="0" anchor="b" bIns="45700" lIns="91425" spcFirstLastPara="1" rIns="91425" wrap="square" tIns="45700">
+          <a:bodyPr spcFirstLastPara="1" wrap="square" lIns="91425" tIns="45700" rIns="91425" bIns="45700" anchor="b" anchorCtr="0">
             <a:noAutofit/>
           </a:bodyPr>
           <a:lstStyle/>
           <a:p>
-            <a:pPr indent="0" lvl="0" marL="0" rtl="0" algn="r">
+            <a:pPr marL="0" lvl="0" indent="0" algn="r" rtl="0">
               <a:spcBef>
                 <a:spcPts val="0"/>
               </a:spcBef>
@@ -1727,7 +1772,7 @@
             </a:pPr>
             <a:fld id="{00000000-1234-1234-1234-123412341234}" type="slidenum">
               <a:rPr lang="en-US"/>
-              <a:t>‹#›</a:t>
+              <a:t>2</a:t>
             </a:fld>
             <a:endParaRPr/>
           </a:p>
@@ -1742,11 +1787,11 @@
 </file>
 
 <file path=ppt/notesSlides/notesSlide3.xml><?xml version="1.0" encoding="utf-8"?>
-<p:notes xmlns:a="http://schemas.openxmlformats.org/drawingml/2006/main" xmlns:r="http://schemas.openxmlformats.org/officeDocument/2006/relationships" xmlns:mc="http://schemas.openxmlformats.org/markup-compatibility/2006" xmlns:mv="urn:schemas-microsoft-com:mac:vml" xmlns:p="http://schemas.openxmlformats.org/presentationml/2006/main" xmlns:c="http://schemas.openxmlformats.org/drawingml/2006/chart" xmlns:dgm="http://schemas.openxmlformats.org/drawingml/2006/diagram" xmlns:o="urn:schemas-microsoft-com:office:office" xmlns:v="urn:schemas-microsoft-com:vml" xmlns:pvml="urn:schemas-microsoft-com:office:powerpoint" xmlns:com="http://schemas.openxmlformats.org/drawingml/2006/compatibility" xmlns:p14="http://schemas.microsoft.com/office/powerpoint/2010/main" xmlns:p15="http://schemas.microsoft.com/office/powerpoint/2012/main" xmlns:ahyp="http://schemas.microsoft.com/office/drawing/2018/hyperlinkcolor" showMasterPhAnim="0" showMasterSp="0">
+<p:notes xmlns:a="http://schemas.openxmlformats.org/drawingml/2006/main" xmlns:r="http://schemas.openxmlformats.org/officeDocument/2006/relationships" xmlns:p="http://schemas.openxmlformats.org/presentationml/2006/main" showMasterSp="0" showMasterPhAnim="0">
   <p:cSld>
     <p:spTree>
       <p:nvGrpSpPr>
-        <p:cNvPr id="34" name="Shape 34"/>
+        <p:cNvPr id="1" name="Shape 34"/>
         <p:cNvGrpSpPr/>
         <p:nvPr/>
       </p:nvGrpSpPr>
@@ -1761,9 +1806,11 @@
       <p:sp>
         <p:nvSpPr>
           <p:cNvPr id="35" name="Google Shape;35;p2:notes"/>
-          <p:cNvSpPr/>
+          <p:cNvSpPr>
+            <a:spLocks noGrp="1" noRot="1" noChangeAspect="1"/>
+          </p:cNvSpPr>
           <p:nvPr>
-            <p:ph idx="2" type="sldImg"/>
+            <p:ph type="sldImg" idx="2"/>
           </p:nvPr>
         </p:nvSpPr>
         <p:spPr>
@@ -1772,9 +1819,13 @@
             <a:ext cx="5486400" cy="3086100"/>
           </a:xfrm>
           <a:custGeom>
-            <a:rect b="b" l="l" r="r" t="t"/>
+            <a:avLst/>
+            <a:gdLst/>
+            <a:ahLst/>
+            <a:cxnLst/>
+            <a:rect l="l" t="t" r="r" b="b"/>
             <a:pathLst>
-              <a:path extrusionOk="0" h="120000" w="120000">
+              <a:path w="120000" h="120000" extrusionOk="0">
                 <a:moveTo>
                   <a:pt x="0" y="0"/>
                 </a:moveTo>
@@ -1792,23 +1843,25 @@
             </a:pathLst>
           </a:custGeom>
           <a:noFill/>
-          <a:ln cap="flat" cmpd="sng" w="12700">
+          <a:ln w="12700" cap="flat" cmpd="sng">
             <a:solidFill>
               <a:srgbClr val="000000"/>
             </a:solidFill>
             <a:prstDash val="solid"/>
             <a:round/>
-            <a:headEnd len="sm" w="sm" type="none"/>
-            <a:tailEnd len="sm" w="sm" type="none"/>
+            <a:headEnd type="none" w="sm" len="sm"/>
+            <a:tailEnd type="none" w="sm" len="sm"/>
           </a:ln>
         </p:spPr>
       </p:sp>
       <p:sp>
         <p:nvSpPr>
           <p:cNvPr id="36" name="Google Shape;36;p2:notes"/>
-          <p:cNvSpPr txBox="1"/>
+          <p:cNvSpPr txBox="1">
+            <a:spLocks noGrp="1"/>
+          </p:cNvSpPr>
           <p:nvPr>
-            <p:ph idx="1" type="body"/>
+            <p:ph type="body" idx="1"/>
           </p:nvPr>
         </p:nvSpPr>
         <p:spPr>
@@ -1825,12 +1878,12 @@
           </a:ln>
         </p:spPr>
         <p:txBody>
-          <a:bodyPr anchorCtr="0" anchor="t" bIns="45700" lIns="91425" spcFirstLastPara="1" rIns="91425" wrap="square" tIns="45700">
+          <a:bodyPr spcFirstLastPara="1" wrap="square" lIns="91425" tIns="45700" rIns="91425" bIns="45700" anchor="t" anchorCtr="0">
             <a:noAutofit/>
           </a:bodyPr>
           <a:lstStyle/>
           <a:p>
-            <a:pPr indent="0" lvl="0" marL="0" rtl="0" algn="l">
+            <a:pPr marL="0" lvl="0" indent="0" algn="l" rtl="0">
               <a:spcBef>
                 <a:spcPts val="0"/>
               </a:spcBef>
@@ -1839,9 +1892,6 @@
               </a:spcAft>
               <a:buNone/>
             </a:pPr>
-            <a:r>
-              <a:t/>
-            </a:r>
             <a:endParaRPr/>
           </a:p>
         </p:txBody>
@@ -1849,9 +1899,11 @@
       <p:sp>
         <p:nvSpPr>
           <p:cNvPr id="37" name="Google Shape;37;p2:notes"/>
-          <p:cNvSpPr txBox="1"/>
+          <p:cNvSpPr txBox="1">
+            <a:spLocks noGrp="1"/>
+          </p:cNvSpPr>
           <p:nvPr>
-            <p:ph idx="12" type="sldNum"/>
+            <p:ph type="sldNum" idx="12"/>
           </p:nvPr>
         </p:nvSpPr>
         <p:spPr>
@@ -1868,12 +1920,12 @@
           </a:ln>
         </p:spPr>
         <p:txBody>
-          <a:bodyPr anchorCtr="0" anchor="b" bIns="45700" lIns="91425" spcFirstLastPara="1" rIns="91425" wrap="square" tIns="45700">
+          <a:bodyPr spcFirstLastPara="1" wrap="square" lIns="91425" tIns="45700" rIns="91425" bIns="45700" anchor="b" anchorCtr="0">
             <a:noAutofit/>
           </a:bodyPr>
           <a:lstStyle/>
           <a:p>
-            <a:pPr indent="0" lvl="0" marL="0" rtl="0" algn="r">
+            <a:pPr marL="0" lvl="0" indent="0" algn="r" rtl="0">
               <a:spcBef>
                 <a:spcPts val="0"/>
               </a:spcBef>
@@ -1884,7 +1936,7 @@
             </a:pPr>
             <a:fld id="{00000000-1234-1234-1234-123412341234}" type="slidenum">
               <a:rPr lang="en-US"/>
-              <a:t>‹#›</a:t>
+              <a:t>3</a:t>
             </a:fld>
             <a:endParaRPr/>
           </a:p>
@@ -1899,11 +1951,11 @@
 </file>
 
 <file path=ppt/notesSlides/notesSlide4.xml><?xml version="1.0" encoding="utf-8"?>
-<p:notes xmlns:a="http://schemas.openxmlformats.org/drawingml/2006/main" xmlns:r="http://schemas.openxmlformats.org/officeDocument/2006/relationships" xmlns:mc="http://schemas.openxmlformats.org/markup-compatibility/2006" xmlns:mv="urn:schemas-microsoft-com:mac:vml" xmlns:p="http://schemas.openxmlformats.org/presentationml/2006/main" xmlns:c="http://schemas.openxmlformats.org/drawingml/2006/chart" xmlns:dgm="http://schemas.openxmlformats.org/drawingml/2006/diagram" xmlns:o="urn:schemas-microsoft-com:office:office" xmlns:v="urn:schemas-microsoft-com:vml" xmlns:pvml="urn:schemas-microsoft-com:office:powerpoint" xmlns:com="http://schemas.openxmlformats.org/drawingml/2006/compatibility" xmlns:p14="http://schemas.microsoft.com/office/powerpoint/2010/main" xmlns:p15="http://schemas.microsoft.com/office/powerpoint/2012/main" xmlns:ahyp="http://schemas.microsoft.com/office/drawing/2018/hyperlinkcolor" showMasterPhAnim="0" showMasterSp="0">
+<p:notes xmlns:a="http://schemas.openxmlformats.org/drawingml/2006/main" xmlns:r="http://schemas.openxmlformats.org/officeDocument/2006/relationships" xmlns:p="http://schemas.openxmlformats.org/presentationml/2006/main" showMasterSp="0" showMasterPhAnim="0">
   <p:cSld>
     <p:spTree>
       <p:nvGrpSpPr>
-        <p:cNvPr id="50" name="Shape 50"/>
+        <p:cNvPr id="1" name="Shape 50"/>
         <p:cNvGrpSpPr/>
         <p:nvPr/>
       </p:nvGrpSpPr>
@@ -1918,9 +1970,11 @@
       <p:sp>
         <p:nvSpPr>
           <p:cNvPr id="51" name="Google Shape;51;p3:notes"/>
-          <p:cNvSpPr/>
+          <p:cNvSpPr>
+            <a:spLocks noGrp="1" noRot="1" noChangeAspect="1"/>
+          </p:cNvSpPr>
           <p:nvPr>
-            <p:ph idx="2" type="sldImg"/>
+            <p:ph type="sldImg" idx="2"/>
           </p:nvPr>
         </p:nvSpPr>
         <p:spPr>
@@ -1929,9 +1983,13 @@
             <a:ext cx="5486400" cy="3086100"/>
           </a:xfrm>
           <a:custGeom>
-            <a:rect b="b" l="l" r="r" t="t"/>
+            <a:avLst/>
+            <a:gdLst/>
+            <a:ahLst/>
+            <a:cxnLst/>
+            <a:rect l="l" t="t" r="r" b="b"/>
             <a:pathLst>
-              <a:path extrusionOk="0" h="120000" w="120000">
+              <a:path w="120000" h="120000" extrusionOk="0">
                 <a:moveTo>
                   <a:pt x="0" y="0"/>
                 </a:moveTo>
@@ -1949,23 +2007,25 @@
             </a:pathLst>
           </a:custGeom>
           <a:noFill/>
-          <a:ln cap="flat" cmpd="sng" w="12700">
+          <a:ln w="12700" cap="flat" cmpd="sng">
             <a:solidFill>
               <a:srgbClr val="000000"/>
             </a:solidFill>
             <a:prstDash val="solid"/>
             <a:round/>
-            <a:headEnd len="sm" w="sm" type="none"/>
-            <a:tailEnd len="sm" w="sm" type="none"/>
+            <a:headEnd type="none" w="sm" len="sm"/>
+            <a:tailEnd type="none" w="sm" len="sm"/>
           </a:ln>
         </p:spPr>
       </p:sp>
       <p:sp>
         <p:nvSpPr>
           <p:cNvPr id="52" name="Google Shape;52;p3:notes"/>
-          <p:cNvSpPr txBox="1"/>
+          <p:cNvSpPr txBox="1">
+            <a:spLocks noGrp="1"/>
+          </p:cNvSpPr>
           <p:nvPr>
-            <p:ph idx="1" type="body"/>
+            <p:ph type="body" idx="1"/>
           </p:nvPr>
         </p:nvSpPr>
         <p:spPr>
@@ -1982,12 +2042,12 @@
           </a:ln>
         </p:spPr>
         <p:txBody>
-          <a:bodyPr anchorCtr="0" anchor="t" bIns="45700" lIns="91425" spcFirstLastPara="1" rIns="91425" wrap="square" tIns="45700">
+          <a:bodyPr spcFirstLastPara="1" wrap="square" lIns="91425" tIns="45700" rIns="91425" bIns="45700" anchor="t" anchorCtr="0">
             <a:noAutofit/>
           </a:bodyPr>
           <a:lstStyle/>
           <a:p>
-            <a:pPr indent="0" lvl="0" marL="0" rtl="0" algn="l">
+            <a:pPr marL="0" lvl="0" indent="0" algn="l" rtl="0">
               <a:spcBef>
                 <a:spcPts val="0"/>
               </a:spcBef>
@@ -1996,9 +2056,6 @@
               </a:spcAft>
               <a:buNone/>
             </a:pPr>
-            <a:r>
-              <a:t/>
-            </a:r>
             <a:endParaRPr/>
           </a:p>
         </p:txBody>
@@ -2006,9 +2063,11 @@
       <p:sp>
         <p:nvSpPr>
           <p:cNvPr id="53" name="Google Shape;53;p3:notes"/>
-          <p:cNvSpPr txBox="1"/>
+          <p:cNvSpPr txBox="1">
+            <a:spLocks noGrp="1"/>
+          </p:cNvSpPr>
           <p:nvPr>
-            <p:ph idx="12" type="sldNum"/>
+            <p:ph type="sldNum" idx="12"/>
           </p:nvPr>
         </p:nvSpPr>
         <p:spPr>
@@ -2025,12 +2084,12 @@
           </a:ln>
         </p:spPr>
         <p:txBody>
-          <a:bodyPr anchorCtr="0" anchor="b" bIns="45700" lIns="91425" spcFirstLastPara="1" rIns="91425" wrap="square" tIns="45700">
+          <a:bodyPr spcFirstLastPara="1" wrap="square" lIns="91425" tIns="45700" rIns="91425" bIns="45700" anchor="b" anchorCtr="0">
             <a:noAutofit/>
           </a:bodyPr>
           <a:lstStyle/>
           <a:p>
-            <a:pPr indent="0" lvl="0" marL="0" rtl="0" algn="r">
+            <a:pPr marL="0" lvl="0" indent="0" algn="r" rtl="0">
               <a:spcBef>
                 <a:spcPts val="0"/>
               </a:spcBef>
@@ -2041,7 +2100,7 @@
             </a:pPr>
             <a:fld id="{00000000-1234-1234-1234-123412341234}" type="slidenum">
               <a:rPr lang="en-US"/>
-              <a:t>‹#›</a:t>
+              <a:t>4</a:t>
             </a:fld>
             <a:endParaRPr/>
           </a:p>
@@ -2056,11 +2115,11 @@
 </file>
 
 <file path=ppt/notesSlides/notesSlide5.xml><?xml version="1.0" encoding="utf-8"?>
-<p:notes xmlns:a="http://schemas.openxmlformats.org/drawingml/2006/main" xmlns:r="http://schemas.openxmlformats.org/officeDocument/2006/relationships" xmlns:mc="http://schemas.openxmlformats.org/markup-compatibility/2006" xmlns:mv="urn:schemas-microsoft-com:mac:vml" xmlns:p="http://schemas.openxmlformats.org/presentationml/2006/main" xmlns:c="http://schemas.openxmlformats.org/drawingml/2006/chart" xmlns:dgm="http://schemas.openxmlformats.org/drawingml/2006/diagram" xmlns:o="urn:schemas-microsoft-com:office:office" xmlns:v="urn:schemas-microsoft-com:vml" xmlns:pvml="urn:schemas-microsoft-com:office:powerpoint" xmlns:com="http://schemas.openxmlformats.org/drawingml/2006/compatibility" xmlns:p14="http://schemas.microsoft.com/office/powerpoint/2010/main" xmlns:p15="http://schemas.microsoft.com/office/powerpoint/2012/main" xmlns:ahyp="http://schemas.microsoft.com/office/drawing/2018/hyperlinkcolor" showMasterPhAnim="0" showMasterSp="0">
+<p:notes xmlns:a="http://schemas.openxmlformats.org/drawingml/2006/main" xmlns:r="http://schemas.openxmlformats.org/officeDocument/2006/relationships" xmlns:p="http://schemas.openxmlformats.org/presentationml/2006/main" showMasterSp="0" showMasterPhAnim="0">
   <p:cSld>
     <p:spTree>
       <p:nvGrpSpPr>
-        <p:cNvPr id="67" name="Shape 67"/>
+        <p:cNvPr id="1" name="Shape 67"/>
         <p:cNvGrpSpPr/>
         <p:nvPr/>
       </p:nvGrpSpPr>
@@ -2075,9 +2134,11 @@
       <p:sp>
         <p:nvSpPr>
           <p:cNvPr id="68" name="Google Shape;68;p4:notes"/>
-          <p:cNvSpPr/>
+          <p:cNvSpPr>
+            <a:spLocks noGrp="1" noRot="1" noChangeAspect="1"/>
+          </p:cNvSpPr>
           <p:nvPr>
-            <p:ph idx="2" type="sldImg"/>
+            <p:ph type="sldImg" idx="2"/>
           </p:nvPr>
         </p:nvSpPr>
         <p:spPr>
@@ -2086,9 +2147,13 @@
             <a:ext cx="5486400" cy="3086100"/>
           </a:xfrm>
           <a:custGeom>
-            <a:rect b="b" l="l" r="r" t="t"/>
+            <a:avLst/>
+            <a:gdLst/>
+            <a:ahLst/>
+            <a:cxnLst/>
+            <a:rect l="l" t="t" r="r" b="b"/>
             <a:pathLst>
-              <a:path extrusionOk="0" h="120000" w="120000">
+              <a:path w="120000" h="120000" extrusionOk="0">
                 <a:moveTo>
                   <a:pt x="0" y="0"/>
                 </a:moveTo>
@@ -2106,23 +2171,25 @@
             </a:pathLst>
           </a:custGeom>
           <a:noFill/>
-          <a:ln cap="flat" cmpd="sng" w="12700">
+          <a:ln w="12700" cap="flat" cmpd="sng">
             <a:solidFill>
               <a:srgbClr val="000000"/>
             </a:solidFill>
             <a:prstDash val="solid"/>
             <a:round/>
-            <a:headEnd len="sm" w="sm" type="none"/>
-            <a:tailEnd len="sm" w="sm" type="none"/>
+            <a:headEnd type="none" w="sm" len="sm"/>
+            <a:tailEnd type="none" w="sm" len="sm"/>
           </a:ln>
         </p:spPr>
       </p:sp>
       <p:sp>
         <p:nvSpPr>
           <p:cNvPr id="69" name="Google Shape;69;p4:notes"/>
-          <p:cNvSpPr txBox="1"/>
+          <p:cNvSpPr txBox="1">
+            <a:spLocks noGrp="1"/>
+          </p:cNvSpPr>
           <p:nvPr>
-            <p:ph idx="1" type="body"/>
+            <p:ph type="body" idx="1"/>
           </p:nvPr>
         </p:nvSpPr>
         <p:spPr>
@@ -2139,12 +2206,12 @@
           </a:ln>
         </p:spPr>
         <p:txBody>
-          <a:bodyPr anchorCtr="0" anchor="t" bIns="45700" lIns="91425" spcFirstLastPara="1" rIns="91425" wrap="square" tIns="45700">
+          <a:bodyPr spcFirstLastPara="1" wrap="square" lIns="91425" tIns="45700" rIns="91425" bIns="45700" anchor="t" anchorCtr="0">
             <a:noAutofit/>
           </a:bodyPr>
           <a:lstStyle/>
           <a:p>
-            <a:pPr indent="0" lvl="0" marL="0" rtl="0" algn="l">
+            <a:pPr marL="0" lvl="0" indent="0" algn="l" rtl="0">
               <a:spcBef>
                 <a:spcPts val="0"/>
               </a:spcBef>
@@ -2153,9 +2220,6 @@
               </a:spcAft>
               <a:buNone/>
             </a:pPr>
-            <a:r>
-              <a:t/>
-            </a:r>
             <a:endParaRPr/>
           </a:p>
         </p:txBody>
@@ -2163,9 +2227,11 @@
       <p:sp>
         <p:nvSpPr>
           <p:cNvPr id="70" name="Google Shape;70;p4:notes"/>
-          <p:cNvSpPr txBox="1"/>
+          <p:cNvSpPr txBox="1">
+            <a:spLocks noGrp="1"/>
+          </p:cNvSpPr>
           <p:nvPr>
-            <p:ph idx="12" type="sldNum"/>
+            <p:ph type="sldNum" idx="12"/>
           </p:nvPr>
         </p:nvSpPr>
         <p:spPr>
@@ -2182,12 +2248,12 @@
           </a:ln>
         </p:spPr>
         <p:txBody>
-          <a:bodyPr anchorCtr="0" anchor="b" bIns="45700" lIns="91425" spcFirstLastPara="1" rIns="91425" wrap="square" tIns="45700">
+          <a:bodyPr spcFirstLastPara="1" wrap="square" lIns="91425" tIns="45700" rIns="91425" bIns="45700" anchor="b" anchorCtr="0">
             <a:noAutofit/>
           </a:bodyPr>
           <a:lstStyle/>
           <a:p>
-            <a:pPr indent="0" lvl="0" marL="0" rtl="0" algn="r">
+            <a:pPr marL="0" lvl="0" indent="0" algn="r" rtl="0">
               <a:spcBef>
                 <a:spcPts val="0"/>
               </a:spcBef>
@@ -2198,7 +2264,7 @@
             </a:pPr>
             <a:fld id="{00000000-1234-1234-1234-123412341234}" type="slidenum">
               <a:rPr lang="en-US"/>
-              <a:t>‹#›</a:t>
+              <a:t>5</a:t>
             </a:fld>
             <a:endParaRPr/>
           </a:p>
@@ -2213,11 +2279,11 @@
 </file>
 
 <file path=ppt/notesSlides/notesSlide6.xml><?xml version="1.0" encoding="utf-8"?>
-<p:notes xmlns:a="http://schemas.openxmlformats.org/drawingml/2006/main" xmlns:r="http://schemas.openxmlformats.org/officeDocument/2006/relationships" xmlns:mc="http://schemas.openxmlformats.org/markup-compatibility/2006" xmlns:mv="urn:schemas-microsoft-com:mac:vml" xmlns:p="http://schemas.openxmlformats.org/presentationml/2006/main" xmlns:c="http://schemas.openxmlformats.org/drawingml/2006/chart" xmlns:dgm="http://schemas.openxmlformats.org/drawingml/2006/diagram" xmlns:o="urn:schemas-microsoft-com:office:office" xmlns:v="urn:schemas-microsoft-com:vml" xmlns:pvml="urn:schemas-microsoft-com:office:powerpoint" xmlns:com="http://schemas.openxmlformats.org/drawingml/2006/compatibility" xmlns:p14="http://schemas.microsoft.com/office/powerpoint/2010/main" xmlns:p15="http://schemas.microsoft.com/office/powerpoint/2012/main" xmlns:ahyp="http://schemas.microsoft.com/office/drawing/2018/hyperlinkcolor" showMasterPhAnim="0" showMasterSp="0">
+<p:notes xmlns:a="http://schemas.openxmlformats.org/drawingml/2006/main" xmlns:r="http://schemas.openxmlformats.org/officeDocument/2006/relationships" xmlns:p="http://schemas.openxmlformats.org/presentationml/2006/main" showMasterSp="0" showMasterPhAnim="0">
   <p:cSld>
     <p:spTree>
       <p:nvGrpSpPr>
-        <p:cNvPr id="85" name="Shape 85"/>
+        <p:cNvPr id="1" name="Shape 85"/>
         <p:cNvGrpSpPr/>
         <p:nvPr/>
       </p:nvGrpSpPr>
@@ -2232,9 +2298,11 @@
       <p:sp>
         <p:nvSpPr>
           <p:cNvPr id="86" name="Google Shape;86;p5:notes"/>
-          <p:cNvSpPr/>
+          <p:cNvSpPr>
+            <a:spLocks noGrp="1" noRot="1" noChangeAspect="1"/>
+          </p:cNvSpPr>
           <p:nvPr>
-            <p:ph idx="2" type="sldImg"/>
+            <p:ph type="sldImg" idx="2"/>
           </p:nvPr>
         </p:nvSpPr>
         <p:spPr>
@@ -2243,9 +2311,13 @@
             <a:ext cx="5486400" cy="3086100"/>
           </a:xfrm>
           <a:custGeom>
-            <a:rect b="b" l="l" r="r" t="t"/>
+            <a:avLst/>
+            <a:gdLst/>
+            <a:ahLst/>
+            <a:cxnLst/>
+            <a:rect l="l" t="t" r="r" b="b"/>
             <a:pathLst>
-              <a:path extrusionOk="0" h="120000" w="120000">
+              <a:path w="120000" h="120000" extrusionOk="0">
                 <a:moveTo>
                   <a:pt x="0" y="0"/>
                 </a:moveTo>
@@ -2263,23 +2335,25 @@
             </a:pathLst>
           </a:custGeom>
           <a:noFill/>
-          <a:ln cap="flat" cmpd="sng" w="12700">
+          <a:ln w="12700" cap="flat" cmpd="sng">
             <a:solidFill>
               <a:srgbClr val="000000"/>
             </a:solidFill>
             <a:prstDash val="solid"/>
             <a:round/>
-            <a:headEnd len="sm" w="sm" type="none"/>
-            <a:tailEnd len="sm" w="sm" type="none"/>
+            <a:headEnd type="none" w="sm" len="sm"/>
+            <a:tailEnd type="none" w="sm" len="sm"/>
           </a:ln>
         </p:spPr>
       </p:sp>
       <p:sp>
         <p:nvSpPr>
           <p:cNvPr id="87" name="Google Shape;87;p5:notes"/>
-          <p:cNvSpPr txBox="1"/>
+          <p:cNvSpPr txBox="1">
+            <a:spLocks noGrp="1"/>
+          </p:cNvSpPr>
           <p:nvPr>
-            <p:ph idx="1" type="body"/>
+            <p:ph type="body" idx="1"/>
           </p:nvPr>
         </p:nvSpPr>
         <p:spPr>
@@ -2296,12 +2370,12 @@
           </a:ln>
         </p:spPr>
         <p:txBody>
-          <a:bodyPr anchorCtr="0" anchor="t" bIns="45700" lIns="91425" spcFirstLastPara="1" rIns="91425" wrap="square" tIns="45700">
+          <a:bodyPr spcFirstLastPara="1" wrap="square" lIns="91425" tIns="45700" rIns="91425" bIns="45700" anchor="t" anchorCtr="0">
             <a:noAutofit/>
           </a:bodyPr>
           <a:lstStyle/>
           <a:p>
-            <a:pPr indent="0" lvl="0" marL="0" rtl="0" algn="l">
+            <a:pPr marL="0" lvl="0" indent="0" algn="l" rtl="0">
               <a:spcBef>
                 <a:spcPts val="0"/>
               </a:spcBef>
@@ -2310,9 +2384,6 @@
               </a:spcAft>
               <a:buNone/>
             </a:pPr>
-            <a:r>
-              <a:t/>
-            </a:r>
             <a:endParaRPr/>
           </a:p>
         </p:txBody>
@@ -2320,9 +2391,11 @@
       <p:sp>
         <p:nvSpPr>
           <p:cNvPr id="88" name="Google Shape;88;p5:notes"/>
-          <p:cNvSpPr txBox="1"/>
+          <p:cNvSpPr txBox="1">
+            <a:spLocks noGrp="1"/>
+          </p:cNvSpPr>
           <p:nvPr>
-            <p:ph idx="12" type="sldNum"/>
+            <p:ph type="sldNum" idx="12"/>
           </p:nvPr>
         </p:nvSpPr>
         <p:spPr>
@@ -2339,12 +2412,12 @@
           </a:ln>
         </p:spPr>
         <p:txBody>
-          <a:bodyPr anchorCtr="0" anchor="b" bIns="45700" lIns="91425" spcFirstLastPara="1" rIns="91425" wrap="square" tIns="45700">
+          <a:bodyPr spcFirstLastPara="1" wrap="square" lIns="91425" tIns="45700" rIns="91425" bIns="45700" anchor="b" anchorCtr="0">
             <a:noAutofit/>
           </a:bodyPr>
           <a:lstStyle/>
           <a:p>
-            <a:pPr indent="0" lvl="0" marL="0" rtl="0" algn="r">
+            <a:pPr marL="0" lvl="0" indent="0" algn="r" rtl="0">
               <a:spcBef>
                 <a:spcPts val="0"/>
               </a:spcBef>
@@ -2355,164 +2428,7 @@
             </a:pPr>
             <a:fld id="{00000000-1234-1234-1234-123412341234}" type="slidenum">
               <a:rPr lang="en-US"/>
-              <a:t>‹#›</a:t>
-            </a:fld>
-            <a:endParaRPr/>
-          </a:p>
-        </p:txBody>
-      </p:sp>
-    </p:spTree>
-  </p:cSld>
-  <p:clrMapOvr>
-    <a:masterClrMapping/>
-  </p:clrMapOvr>
-</p:notes>
-</file>
-
-<file path=ppt/notesSlides/notesSlide7.xml><?xml version="1.0" encoding="utf-8"?>
-<p:notes xmlns:a="http://schemas.openxmlformats.org/drawingml/2006/main" xmlns:r="http://schemas.openxmlformats.org/officeDocument/2006/relationships" xmlns:mc="http://schemas.openxmlformats.org/markup-compatibility/2006" xmlns:mv="urn:schemas-microsoft-com:mac:vml" xmlns:p="http://schemas.openxmlformats.org/presentationml/2006/main" xmlns:c="http://schemas.openxmlformats.org/drawingml/2006/chart" xmlns:dgm="http://schemas.openxmlformats.org/drawingml/2006/diagram" xmlns:o="urn:schemas-microsoft-com:office:office" xmlns:v="urn:schemas-microsoft-com:vml" xmlns:pvml="urn:schemas-microsoft-com:office:powerpoint" xmlns:com="http://schemas.openxmlformats.org/drawingml/2006/compatibility" xmlns:p14="http://schemas.microsoft.com/office/powerpoint/2010/main" xmlns:p15="http://schemas.microsoft.com/office/powerpoint/2012/main" xmlns:ahyp="http://schemas.microsoft.com/office/drawing/2018/hyperlinkcolor" showMasterPhAnim="0" showMasterSp="0">
-  <p:cSld>
-    <p:spTree>
-      <p:nvGrpSpPr>
-        <p:cNvPr id="96" name="Shape 96"/>
-        <p:cNvGrpSpPr/>
-        <p:nvPr/>
-      </p:nvGrpSpPr>
-      <p:grpSpPr>
-        <a:xfrm>
-          <a:off x="0" y="0"/>
-          <a:ext cx="0" cy="0"/>
-          <a:chOff x="0" y="0"/>
-          <a:chExt cx="0" cy="0"/>
-        </a:xfrm>
-      </p:grpSpPr>
-      <p:sp>
-        <p:nvSpPr>
-          <p:cNvPr id="97" name="Google Shape;97;p6:notes"/>
-          <p:cNvSpPr/>
-          <p:nvPr>
-            <p:ph idx="2" type="sldImg"/>
-          </p:nvPr>
-        </p:nvSpPr>
-        <p:spPr>
-          <a:xfrm>
-            <a:off x="685800" y="1143000"/>
-            <a:ext cx="5486400" cy="3086100"/>
-          </a:xfrm>
-          <a:custGeom>
-            <a:rect b="b" l="l" r="r" t="t"/>
-            <a:pathLst>
-              <a:path extrusionOk="0" h="120000" w="120000">
-                <a:moveTo>
-                  <a:pt x="0" y="0"/>
-                </a:moveTo>
-                <a:lnTo>
-                  <a:pt x="120000" y="0"/>
-                </a:lnTo>
-                <a:lnTo>
-                  <a:pt x="120000" y="120000"/>
-                </a:lnTo>
-                <a:lnTo>
-                  <a:pt x="0" y="120000"/>
-                </a:lnTo>
-                <a:close/>
-              </a:path>
-            </a:pathLst>
-          </a:custGeom>
-          <a:noFill/>
-          <a:ln cap="flat" cmpd="sng" w="12700">
-            <a:solidFill>
-              <a:srgbClr val="000000"/>
-            </a:solidFill>
-            <a:prstDash val="solid"/>
-            <a:round/>
-            <a:headEnd len="sm" w="sm" type="none"/>
-            <a:tailEnd len="sm" w="sm" type="none"/>
-          </a:ln>
-        </p:spPr>
-      </p:sp>
-      <p:sp>
-        <p:nvSpPr>
-          <p:cNvPr id="98" name="Google Shape;98;p6:notes"/>
-          <p:cNvSpPr txBox="1"/>
-          <p:nvPr>
-            <p:ph idx="1" type="body"/>
-          </p:nvPr>
-        </p:nvSpPr>
-        <p:spPr>
-          <a:xfrm>
-            <a:off x="685800" y="4400550"/>
-            <a:ext cx="5486400" cy="3600450"/>
-          </a:xfrm>
-          <a:prstGeom prst="rect">
-            <a:avLst/>
-          </a:prstGeom>
-          <a:noFill/>
-          <a:ln>
-            <a:noFill/>
-          </a:ln>
-        </p:spPr>
-        <p:txBody>
-          <a:bodyPr anchorCtr="0" anchor="t" bIns="45700" lIns="91425" spcFirstLastPara="1" rIns="91425" wrap="square" tIns="45700">
-            <a:noAutofit/>
-          </a:bodyPr>
-          <a:lstStyle/>
-          <a:p>
-            <a:pPr indent="0" lvl="0" marL="0" rtl="0" algn="l">
-              <a:spcBef>
-                <a:spcPts val="0"/>
-              </a:spcBef>
-              <a:spcAft>
-                <a:spcPts val="0"/>
-              </a:spcAft>
-              <a:buNone/>
-            </a:pPr>
-            <a:r>
-              <a:t/>
-            </a:r>
-            <a:endParaRPr/>
-          </a:p>
-        </p:txBody>
-      </p:sp>
-      <p:sp>
-        <p:nvSpPr>
-          <p:cNvPr id="99" name="Google Shape;99;p6:notes"/>
-          <p:cNvSpPr txBox="1"/>
-          <p:nvPr>
-            <p:ph idx="12" type="sldNum"/>
-          </p:nvPr>
-        </p:nvSpPr>
-        <p:spPr>
-          <a:xfrm>
-            <a:off x="3884613" y="8685213"/>
-            <a:ext cx="2971800" cy="458787"/>
-          </a:xfrm>
-          <a:prstGeom prst="rect">
-            <a:avLst/>
-          </a:prstGeom>
-          <a:noFill/>
-          <a:ln>
-            <a:noFill/>
-          </a:ln>
-        </p:spPr>
-        <p:txBody>
-          <a:bodyPr anchorCtr="0" anchor="b" bIns="45700" lIns="91425" spcFirstLastPara="1" rIns="91425" wrap="square" tIns="45700">
-            <a:noAutofit/>
-          </a:bodyPr>
-          <a:lstStyle/>
-          <a:p>
-            <a:pPr indent="0" lvl="0" marL="0" rtl="0" algn="r">
-              <a:spcBef>
-                <a:spcPts val="0"/>
-              </a:spcBef>
-              <a:spcAft>
-                <a:spcPts val="0"/>
-              </a:spcAft>
-              <a:buNone/>
-            </a:pPr>
-            <a:fld id="{00000000-1234-1234-1234-123412341234}" type="slidenum">
-              <a:rPr lang="en-US"/>
-              <a:t>‹#›</a:t>
+              <a:t>6</a:t>
             </a:fld>
             <a:endParaRPr/>
           </a:p>
@@ -2527,18 +2443,19 @@
 </file>
 
 <file path=ppt/slideLayouts/slideLayout1.xml><?xml version="1.0" encoding="utf-8"?>
-<p:sldLayout xmlns:a="http://schemas.openxmlformats.org/drawingml/2006/main" xmlns:r="http://schemas.openxmlformats.org/officeDocument/2006/relationships" xmlns:mc="http://schemas.openxmlformats.org/markup-compatibility/2006" xmlns:mv="urn:schemas-microsoft-com:mac:vml" xmlns:p="http://schemas.openxmlformats.org/presentationml/2006/main" xmlns:c="http://schemas.openxmlformats.org/drawingml/2006/chart" xmlns:dgm="http://schemas.openxmlformats.org/drawingml/2006/diagram" xmlns:o="urn:schemas-microsoft-com:office:office" xmlns:v="urn:schemas-microsoft-com:vml" xmlns:pvml="urn:schemas-microsoft-com:office:powerpoint" xmlns:com="http://schemas.openxmlformats.org/drawingml/2006/compatibility" xmlns:p14="http://schemas.microsoft.com/office/powerpoint/2010/main" xmlns:p15="http://schemas.microsoft.com/office/powerpoint/2012/main" xmlns:ahyp="http://schemas.microsoft.com/office/drawing/2018/hyperlinkcolor" matchingName="DEFAULT">
+<p:sldLayout xmlns:a="http://schemas.openxmlformats.org/drawingml/2006/main" xmlns:r="http://schemas.openxmlformats.org/officeDocument/2006/relationships" xmlns:p="http://schemas.openxmlformats.org/presentationml/2006/main" matchingName="DEFAULT">
   <p:cSld name="DEFAULT">
     <p:bg>
       <p:bgPr>
         <a:solidFill>
           <a:schemeClr val="lt1"/>
         </a:solidFill>
+        <a:effectLst/>
       </p:bgPr>
     </p:bg>
     <p:spTree>
       <p:nvGrpSpPr>
-        <p:cNvPr id="10" name="Shape 10"/>
+        <p:cNvPr id="1" name="Shape 10"/>
         <p:cNvGrpSpPr/>
         <p:nvPr/>
       </p:nvGrpSpPr>
@@ -2559,11 +2476,16 @@
 </file>
 
 <file path=ppt/slideMasters/slideMaster1.xml><?xml version="1.0" encoding="utf-8"?>
-<p:sldMaster xmlns:a="http://schemas.openxmlformats.org/drawingml/2006/main" xmlns:r="http://schemas.openxmlformats.org/officeDocument/2006/relationships" xmlns:mc="http://schemas.openxmlformats.org/markup-compatibility/2006" xmlns:mv="urn:schemas-microsoft-com:mac:vml" xmlns:p="http://schemas.openxmlformats.org/presentationml/2006/main" xmlns:c="http://schemas.openxmlformats.org/drawingml/2006/chart" xmlns:dgm="http://schemas.openxmlformats.org/drawingml/2006/diagram" xmlns:o="urn:schemas-microsoft-com:office:office" xmlns:v="urn:schemas-microsoft-com:vml" xmlns:pvml="urn:schemas-microsoft-com:office:powerpoint" xmlns:com="http://schemas.openxmlformats.org/drawingml/2006/compatibility" xmlns:p14="http://schemas.microsoft.com/office/powerpoint/2010/main" xmlns:p15="http://schemas.microsoft.com/office/powerpoint/2012/main" xmlns:ahyp="http://schemas.microsoft.com/office/drawing/2018/hyperlinkcolor">
+<p:sldMaster xmlns:a="http://schemas.openxmlformats.org/drawingml/2006/main" xmlns:r="http://schemas.openxmlformats.org/officeDocument/2006/relationships" xmlns:p="http://schemas.openxmlformats.org/presentationml/2006/main">
   <p:cSld>
+    <p:bg>
+      <p:bgRef idx="1001">
+        <a:schemeClr val="bg1"/>
+      </p:bgRef>
+    </p:bg>
     <p:spTree>
       <p:nvGrpSpPr>
-        <p:cNvPr id="9" name="Shape 9"/>
+        <p:cNvPr id="1" name="Shape 9"/>
         <p:cNvGrpSpPr/>
         <p:nvPr/>
       </p:nvGrpSpPr>
@@ -2577,14 +2499,14 @@
       </p:grpSpPr>
     </p:spTree>
   </p:cSld>
-  <p:clrMap accent1="accent1" accent2="accent2" accent3="accent3" accent4="accent4" accent5="accent5" accent6="accent6" bg1="lt1" bg2="dk2" tx1="dk1" tx2="lt2" folHlink="folHlink" hlink="hlink"/>
+  <p:clrMap bg1="lt1" tx1="dk1" bg2="dk2" tx2="lt2" accent1="accent1" accent2="accent2" accent3="accent3" accent4="accent4" accent5="accent5" accent6="accent6" hlink="hlink" folHlink="folHlink"/>
   <p:sldLayoutIdLst>
     <p:sldLayoutId id="2147483648" r:id="rId1"/>
   </p:sldLayoutIdLst>
-  <p:hf dt="0" ftr="0" hdr="0" sldNum="0"/>
+  <p:hf sldNum="0" hdr="0" ftr="0" dt="0"/>
   <p:txStyles>
     <p:titleStyle>
-      <a:defPPr lvl="0" marR="0" rtl="0" algn="l">
+      <a:defPPr marR="0" lvl="0" algn="l" rtl="0">
         <a:lnSpc>
           <a:spcPct val="100000"/>
         </a:lnSpc>
@@ -2595,7 +2517,7 @@
           <a:spcPts val="0"/>
         </a:spcAft>
       </a:defPPr>
-      <a:lvl1pPr lvl="0" marR="0" rtl="0" algn="l">
+      <a:lvl1pPr marR="0" lvl="0" algn="l" rtl="0">
         <a:lnSpc>
           <a:spcPct val="100000"/>
         </a:lnSpc>
@@ -2609,7 +2531,7 @@
           <a:srgbClr val="000000"/>
         </a:buClr>
         <a:buFont typeface="Arial"/>
-        <a:defRPr b="0" i="0" sz="1400" u="none" cap="none" strike="noStrike">
+        <a:defRPr sz="1400" b="0" i="0" u="none" strike="noStrike" cap="none">
           <a:solidFill>
             <a:srgbClr val="000000"/>
           </a:solidFill>
@@ -2619,7 +2541,7 @@
           <a:sym typeface="Arial"/>
         </a:defRPr>
       </a:lvl1pPr>
-      <a:lvl2pPr lvl="1" marR="0" rtl="0" algn="l">
+      <a:lvl2pPr marR="0" lvl="1" algn="l" rtl="0">
         <a:lnSpc>
           <a:spcPct val="100000"/>
         </a:lnSpc>
@@ -2633,7 +2555,7 @@
           <a:srgbClr val="000000"/>
         </a:buClr>
         <a:buFont typeface="Arial"/>
-        <a:defRPr b="0" i="0" sz="1400" u="none" cap="none" strike="noStrike">
+        <a:defRPr sz="1400" b="0" i="0" u="none" strike="noStrike" cap="none">
           <a:solidFill>
             <a:srgbClr val="000000"/>
           </a:solidFill>
@@ -2643,7 +2565,7 @@
           <a:sym typeface="Arial"/>
         </a:defRPr>
       </a:lvl2pPr>
-      <a:lvl3pPr lvl="2" marR="0" rtl="0" algn="l">
+      <a:lvl3pPr marR="0" lvl="2" algn="l" rtl="0">
         <a:lnSpc>
           <a:spcPct val="100000"/>
         </a:lnSpc>
@@ -2657,7 +2579,7 @@
           <a:srgbClr val="000000"/>
         </a:buClr>
         <a:buFont typeface="Arial"/>
-        <a:defRPr b="0" i="0" sz="1400" u="none" cap="none" strike="noStrike">
+        <a:defRPr sz="1400" b="0" i="0" u="none" strike="noStrike" cap="none">
           <a:solidFill>
             <a:srgbClr val="000000"/>
           </a:solidFill>
@@ -2667,7 +2589,7 @@
           <a:sym typeface="Arial"/>
         </a:defRPr>
       </a:lvl3pPr>
-      <a:lvl4pPr lvl="3" marR="0" rtl="0" algn="l">
+      <a:lvl4pPr marR="0" lvl="3" algn="l" rtl="0">
         <a:lnSpc>
           <a:spcPct val="100000"/>
         </a:lnSpc>
@@ -2681,7 +2603,7 @@
           <a:srgbClr val="000000"/>
         </a:buClr>
         <a:buFont typeface="Arial"/>
-        <a:defRPr b="0" i="0" sz="1400" u="none" cap="none" strike="noStrike">
+        <a:defRPr sz="1400" b="0" i="0" u="none" strike="noStrike" cap="none">
           <a:solidFill>
             <a:srgbClr val="000000"/>
           </a:solidFill>
@@ -2691,7 +2613,7 @@
           <a:sym typeface="Arial"/>
         </a:defRPr>
       </a:lvl4pPr>
-      <a:lvl5pPr lvl="4" marR="0" rtl="0" algn="l">
+      <a:lvl5pPr marR="0" lvl="4" algn="l" rtl="0">
         <a:lnSpc>
           <a:spcPct val="100000"/>
         </a:lnSpc>
@@ -2705,7 +2627,7 @@
           <a:srgbClr val="000000"/>
         </a:buClr>
         <a:buFont typeface="Arial"/>
-        <a:defRPr b="0" i="0" sz="1400" u="none" cap="none" strike="noStrike">
+        <a:defRPr sz="1400" b="0" i="0" u="none" strike="noStrike" cap="none">
           <a:solidFill>
             <a:srgbClr val="000000"/>
           </a:solidFill>
@@ -2715,7 +2637,7 @@
           <a:sym typeface="Arial"/>
         </a:defRPr>
       </a:lvl5pPr>
-      <a:lvl6pPr lvl="5" marR="0" rtl="0" algn="l">
+      <a:lvl6pPr marR="0" lvl="5" algn="l" rtl="0">
         <a:lnSpc>
           <a:spcPct val="100000"/>
         </a:lnSpc>
@@ -2729,7 +2651,7 @@
           <a:srgbClr val="000000"/>
         </a:buClr>
         <a:buFont typeface="Arial"/>
-        <a:defRPr b="0" i="0" sz="1400" u="none" cap="none" strike="noStrike">
+        <a:defRPr sz="1400" b="0" i="0" u="none" strike="noStrike" cap="none">
           <a:solidFill>
             <a:srgbClr val="000000"/>
           </a:solidFill>
@@ -2739,7 +2661,7 @@
           <a:sym typeface="Arial"/>
         </a:defRPr>
       </a:lvl6pPr>
-      <a:lvl7pPr lvl="6" marR="0" rtl="0" algn="l">
+      <a:lvl7pPr marR="0" lvl="6" algn="l" rtl="0">
         <a:lnSpc>
           <a:spcPct val="100000"/>
         </a:lnSpc>
@@ -2753,7 +2675,7 @@
           <a:srgbClr val="000000"/>
         </a:buClr>
         <a:buFont typeface="Arial"/>
-        <a:defRPr b="0" i="0" sz="1400" u="none" cap="none" strike="noStrike">
+        <a:defRPr sz="1400" b="0" i="0" u="none" strike="noStrike" cap="none">
           <a:solidFill>
             <a:srgbClr val="000000"/>
           </a:solidFill>
@@ -2763,7 +2685,7 @@
           <a:sym typeface="Arial"/>
         </a:defRPr>
       </a:lvl7pPr>
-      <a:lvl8pPr lvl="7" marR="0" rtl="0" algn="l">
+      <a:lvl8pPr marR="0" lvl="7" algn="l" rtl="0">
         <a:lnSpc>
           <a:spcPct val="100000"/>
         </a:lnSpc>
@@ -2777,7 +2699,7 @@
           <a:srgbClr val="000000"/>
         </a:buClr>
         <a:buFont typeface="Arial"/>
-        <a:defRPr b="0" i="0" sz="1400" u="none" cap="none" strike="noStrike">
+        <a:defRPr sz="1400" b="0" i="0" u="none" strike="noStrike" cap="none">
           <a:solidFill>
             <a:srgbClr val="000000"/>
           </a:solidFill>
@@ -2787,7 +2709,7 @@
           <a:sym typeface="Arial"/>
         </a:defRPr>
       </a:lvl8pPr>
-      <a:lvl9pPr lvl="8" marR="0" rtl="0" algn="l">
+      <a:lvl9pPr marR="0" lvl="8" algn="l" rtl="0">
         <a:lnSpc>
           <a:spcPct val="100000"/>
         </a:lnSpc>
@@ -2801,7 +2723,7 @@
           <a:srgbClr val="000000"/>
         </a:buClr>
         <a:buFont typeface="Arial"/>
-        <a:defRPr b="0" i="0" sz="1400" u="none" cap="none" strike="noStrike">
+        <a:defRPr sz="1400" b="0" i="0" u="none" strike="noStrike" cap="none">
           <a:solidFill>
             <a:srgbClr val="000000"/>
           </a:solidFill>
@@ -2813,7 +2735,7 @@
       </a:lvl9pPr>
     </p:titleStyle>
     <p:bodyStyle>
-      <a:defPPr lvl="0" marR="0" rtl="0" algn="l">
+      <a:defPPr marR="0" lvl="0" algn="l" rtl="0">
         <a:lnSpc>
           <a:spcPct val="100000"/>
         </a:lnSpc>
@@ -2824,7 +2746,7 @@
           <a:spcPts val="0"/>
         </a:spcAft>
       </a:defPPr>
-      <a:lvl1pPr lvl="0" marR="0" rtl="0" algn="l">
+      <a:lvl1pPr marR="0" lvl="0" algn="l" rtl="0">
         <a:lnSpc>
           <a:spcPct val="100000"/>
         </a:lnSpc>
@@ -2838,7 +2760,7 @@
           <a:srgbClr val="000000"/>
         </a:buClr>
         <a:buFont typeface="Arial"/>
-        <a:defRPr b="0" i="0" sz="1400" u="none" cap="none" strike="noStrike">
+        <a:defRPr sz="1400" b="0" i="0" u="none" strike="noStrike" cap="none">
           <a:solidFill>
             <a:srgbClr val="000000"/>
           </a:solidFill>
@@ -2848,7 +2770,7 @@
           <a:sym typeface="Arial"/>
         </a:defRPr>
       </a:lvl1pPr>
-      <a:lvl2pPr lvl="1" marR="0" rtl="0" algn="l">
+      <a:lvl2pPr marR="0" lvl="1" algn="l" rtl="0">
         <a:lnSpc>
           <a:spcPct val="100000"/>
         </a:lnSpc>
@@ -2862,7 +2784,7 @@
           <a:srgbClr val="000000"/>
         </a:buClr>
         <a:buFont typeface="Arial"/>
-        <a:defRPr b="0" i="0" sz="1400" u="none" cap="none" strike="noStrike">
+        <a:defRPr sz="1400" b="0" i="0" u="none" strike="noStrike" cap="none">
           <a:solidFill>
             <a:srgbClr val="000000"/>
           </a:solidFill>
@@ -2872,7 +2794,7 @@
           <a:sym typeface="Arial"/>
         </a:defRPr>
       </a:lvl2pPr>
-      <a:lvl3pPr lvl="2" marR="0" rtl="0" algn="l">
+      <a:lvl3pPr marR="0" lvl="2" algn="l" rtl="0">
         <a:lnSpc>
           <a:spcPct val="100000"/>
         </a:lnSpc>
@@ -2886,7 +2808,7 @@
           <a:srgbClr val="000000"/>
         </a:buClr>
         <a:buFont typeface="Arial"/>
-        <a:defRPr b="0" i="0" sz="1400" u="none" cap="none" strike="noStrike">
+        <a:defRPr sz="1400" b="0" i="0" u="none" strike="noStrike" cap="none">
           <a:solidFill>
             <a:srgbClr val="000000"/>
           </a:solidFill>
@@ -2896,7 +2818,7 @@
           <a:sym typeface="Arial"/>
         </a:defRPr>
       </a:lvl3pPr>
-      <a:lvl4pPr lvl="3" marR="0" rtl="0" algn="l">
+      <a:lvl4pPr marR="0" lvl="3" algn="l" rtl="0">
         <a:lnSpc>
           <a:spcPct val="100000"/>
         </a:lnSpc>
@@ -2910,7 +2832,7 @@
           <a:srgbClr val="000000"/>
         </a:buClr>
         <a:buFont typeface="Arial"/>
-        <a:defRPr b="0" i="0" sz="1400" u="none" cap="none" strike="noStrike">
+        <a:defRPr sz="1400" b="0" i="0" u="none" strike="noStrike" cap="none">
           <a:solidFill>
             <a:srgbClr val="000000"/>
           </a:solidFill>
@@ -2920,7 +2842,7 @@
           <a:sym typeface="Arial"/>
         </a:defRPr>
       </a:lvl4pPr>
-      <a:lvl5pPr lvl="4" marR="0" rtl="0" algn="l">
+      <a:lvl5pPr marR="0" lvl="4" algn="l" rtl="0">
         <a:lnSpc>
           <a:spcPct val="100000"/>
         </a:lnSpc>
@@ -2934,7 +2856,7 @@
           <a:srgbClr val="000000"/>
         </a:buClr>
         <a:buFont typeface="Arial"/>
-        <a:defRPr b="0" i="0" sz="1400" u="none" cap="none" strike="noStrike">
+        <a:defRPr sz="1400" b="0" i="0" u="none" strike="noStrike" cap="none">
           <a:solidFill>
             <a:srgbClr val="000000"/>
           </a:solidFill>
@@ -2944,7 +2866,7 @@
           <a:sym typeface="Arial"/>
         </a:defRPr>
       </a:lvl5pPr>
-      <a:lvl6pPr lvl="5" marR="0" rtl="0" algn="l">
+      <a:lvl6pPr marR="0" lvl="5" algn="l" rtl="0">
         <a:lnSpc>
           <a:spcPct val="100000"/>
         </a:lnSpc>
@@ -2958,7 +2880,7 @@
           <a:srgbClr val="000000"/>
         </a:buClr>
         <a:buFont typeface="Arial"/>
-        <a:defRPr b="0" i="0" sz="1400" u="none" cap="none" strike="noStrike">
+        <a:defRPr sz="1400" b="0" i="0" u="none" strike="noStrike" cap="none">
           <a:solidFill>
             <a:srgbClr val="000000"/>
           </a:solidFill>
@@ -2968,7 +2890,7 @@
           <a:sym typeface="Arial"/>
         </a:defRPr>
       </a:lvl6pPr>
-      <a:lvl7pPr lvl="6" marR="0" rtl="0" algn="l">
+      <a:lvl7pPr marR="0" lvl="6" algn="l" rtl="0">
         <a:lnSpc>
           <a:spcPct val="100000"/>
         </a:lnSpc>
@@ -2982,7 +2904,7 @@
           <a:srgbClr val="000000"/>
         </a:buClr>
         <a:buFont typeface="Arial"/>
-        <a:defRPr b="0" i="0" sz="1400" u="none" cap="none" strike="noStrike">
+        <a:defRPr sz="1400" b="0" i="0" u="none" strike="noStrike" cap="none">
           <a:solidFill>
             <a:srgbClr val="000000"/>
           </a:solidFill>
@@ -2992,7 +2914,7 @@
           <a:sym typeface="Arial"/>
         </a:defRPr>
       </a:lvl7pPr>
-      <a:lvl8pPr lvl="7" marR="0" rtl="0" algn="l">
+      <a:lvl8pPr marR="0" lvl="7" algn="l" rtl="0">
         <a:lnSpc>
           <a:spcPct val="100000"/>
         </a:lnSpc>
@@ -3006,7 +2928,7 @@
           <a:srgbClr val="000000"/>
         </a:buClr>
         <a:buFont typeface="Arial"/>
-        <a:defRPr b="0" i="0" sz="1400" u="none" cap="none" strike="noStrike">
+        <a:defRPr sz="1400" b="0" i="0" u="none" strike="noStrike" cap="none">
           <a:solidFill>
             <a:srgbClr val="000000"/>
           </a:solidFill>
@@ -3016,7 +2938,7 @@
           <a:sym typeface="Arial"/>
         </a:defRPr>
       </a:lvl8pPr>
-      <a:lvl9pPr lvl="8" marR="0" rtl="0" algn="l">
+      <a:lvl9pPr marR="0" lvl="8" algn="l" rtl="0">
         <a:lnSpc>
           <a:spcPct val="100000"/>
         </a:lnSpc>
@@ -3030,7 +2952,7 @@
           <a:srgbClr val="000000"/>
         </a:buClr>
         <a:buFont typeface="Arial"/>
-        <a:defRPr b="0" i="0" sz="1400" u="none" cap="none" strike="noStrike">
+        <a:defRPr sz="1400" b="0" i="0" u="none" strike="noStrike" cap="none">
           <a:solidFill>
             <a:srgbClr val="000000"/>
           </a:solidFill>
@@ -3042,7 +2964,7 @@
       </a:lvl9pPr>
     </p:bodyStyle>
     <p:otherStyle>
-      <a:defPPr lvl="0" marR="0" rtl="0" algn="l">
+      <a:defPPr marR="0" lvl="0" algn="l" rtl="0">
         <a:lnSpc>
           <a:spcPct val="100000"/>
         </a:lnSpc>
@@ -3053,7 +2975,7 @@
           <a:spcPts val="0"/>
         </a:spcAft>
       </a:defPPr>
-      <a:lvl1pPr lvl="0" marR="0" rtl="0" algn="l">
+      <a:lvl1pPr marR="0" lvl="0" algn="l" rtl="0">
         <a:lnSpc>
           <a:spcPct val="100000"/>
         </a:lnSpc>
@@ -3067,7 +2989,7 @@
           <a:srgbClr val="000000"/>
         </a:buClr>
         <a:buFont typeface="Arial"/>
-        <a:defRPr b="0" i="0" sz="1400" u="none" cap="none" strike="noStrike">
+        <a:defRPr sz="1400" b="0" i="0" u="none" strike="noStrike" cap="none">
           <a:solidFill>
             <a:srgbClr val="000000"/>
           </a:solidFill>
@@ -3077,7 +2999,7 @@
           <a:sym typeface="Arial"/>
         </a:defRPr>
       </a:lvl1pPr>
-      <a:lvl2pPr lvl="1" marR="0" rtl="0" algn="l">
+      <a:lvl2pPr marR="0" lvl="1" algn="l" rtl="0">
         <a:lnSpc>
           <a:spcPct val="100000"/>
         </a:lnSpc>
@@ -3091,7 +3013,7 @@
           <a:srgbClr val="000000"/>
         </a:buClr>
         <a:buFont typeface="Arial"/>
-        <a:defRPr b="0" i="0" sz="1400" u="none" cap="none" strike="noStrike">
+        <a:defRPr sz="1400" b="0" i="0" u="none" strike="noStrike" cap="none">
           <a:solidFill>
             <a:srgbClr val="000000"/>
           </a:solidFill>
@@ -3101,7 +3023,7 @@
           <a:sym typeface="Arial"/>
         </a:defRPr>
       </a:lvl2pPr>
-      <a:lvl3pPr lvl="2" marR="0" rtl="0" algn="l">
+      <a:lvl3pPr marR="0" lvl="2" algn="l" rtl="0">
         <a:lnSpc>
           <a:spcPct val="100000"/>
         </a:lnSpc>
@@ -3115,7 +3037,7 @@
           <a:srgbClr val="000000"/>
         </a:buClr>
         <a:buFont typeface="Arial"/>
-        <a:defRPr b="0" i="0" sz="1400" u="none" cap="none" strike="noStrike">
+        <a:defRPr sz="1400" b="0" i="0" u="none" strike="noStrike" cap="none">
           <a:solidFill>
             <a:srgbClr val="000000"/>
           </a:solidFill>
@@ -3125,7 +3047,7 @@
           <a:sym typeface="Arial"/>
         </a:defRPr>
       </a:lvl3pPr>
-      <a:lvl4pPr lvl="3" marR="0" rtl="0" algn="l">
+      <a:lvl4pPr marR="0" lvl="3" algn="l" rtl="0">
         <a:lnSpc>
           <a:spcPct val="100000"/>
         </a:lnSpc>
@@ -3139,7 +3061,7 @@
           <a:srgbClr val="000000"/>
         </a:buClr>
         <a:buFont typeface="Arial"/>
-        <a:defRPr b="0" i="0" sz="1400" u="none" cap="none" strike="noStrike">
+        <a:defRPr sz="1400" b="0" i="0" u="none" strike="noStrike" cap="none">
           <a:solidFill>
             <a:srgbClr val="000000"/>
           </a:solidFill>
@@ -3149,7 +3071,7 @@
           <a:sym typeface="Arial"/>
         </a:defRPr>
       </a:lvl4pPr>
-      <a:lvl5pPr lvl="4" marR="0" rtl="0" algn="l">
+      <a:lvl5pPr marR="0" lvl="4" algn="l" rtl="0">
         <a:lnSpc>
           <a:spcPct val="100000"/>
         </a:lnSpc>
@@ -3163,7 +3085,7 @@
           <a:srgbClr val="000000"/>
         </a:buClr>
         <a:buFont typeface="Arial"/>
-        <a:defRPr b="0" i="0" sz="1400" u="none" cap="none" strike="noStrike">
+        <a:defRPr sz="1400" b="0" i="0" u="none" strike="noStrike" cap="none">
           <a:solidFill>
             <a:srgbClr val="000000"/>
           </a:solidFill>
@@ -3173,7 +3095,7 @@
           <a:sym typeface="Arial"/>
         </a:defRPr>
       </a:lvl5pPr>
-      <a:lvl6pPr lvl="5" marR="0" rtl="0" algn="l">
+      <a:lvl6pPr marR="0" lvl="5" algn="l" rtl="0">
         <a:lnSpc>
           <a:spcPct val="100000"/>
         </a:lnSpc>
@@ -3187,7 +3109,7 @@
           <a:srgbClr val="000000"/>
         </a:buClr>
         <a:buFont typeface="Arial"/>
-        <a:defRPr b="0" i="0" sz="1400" u="none" cap="none" strike="noStrike">
+        <a:defRPr sz="1400" b="0" i="0" u="none" strike="noStrike" cap="none">
           <a:solidFill>
             <a:srgbClr val="000000"/>
           </a:solidFill>
@@ -3197,7 +3119,7 @@
           <a:sym typeface="Arial"/>
         </a:defRPr>
       </a:lvl6pPr>
-      <a:lvl7pPr lvl="6" marR="0" rtl="0" algn="l">
+      <a:lvl7pPr marR="0" lvl="6" algn="l" rtl="0">
         <a:lnSpc>
           <a:spcPct val="100000"/>
         </a:lnSpc>
@@ -3211,7 +3133,7 @@
           <a:srgbClr val="000000"/>
         </a:buClr>
         <a:buFont typeface="Arial"/>
-        <a:defRPr b="0" i="0" sz="1400" u="none" cap="none" strike="noStrike">
+        <a:defRPr sz="1400" b="0" i="0" u="none" strike="noStrike" cap="none">
           <a:solidFill>
             <a:srgbClr val="000000"/>
           </a:solidFill>
@@ -3221,7 +3143,7 @@
           <a:sym typeface="Arial"/>
         </a:defRPr>
       </a:lvl7pPr>
-      <a:lvl8pPr lvl="7" marR="0" rtl="0" algn="l">
+      <a:lvl8pPr marR="0" lvl="7" algn="l" rtl="0">
         <a:lnSpc>
           <a:spcPct val="100000"/>
         </a:lnSpc>
@@ -3235,7 +3157,7 @@
           <a:srgbClr val="000000"/>
         </a:buClr>
         <a:buFont typeface="Arial"/>
-        <a:defRPr b="0" i="0" sz="1400" u="none" cap="none" strike="noStrike">
+        <a:defRPr sz="1400" b="0" i="0" u="none" strike="noStrike" cap="none">
           <a:solidFill>
             <a:srgbClr val="000000"/>
           </a:solidFill>
@@ -3245,7 +3167,7 @@
           <a:sym typeface="Arial"/>
         </a:defRPr>
       </a:lvl8pPr>
-      <a:lvl9pPr lvl="8" marR="0" rtl="0" algn="l">
+      <a:lvl9pPr marR="0" lvl="8" algn="l" rtl="0">
         <a:lnSpc>
           <a:spcPct val="100000"/>
         </a:lnSpc>
@@ -3259,7 +3181,7 @@
           <a:srgbClr val="000000"/>
         </a:buClr>
         <a:buFont typeface="Arial"/>
-        <a:defRPr b="0" i="0" sz="1400" u="none" cap="none" strike="noStrike">
+        <a:defRPr sz="1400" b="0" i="0" u="none" strike="noStrike" cap="none">
           <a:solidFill>
             <a:srgbClr val="000000"/>
           </a:solidFill>
@@ -3275,11 +3197,11 @@
 </file>
 
 <file path=ppt/slides/slide1.xml><?xml version="1.0" encoding="utf-8"?>
-<p:sld xmlns:a="http://schemas.openxmlformats.org/drawingml/2006/main" xmlns:r="http://schemas.openxmlformats.org/officeDocument/2006/relationships" xmlns:mc="http://schemas.openxmlformats.org/markup-compatibility/2006" xmlns:mv="urn:schemas-microsoft-com:mac:vml" xmlns:p="http://schemas.openxmlformats.org/presentationml/2006/main" xmlns:c="http://schemas.openxmlformats.org/drawingml/2006/chart" xmlns:dgm="http://schemas.openxmlformats.org/drawingml/2006/diagram" xmlns:o="urn:schemas-microsoft-com:office:office" xmlns:v="urn:schemas-microsoft-com:vml" xmlns:pvml="urn:schemas-microsoft-com:office:powerpoint" xmlns:com="http://schemas.openxmlformats.org/drawingml/2006/compatibility" xmlns:p14="http://schemas.microsoft.com/office/powerpoint/2010/main" xmlns:p15="http://schemas.microsoft.com/office/powerpoint/2012/main" xmlns:ahyp="http://schemas.microsoft.com/office/drawing/2018/hyperlinkcolor">
+<p:sld xmlns:a="http://schemas.openxmlformats.org/drawingml/2006/main" xmlns:r="http://schemas.openxmlformats.org/officeDocument/2006/relationships" xmlns:p="http://schemas.openxmlformats.org/presentationml/2006/main">
   <p:cSld>
     <p:spTree>
       <p:nvGrpSpPr>
-        <p:cNvPr id="15" name="Shape 15"/>
+        <p:cNvPr id="1" name="Shape 15"/>
         <p:cNvGrpSpPr/>
         <p:nvPr/>
       </p:nvGrpSpPr>
@@ -3313,12 +3235,12 @@
           </a:ln>
         </p:spPr>
         <p:txBody>
-          <a:bodyPr anchorCtr="0" anchor="ctr" bIns="91425" lIns="91425" spcFirstLastPara="1" rIns="91425" wrap="square" tIns="91425">
+          <a:bodyPr spcFirstLastPara="1" wrap="square" lIns="91425" tIns="91425" rIns="91425" bIns="91425" anchor="ctr" anchorCtr="0">
             <a:noAutofit/>
           </a:bodyPr>
           <a:lstStyle/>
           <a:p>
-            <a:pPr indent="0" lvl="0" marL="0" rtl="0" algn="l">
+            <a:pPr marL="0" lvl="0" indent="0" algn="l" rtl="0">
               <a:spcBef>
                 <a:spcPts val="0"/>
               </a:spcBef>
@@ -3327,9 +3249,6 @@
               </a:spcAft>
               <a:buNone/>
             </a:pPr>
-            <a:r>
-              <a:t/>
-            </a:r>
             <a:endParaRPr/>
           </a:p>
         </p:txBody>
@@ -3356,12 +3275,12 @@
           </a:ln>
         </p:spPr>
         <p:txBody>
-          <a:bodyPr anchorCtr="0" anchor="ctr" bIns="91425" lIns="91425" spcFirstLastPara="1" rIns="91425" wrap="square" tIns="91425">
+          <a:bodyPr spcFirstLastPara="1" wrap="square" lIns="91425" tIns="91425" rIns="91425" bIns="91425" anchor="ctr" anchorCtr="0">
             <a:noAutofit/>
           </a:bodyPr>
           <a:lstStyle/>
           <a:p>
-            <a:pPr indent="0" lvl="0" marL="0" rtl="0" algn="l">
+            <a:pPr marL="0" lvl="0" indent="0" algn="l" rtl="0">
               <a:spcBef>
                 <a:spcPts val="0"/>
               </a:spcBef>
@@ -3370,9 +3289,6 @@
               </a:spcAft>
               <a:buNone/>
             </a:pPr>
-            <a:r>
-              <a:t/>
-            </a:r>
             <a:endParaRPr/>
           </a:p>
         </p:txBody>
@@ -3397,12 +3313,12 @@
           </a:ln>
         </p:spPr>
         <p:txBody>
-          <a:bodyPr anchorCtr="0" anchor="t" bIns="45700" lIns="91425" spcFirstLastPara="1" rIns="91425" wrap="square" tIns="45700">
+          <a:bodyPr spcFirstLastPara="1" wrap="square" lIns="91425" tIns="45700" rIns="91425" bIns="45700" anchor="t" anchorCtr="0">
             <a:noAutofit/>
           </a:bodyPr>
           <a:lstStyle/>
           <a:p>
-            <a:pPr indent="0" lvl="0" marL="0" marR="0" rtl="0" algn="l">
+            <a:pPr marL="0" marR="0" lvl="0" indent="0" algn="l" rtl="0">
               <a:lnSpc>
                 <a:spcPct val="124995"/>
               </a:lnSpc>
@@ -3420,7 +3336,7 @@
               <a:buNone/>
             </a:pPr>
             <a:r>
-              <a:rPr b="1" lang="en-US" sz="5649">
+              <a:rPr lang="en-US" sz="5649" b="1" dirty="0">
                 <a:solidFill>
                   <a:srgbClr val="38512F"/>
                 </a:solidFill>
@@ -3432,7 +3348,7 @@
               <a:t>Destroy</a:t>
             </a:r>
             <a:r>
-              <a:rPr b="1" i="0" lang="en-US" sz="5649" u="none" cap="none" strike="noStrike">
+              <a:rPr lang="en-US" sz="5649" b="1" i="0" u="none" strike="noStrike" cap="none" dirty="0">
                 <a:solidFill>
                   <a:srgbClr val="38512F"/>
                 </a:solidFill>
@@ -3443,7 +3359,7 @@
               </a:rPr>
               <a:t> Them All: </a:t>
             </a:r>
-            <a:endParaRPr b="1" i="0" sz="5649" u="none" cap="none" strike="noStrike">
+            <a:endParaRPr sz="5649" b="1" i="0" u="none" strike="noStrike" cap="none" dirty="0">
               <a:solidFill>
                 <a:srgbClr val="38512F"/>
               </a:solidFill>
@@ -3454,7 +3370,7 @@
             </a:endParaRPr>
           </a:p>
           <a:p>
-            <a:pPr indent="0" lvl="0" marL="0" marR="0" rtl="0" algn="l">
+            <a:pPr marL="0" marR="0" lvl="0" indent="0" algn="l" rtl="0">
               <a:lnSpc>
                 <a:spcPct val="124995"/>
               </a:lnSpc>
@@ -3472,7 +3388,7 @@
               <a:buNone/>
             </a:pPr>
             <a:r>
-              <a:rPr b="0" i="0" lang="en-US" sz="5149" u="none" cap="none" strike="noStrike">
+              <a:rPr lang="en-US" sz="5149" b="0" i="0" u="none" strike="noStrike" cap="none" dirty="0" err="1">
                 <a:solidFill>
                   <a:srgbClr val="38512F"/>
                 </a:solidFill>
@@ -3481,10 +3397,10 @@
                 <a:cs typeface="Lora"/>
                 <a:sym typeface="Lora"/>
               </a:rPr>
-              <a:t>Играйте и </a:t>
-            </a:r>
-            <a:r>
-              <a:rPr b="0" i="0" lang="en-US" sz="5149" u="none" cap="none" strike="noStrike">
+              <a:t>Играйте</a:t>
+            </a:r>
+            <a:r>
+              <a:rPr lang="en-US" sz="5149" b="0" i="0" u="none" strike="noStrike" cap="none" dirty="0">
                 <a:solidFill>
                   <a:srgbClr val="38512F"/>
                 </a:solidFill>
@@ -3493,10 +3409,10 @@
                 <a:cs typeface="Lora"/>
                 <a:sym typeface="Lora"/>
               </a:rPr>
-              <a:t>П</a:t>
-            </a:r>
-            <a:r>
-              <a:rPr b="0" i="0" lang="en-US" sz="5149" u="none" cap="none" strike="noStrike">
+              <a:t> и </a:t>
+            </a:r>
+            <a:r>
+              <a:rPr lang="en-US" sz="5149" b="0" i="0" u="none" strike="noStrike" cap="none" dirty="0" err="1">
                 <a:solidFill>
                   <a:srgbClr val="38512F"/>
                 </a:solidFill>
@@ -3505,9 +3421,9 @@
                 <a:cs typeface="Lora"/>
                 <a:sym typeface="Lora"/>
               </a:rPr>
-              <a:t>обеждайте</a:t>
-            </a:r>
-            <a:endParaRPr b="0" i="0" sz="5149" u="none" cap="none" strike="noStrike">
+              <a:t>Побеждайте</a:t>
+            </a:r>
+            <a:endParaRPr sz="5149" b="0" i="0" u="none" strike="noStrike" cap="none" dirty="0">
               <a:solidFill>
                 <a:schemeClr val="dk1"/>
               </a:solidFill>
@@ -3539,12 +3455,12 @@
           </a:ln>
         </p:spPr>
         <p:txBody>
-          <a:bodyPr anchorCtr="0" anchor="t" bIns="45700" lIns="91425" spcFirstLastPara="1" rIns="91425" wrap="square" tIns="45700">
+          <a:bodyPr spcFirstLastPara="1" wrap="square" lIns="91425" tIns="45700" rIns="91425" bIns="45700" anchor="t" anchorCtr="0">
             <a:noAutofit/>
           </a:bodyPr>
           <a:lstStyle/>
           <a:p>
-            <a:pPr indent="0" lvl="0" marL="0" marR="0" rtl="0" algn="l">
+            <a:pPr marL="0" marR="0" lvl="0" indent="0" algn="l" rtl="0">
               <a:lnSpc>
                 <a:spcPct val="159942"/>
               </a:lnSpc>
@@ -3562,7 +3478,7 @@
               <a:buNone/>
             </a:pPr>
             <a:r>
-              <a:rPr b="0" i="0" lang="en-US" sz="1750" u="none" cap="none" strike="noStrike">
+              <a:rPr lang="en-US" sz="1750" b="0" i="0" u="none" strike="noStrike" cap="none">
                 <a:solidFill>
                   <a:srgbClr val="3A3630"/>
                 </a:solidFill>
@@ -3582,7 +3498,7 @@
               <a:t>Destroy</a:t>
             </a:r>
             <a:r>
-              <a:rPr b="0" i="0" lang="en-US" sz="1750" u="none" cap="none" strike="noStrike">
+              <a:rPr lang="en-US" sz="1750" b="0" i="0" u="none" strike="noStrike" cap="none">
                 <a:solidFill>
                   <a:srgbClr val="3A3630"/>
                 </a:solidFill>
@@ -3602,7 +3518,7 @@
               <a:t>планет </a:t>
             </a:r>
             <a:r>
-              <a:rPr b="0" i="0" lang="en-US" sz="1750" u="none" cap="none" strike="noStrike">
+              <a:rPr lang="en-US" sz="1750" b="0" i="0" u="none" strike="noStrike" cap="none">
                 <a:solidFill>
                   <a:srgbClr val="3A3630"/>
                 </a:solidFill>
@@ -3613,7 +3529,7 @@
               </a:rPr>
               <a:t>одного цвета, чтобы очистить поле от них. Удачи!</a:t>
             </a:r>
-            <a:endParaRPr b="0" i="0" sz="1750" u="none" cap="none" strike="noStrike">
+            <a:endParaRPr sz="1750" b="0" i="0" u="none" strike="noStrike" cap="none">
               <a:solidFill>
                 <a:schemeClr val="dk1"/>
               </a:solidFill>
@@ -3638,27 +3554,27 @@
           </a:xfrm>
           <a:prstGeom prst="roundRect">
             <a:avLst>
-              <a:gd fmla="val 25726039" name="adj"/>
+              <a:gd name="adj" fmla="val 25726039"/>
             </a:avLst>
           </a:prstGeom>
           <a:noFill/>
-          <a:ln cap="flat" cmpd="sng" w="9525">
+          <a:ln w="9525" cap="flat" cmpd="sng">
             <a:solidFill>
               <a:srgbClr val="FFFFFF"/>
             </a:solidFill>
             <a:prstDash val="solid"/>
             <a:round/>
-            <a:headEnd len="sm" w="sm" type="none"/>
-            <a:tailEnd len="sm" w="sm" type="none"/>
+            <a:headEnd type="none" w="sm" len="sm"/>
+            <a:tailEnd type="none" w="sm" len="sm"/>
           </a:ln>
         </p:spPr>
         <p:txBody>
-          <a:bodyPr anchorCtr="0" anchor="ctr" bIns="91425" lIns="91425" spcFirstLastPara="1" rIns="91425" wrap="square" tIns="91425">
+          <a:bodyPr spcFirstLastPara="1" wrap="square" lIns="91425" tIns="91425" rIns="91425" bIns="91425" anchor="ctr" anchorCtr="0">
             <a:noAutofit/>
           </a:bodyPr>
           <a:lstStyle/>
           <a:p>
-            <a:pPr indent="0" lvl="0" marL="0" rtl="0" algn="l">
+            <a:pPr marL="0" lvl="0" indent="0" algn="l" rtl="0">
               <a:spcBef>
                 <a:spcPts val="0"/>
               </a:spcBef>
@@ -3667,9 +3583,6 @@
               </a:spcAft>
               <a:buNone/>
             </a:pPr>
-            <a:r>
-              <a:t/>
-            </a:r>
             <a:endParaRPr/>
           </a:p>
         </p:txBody>
@@ -3711,11 +3624,11 @@
 </file>
 
 <file path=ppt/slides/slide2.xml><?xml version="1.0" encoding="utf-8"?>
-<p:sld xmlns:a="http://schemas.openxmlformats.org/drawingml/2006/main" xmlns:r="http://schemas.openxmlformats.org/officeDocument/2006/relationships" xmlns:mc="http://schemas.openxmlformats.org/markup-compatibility/2006" xmlns:mv="urn:schemas-microsoft-com:mac:vml" xmlns:p="http://schemas.openxmlformats.org/presentationml/2006/main" xmlns:c="http://schemas.openxmlformats.org/drawingml/2006/chart" xmlns:dgm="http://schemas.openxmlformats.org/drawingml/2006/diagram" xmlns:o="urn:schemas-microsoft-com:office:office" xmlns:v="urn:schemas-microsoft-com:vml" xmlns:pvml="urn:schemas-microsoft-com:office:powerpoint" xmlns:com="http://schemas.openxmlformats.org/drawingml/2006/compatibility" xmlns:p14="http://schemas.microsoft.com/office/powerpoint/2010/main" xmlns:p15="http://schemas.microsoft.com/office/powerpoint/2012/main" xmlns:ahyp="http://schemas.microsoft.com/office/drawing/2018/hyperlinkcolor">
+<p:sld xmlns:a="http://schemas.openxmlformats.org/drawingml/2006/main" xmlns:r="http://schemas.openxmlformats.org/officeDocument/2006/relationships" xmlns:p="http://schemas.openxmlformats.org/presentationml/2006/main">
   <p:cSld>
     <p:spTree>
       <p:nvGrpSpPr>
-        <p:cNvPr id="26" name="Shape 26"/>
+        <p:cNvPr id="1" name="Shape 26"/>
         <p:cNvGrpSpPr/>
         <p:nvPr/>
       </p:nvGrpSpPr>
@@ -3749,12 +3662,12 @@
           </a:ln>
         </p:spPr>
         <p:txBody>
-          <a:bodyPr anchorCtr="0" anchor="ctr" bIns="91425" lIns="91425" spcFirstLastPara="1" rIns="91425" wrap="square" tIns="91425">
+          <a:bodyPr spcFirstLastPara="1" wrap="square" lIns="91425" tIns="91425" rIns="91425" bIns="91425" anchor="ctr" anchorCtr="0">
             <a:noAutofit/>
           </a:bodyPr>
           <a:lstStyle/>
           <a:p>
-            <a:pPr indent="0" lvl="0" marL="0" marR="0" rtl="0" algn="l">
+            <a:pPr marL="0" marR="0" lvl="0" indent="0" algn="l" rtl="0">
               <a:lnSpc>
                 <a:spcPct val="159942"/>
               </a:lnSpc>
@@ -3771,9 +3684,6 @@
               <a:buFont typeface="Arial"/>
               <a:buNone/>
             </a:pPr>
-            <a:r>
-              <a:t/>
-            </a:r>
             <a:endParaRPr sz="1750">
               <a:solidFill>
                 <a:srgbClr val="3A3630"/>
@@ -3804,12 +3714,12 @@
           </a:ln>
         </p:spPr>
         <p:txBody>
-          <a:bodyPr anchorCtr="0" anchor="ctr" bIns="91425" lIns="91425" spcFirstLastPara="1" rIns="91425" wrap="square" tIns="91425">
+          <a:bodyPr spcFirstLastPara="1" wrap="square" lIns="91425" tIns="91425" rIns="91425" bIns="91425" anchor="ctr" anchorCtr="0">
             <a:noAutofit/>
           </a:bodyPr>
           <a:lstStyle/>
           <a:p>
-            <a:pPr indent="0" lvl="0" marL="0" marR="0" rtl="0" algn="l">
+            <a:pPr marL="0" marR="0" lvl="0" indent="0" algn="l" rtl="0">
               <a:lnSpc>
                 <a:spcPct val="159942"/>
               </a:lnSpc>
@@ -3826,9 +3736,6 @@
               <a:buFont typeface="Arial"/>
               <a:buNone/>
             </a:pPr>
-            <a:r>
-              <a:t/>
-            </a:r>
             <a:endParaRPr sz="1750">
               <a:solidFill>
                 <a:srgbClr val="3A3630"/>
@@ -3857,12 +3764,12 @@
           </a:ln>
         </p:spPr>
         <p:txBody>
-          <a:bodyPr anchorCtr="0" anchor="t" bIns="45700" lIns="91425" spcFirstLastPara="1" rIns="91425" wrap="square" tIns="45700">
+          <a:bodyPr spcFirstLastPara="1" wrap="square" lIns="91425" tIns="45700" rIns="91425" bIns="45700" anchor="t" anchorCtr="0">
             <a:noAutofit/>
           </a:bodyPr>
           <a:lstStyle/>
           <a:p>
-            <a:pPr indent="0" lvl="0" marL="0" marR="0" rtl="0" algn="l">
+            <a:pPr marL="0" marR="0" lvl="0" indent="0" algn="l" rtl="0">
               <a:lnSpc>
                 <a:spcPct val="125011"/>
               </a:lnSpc>
@@ -3891,7 +3798,7 @@
               </a:rPr>
               <a:t>Обучение</a:t>
             </a:r>
-            <a:endParaRPr b="0" i="0" sz="4374" u="none" cap="none" strike="noStrike">
+            <a:endParaRPr sz="4374" b="0" i="0" u="none" strike="noStrike" cap="none">
               <a:solidFill>
                 <a:schemeClr val="dk1"/>
               </a:solidFill>
@@ -3923,12 +3830,12 @@
           </a:ln>
         </p:spPr>
         <p:txBody>
-          <a:bodyPr anchorCtr="0" anchor="t" bIns="45700" lIns="91425" spcFirstLastPara="1" rIns="91425" wrap="square" tIns="45700">
+          <a:bodyPr spcFirstLastPara="1" wrap="square" lIns="91425" tIns="45700" rIns="91425" bIns="45700" anchor="t" anchorCtr="0">
             <a:noAutofit/>
           </a:bodyPr>
           <a:lstStyle/>
           <a:p>
-            <a:pPr indent="0" lvl="0" marL="0" marR="0" rtl="0" algn="l">
+            <a:pPr marL="0" marR="0" lvl="0" indent="0" algn="l" rtl="0">
               <a:lnSpc>
                 <a:spcPct val="125011"/>
               </a:lnSpc>
@@ -3946,7 +3853,7 @@
               <a:buNone/>
             </a:pPr>
             <a:r>
-              <a:rPr lang="en-US" sz="2187">
+              <a:rPr lang="en-US" sz="2187" dirty="0" err="1">
                 <a:solidFill>
                   <a:srgbClr val="38512F"/>
                 </a:solidFill>
@@ -3955,9 +3862,261 @@
                 <a:cs typeface="Lora"/>
                 <a:sym typeface="Lora"/>
               </a:rPr>
-              <a:t>Когда вы в первый раз включите игру, вам будет предложено пройти обучение</a:t>
-            </a:r>
-            <a:endParaRPr b="0" i="0" sz="2187" u="none" cap="none" strike="noStrike">
+              <a:t>Когда</a:t>
+            </a:r>
+            <a:r>
+              <a:rPr lang="en-US" sz="2187" dirty="0">
+                <a:solidFill>
+                  <a:srgbClr val="38512F"/>
+                </a:solidFill>
+                <a:latin typeface="Lora"/>
+                <a:ea typeface="Lora"/>
+                <a:cs typeface="Lora"/>
+                <a:sym typeface="Lora"/>
+              </a:rPr>
+              <a:t> </a:t>
+            </a:r>
+            <a:r>
+              <a:rPr lang="en-US" sz="2187" dirty="0" err="1">
+                <a:solidFill>
+                  <a:srgbClr val="38512F"/>
+                </a:solidFill>
+                <a:latin typeface="Lora"/>
+                <a:ea typeface="Lora"/>
+                <a:cs typeface="Lora"/>
+                <a:sym typeface="Lora"/>
+              </a:rPr>
+              <a:t>вы</a:t>
+            </a:r>
+            <a:r>
+              <a:rPr lang="en-US" sz="2187" dirty="0">
+                <a:solidFill>
+                  <a:srgbClr val="38512F"/>
+                </a:solidFill>
+                <a:latin typeface="Lora"/>
+                <a:ea typeface="Lora"/>
+                <a:cs typeface="Lora"/>
+                <a:sym typeface="Lora"/>
+              </a:rPr>
+              <a:t> в </a:t>
+            </a:r>
+            <a:r>
+              <a:rPr lang="en-US" sz="2187" dirty="0" err="1">
+                <a:solidFill>
+                  <a:srgbClr val="38512F"/>
+                </a:solidFill>
+                <a:latin typeface="Lora"/>
+                <a:ea typeface="Lora"/>
+                <a:cs typeface="Lora"/>
+                <a:sym typeface="Lora"/>
+              </a:rPr>
+              <a:t>первый</a:t>
+            </a:r>
+            <a:r>
+              <a:rPr lang="en-US" sz="2187" dirty="0">
+                <a:solidFill>
+                  <a:srgbClr val="38512F"/>
+                </a:solidFill>
+                <a:latin typeface="Lora"/>
+                <a:ea typeface="Lora"/>
+                <a:cs typeface="Lora"/>
+                <a:sym typeface="Lora"/>
+              </a:rPr>
+              <a:t> </a:t>
+            </a:r>
+            <a:r>
+              <a:rPr lang="en-US" sz="2187" dirty="0" err="1">
+                <a:solidFill>
+                  <a:srgbClr val="38512F"/>
+                </a:solidFill>
+                <a:latin typeface="Lora"/>
+                <a:ea typeface="Lora"/>
+                <a:cs typeface="Lora"/>
+                <a:sym typeface="Lora"/>
+              </a:rPr>
+              <a:t>раз</a:t>
+            </a:r>
+            <a:r>
+              <a:rPr lang="en-US" sz="2187" dirty="0">
+                <a:solidFill>
+                  <a:srgbClr val="38512F"/>
+                </a:solidFill>
+                <a:latin typeface="Lora"/>
+                <a:ea typeface="Lora"/>
+                <a:cs typeface="Lora"/>
+                <a:sym typeface="Lora"/>
+              </a:rPr>
+              <a:t> </a:t>
+            </a:r>
+            <a:r>
+              <a:rPr lang="en-US" sz="2187" dirty="0" err="1">
+                <a:solidFill>
+                  <a:srgbClr val="38512F"/>
+                </a:solidFill>
+                <a:latin typeface="Lora"/>
+                <a:ea typeface="Lora"/>
+                <a:cs typeface="Lora"/>
+                <a:sym typeface="Lora"/>
+              </a:rPr>
+              <a:t>включите</a:t>
+            </a:r>
+            <a:r>
+              <a:rPr lang="en-US" sz="2187" dirty="0">
+                <a:solidFill>
+                  <a:srgbClr val="38512F"/>
+                </a:solidFill>
+                <a:latin typeface="Lora"/>
+                <a:ea typeface="Lora"/>
+                <a:cs typeface="Lora"/>
+                <a:sym typeface="Lora"/>
+              </a:rPr>
+              <a:t> </a:t>
+            </a:r>
+            <a:r>
+              <a:rPr lang="en-US" sz="2187" dirty="0" err="1">
+                <a:solidFill>
+                  <a:srgbClr val="38512F"/>
+                </a:solidFill>
+                <a:latin typeface="Lora"/>
+                <a:ea typeface="Lora"/>
+                <a:cs typeface="Lora"/>
+                <a:sym typeface="Lora"/>
+              </a:rPr>
+              <a:t>игру</a:t>
+            </a:r>
+            <a:r>
+              <a:rPr lang="en-US" sz="2187" dirty="0">
+                <a:solidFill>
+                  <a:srgbClr val="38512F"/>
+                </a:solidFill>
+                <a:latin typeface="Lora"/>
+                <a:ea typeface="Lora"/>
+                <a:cs typeface="Lora"/>
+                <a:sym typeface="Lora"/>
+              </a:rPr>
+              <a:t>, </a:t>
+            </a:r>
+            <a:r>
+              <a:rPr lang="en-US" sz="2187" dirty="0" err="1">
+                <a:solidFill>
+                  <a:srgbClr val="38512F"/>
+                </a:solidFill>
+                <a:latin typeface="Lora"/>
+                <a:ea typeface="Lora"/>
+                <a:cs typeface="Lora"/>
+                <a:sym typeface="Lora"/>
+              </a:rPr>
+              <a:t>вам</a:t>
+            </a:r>
+            <a:r>
+              <a:rPr lang="en-US" sz="2187" dirty="0">
+                <a:solidFill>
+                  <a:srgbClr val="38512F"/>
+                </a:solidFill>
+                <a:latin typeface="Lora"/>
+                <a:ea typeface="Lora"/>
+                <a:cs typeface="Lora"/>
+                <a:sym typeface="Lora"/>
+              </a:rPr>
+              <a:t> </a:t>
+            </a:r>
+            <a:r>
+              <a:rPr lang="en-US" sz="2187" dirty="0" err="1">
+                <a:solidFill>
+                  <a:srgbClr val="38512F"/>
+                </a:solidFill>
+                <a:latin typeface="Lora"/>
+                <a:ea typeface="Lora"/>
+                <a:cs typeface="Lora"/>
+                <a:sym typeface="Lora"/>
+              </a:rPr>
+              <a:t>будет</a:t>
+            </a:r>
+            <a:r>
+              <a:rPr lang="en-US" sz="2187" dirty="0">
+                <a:solidFill>
+                  <a:srgbClr val="38512F"/>
+                </a:solidFill>
+                <a:latin typeface="Lora"/>
+                <a:ea typeface="Lora"/>
+                <a:cs typeface="Lora"/>
+                <a:sym typeface="Lora"/>
+              </a:rPr>
+              <a:t> </a:t>
+            </a:r>
+            <a:r>
+              <a:rPr lang="en-US" sz="2187" dirty="0" err="1">
+                <a:solidFill>
+                  <a:srgbClr val="38512F"/>
+                </a:solidFill>
+                <a:latin typeface="Lora"/>
+                <a:ea typeface="Lora"/>
+                <a:cs typeface="Lora"/>
+                <a:sym typeface="Lora"/>
+              </a:rPr>
+              <a:t>предложено</a:t>
+            </a:r>
+            <a:r>
+              <a:rPr lang="en-US" sz="2187" dirty="0">
+                <a:solidFill>
+                  <a:srgbClr val="38512F"/>
+                </a:solidFill>
+                <a:latin typeface="Lora"/>
+                <a:ea typeface="Lora"/>
+                <a:cs typeface="Lora"/>
+                <a:sym typeface="Lora"/>
+              </a:rPr>
+              <a:t> </a:t>
+            </a:r>
+            <a:r>
+              <a:rPr lang="en-US" sz="2187" dirty="0" err="1">
+                <a:solidFill>
+                  <a:srgbClr val="38512F"/>
+                </a:solidFill>
+                <a:latin typeface="Lora"/>
+                <a:ea typeface="Lora"/>
+                <a:cs typeface="Lora"/>
+                <a:sym typeface="Lora"/>
+              </a:rPr>
+              <a:t>пройти</a:t>
+            </a:r>
+            <a:r>
+              <a:rPr lang="en-US" sz="2187" dirty="0">
+                <a:solidFill>
+                  <a:srgbClr val="38512F"/>
+                </a:solidFill>
+                <a:latin typeface="Lora"/>
+                <a:ea typeface="Lora"/>
+                <a:cs typeface="Lora"/>
+                <a:sym typeface="Lora"/>
+              </a:rPr>
+              <a:t> </a:t>
+            </a:r>
+            <a:r>
+              <a:rPr lang="en-US" sz="2187" dirty="0" err="1" smtClean="0">
+                <a:solidFill>
+                  <a:srgbClr val="38512F"/>
+                </a:solidFill>
+                <a:latin typeface="Lora"/>
+                <a:ea typeface="Lora"/>
+                <a:cs typeface="Lora"/>
+                <a:sym typeface="Lora"/>
+              </a:rPr>
+              <a:t>обучение</a:t>
+            </a:r>
+            <a:r>
+              <a:rPr lang="en-US" sz="2187" dirty="0" smtClean="0">
+                <a:solidFill>
+                  <a:srgbClr val="38512F"/>
+                </a:solidFill>
+                <a:latin typeface="Lora"/>
+                <a:ea typeface="Lora"/>
+                <a:cs typeface="Lora"/>
+                <a:sym typeface="Lora"/>
+              </a:rPr>
+              <a:t>.</a:t>
+            </a:r>
+            <a:endParaRPr sz="2187" b="0" i="0" u="none" strike="noStrike" cap="none" dirty="0">
               <a:solidFill>
                 <a:schemeClr val="dk1"/>
               </a:solidFill>
@@ -4017,12 +4176,12 @@
           </a:ln>
         </p:spPr>
         <p:txBody>
-          <a:bodyPr anchorCtr="0" anchor="t" bIns="45700" lIns="91425" spcFirstLastPara="1" rIns="91425" wrap="square" tIns="45700">
+          <a:bodyPr spcFirstLastPara="1" wrap="square" lIns="91425" tIns="45700" rIns="91425" bIns="45700" anchor="t" anchorCtr="0">
             <a:noAutofit/>
           </a:bodyPr>
           <a:lstStyle/>
           <a:p>
-            <a:pPr indent="0" lvl="0" marL="0" marR="0" rtl="0" algn="l">
+            <a:pPr marL="0" marR="0" lvl="0" indent="0" algn="l" rtl="0">
               <a:lnSpc>
                 <a:spcPct val="125011"/>
               </a:lnSpc>
@@ -4040,7 +4199,7 @@
               <a:buNone/>
             </a:pPr>
             <a:r>
-              <a:rPr lang="en-US" sz="2187">
+              <a:rPr lang="en-US" sz="2187" dirty="0">
                 <a:solidFill>
                   <a:srgbClr val="38512F"/>
                 </a:solidFill>
@@ -4049,9 +4208,177 @@
                 <a:cs typeface="Lora"/>
                 <a:sym typeface="Lora"/>
               </a:rPr>
-              <a:t>В дальнейшем вы сможете вернуться к нему в главном меню</a:t>
-            </a:r>
-            <a:endParaRPr b="0" i="0" sz="2187" u="none" cap="none" strike="noStrike">
+              <a:t>В </a:t>
+            </a:r>
+            <a:r>
+              <a:rPr lang="en-US" sz="2187" dirty="0" err="1">
+                <a:solidFill>
+                  <a:srgbClr val="38512F"/>
+                </a:solidFill>
+                <a:latin typeface="Lora"/>
+                <a:ea typeface="Lora"/>
+                <a:cs typeface="Lora"/>
+                <a:sym typeface="Lora"/>
+              </a:rPr>
+              <a:t>дальнейшем</a:t>
+            </a:r>
+            <a:r>
+              <a:rPr lang="en-US" sz="2187" dirty="0">
+                <a:solidFill>
+                  <a:srgbClr val="38512F"/>
+                </a:solidFill>
+                <a:latin typeface="Lora"/>
+                <a:ea typeface="Lora"/>
+                <a:cs typeface="Lora"/>
+                <a:sym typeface="Lora"/>
+              </a:rPr>
+              <a:t> </a:t>
+            </a:r>
+            <a:r>
+              <a:rPr lang="en-US" sz="2187" dirty="0" err="1">
+                <a:solidFill>
+                  <a:srgbClr val="38512F"/>
+                </a:solidFill>
+                <a:latin typeface="Lora"/>
+                <a:ea typeface="Lora"/>
+                <a:cs typeface="Lora"/>
+                <a:sym typeface="Lora"/>
+              </a:rPr>
+              <a:t>вы</a:t>
+            </a:r>
+            <a:r>
+              <a:rPr lang="en-US" sz="2187" dirty="0">
+                <a:solidFill>
+                  <a:srgbClr val="38512F"/>
+                </a:solidFill>
+                <a:latin typeface="Lora"/>
+                <a:ea typeface="Lora"/>
+                <a:cs typeface="Lora"/>
+                <a:sym typeface="Lora"/>
+              </a:rPr>
+              <a:t> </a:t>
+            </a:r>
+            <a:r>
+              <a:rPr lang="en-US" sz="2187" dirty="0" err="1">
+                <a:solidFill>
+                  <a:srgbClr val="38512F"/>
+                </a:solidFill>
+                <a:latin typeface="Lora"/>
+                <a:ea typeface="Lora"/>
+                <a:cs typeface="Lora"/>
+                <a:sym typeface="Lora"/>
+              </a:rPr>
+              <a:t>сможете</a:t>
+            </a:r>
+            <a:r>
+              <a:rPr lang="en-US" sz="2187" dirty="0">
+                <a:solidFill>
+                  <a:srgbClr val="38512F"/>
+                </a:solidFill>
+                <a:latin typeface="Lora"/>
+                <a:ea typeface="Lora"/>
+                <a:cs typeface="Lora"/>
+                <a:sym typeface="Lora"/>
+              </a:rPr>
+              <a:t> </a:t>
+            </a:r>
+            <a:r>
+              <a:rPr lang="en-US" sz="2187" dirty="0" err="1">
+                <a:solidFill>
+                  <a:srgbClr val="38512F"/>
+                </a:solidFill>
+                <a:latin typeface="Lora"/>
+                <a:ea typeface="Lora"/>
+                <a:cs typeface="Lora"/>
+                <a:sym typeface="Lora"/>
+              </a:rPr>
+              <a:t>вернуться</a:t>
+            </a:r>
+            <a:r>
+              <a:rPr lang="en-US" sz="2187" dirty="0">
+                <a:solidFill>
+                  <a:srgbClr val="38512F"/>
+                </a:solidFill>
+                <a:latin typeface="Lora"/>
+                <a:ea typeface="Lora"/>
+                <a:cs typeface="Lora"/>
+                <a:sym typeface="Lora"/>
+              </a:rPr>
+              <a:t> к </a:t>
+            </a:r>
+            <a:r>
+              <a:rPr lang="en-US" sz="2187" dirty="0" err="1">
+                <a:solidFill>
+                  <a:srgbClr val="38512F"/>
+                </a:solidFill>
+                <a:latin typeface="Lora"/>
+                <a:ea typeface="Lora"/>
+                <a:cs typeface="Lora"/>
+                <a:sym typeface="Lora"/>
+              </a:rPr>
+              <a:t>нему</a:t>
+            </a:r>
+            <a:r>
+              <a:rPr lang="en-US" sz="2187" dirty="0">
+                <a:solidFill>
+                  <a:srgbClr val="38512F"/>
+                </a:solidFill>
+                <a:latin typeface="Lora"/>
+                <a:ea typeface="Lora"/>
+                <a:cs typeface="Lora"/>
+                <a:sym typeface="Lora"/>
+              </a:rPr>
+              <a:t> в </a:t>
+            </a:r>
+            <a:r>
+              <a:rPr lang="en-US" sz="2187" dirty="0" err="1">
+                <a:solidFill>
+                  <a:srgbClr val="38512F"/>
+                </a:solidFill>
+                <a:latin typeface="Lora"/>
+                <a:ea typeface="Lora"/>
+                <a:cs typeface="Lora"/>
+                <a:sym typeface="Lora"/>
+              </a:rPr>
+              <a:t>главном</a:t>
+            </a:r>
+            <a:r>
+              <a:rPr lang="en-US" sz="2187" dirty="0">
+                <a:solidFill>
+                  <a:srgbClr val="38512F"/>
+                </a:solidFill>
+                <a:latin typeface="Lora"/>
+                <a:ea typeface="Lora"/>
+                <a:cs typeface="Lora"/>
+                <a:sym typeface="Lora"/>
+              </a:rPr>
+              <a:t> </a:t>
+            </a:r>
+            <a:r>
+              <a:rPr lang="en-US" sz="2187" dirty="0" err="1" smtClean="0">
+                <a:solidFill>
+                  <a:srgbClr val="38512F"/>
+                </a:solidFill>
+                <a:latin typeface="Lora"/>
+                <a:ea typeface="Lora"/>
+                <a:cs typeface="Lora"/>
+                <a:sym typeface="Lora"/>
+              </a:rPr>
+              <a:t>меню</a:t>
+            </a:r>
+            <a:r>
+              <a:rPr lang="en-US" sz="2187" dirty="0" smtClean="0">
+                <a:solidFill>
+                  <a:srgbClr val="38512F"/>
+                </a:solidFill>
+                <a:latin typeface="Lora"/>
+                <a:ea typeface="Lora"/>
+                <a:cs typeface="Lora"/>
+                <a:sym typeface="Lora"/>
+              </a:rPr>
+              <a:t>.</a:t>
+            </a:r>
+            <a:endParaRPr sz="2187" b="0" i="0" u="none" strike="noStrike" cap="none" dirty="0">
               <a:solidFill>
                 <a:schemeClr val="dk1"/>
               </a:solidFill>
@@ -4073,7 +4400,7 @@
           <a:blip r:embed="rId4">
             <a:alphaModFix/>
           </a:blip>
-          <a:srcRect b="0" l="0" r="0" t="6507"/>
+          <a:srcRect t="6507"/>
           <a:stretch/>
         </p:blipFill>
         <p:spPr>
@@ -4099,11 +4426,11 @@
 </file>
 
 <file path=ppt/slides/slide3.xml><?xml version="1.0" encoding="utf-8"?>
-<p:sld xmlns:a="http://schemas.openxmlformats.org/drawingml/2006/main" xmlns:r="http://schemas.openxmlformats.org/officeDocument/2006/relationships" xmlns:mc="http://schemas.openxmlformats.org/markup-compatibility/2006" xmlns:mv="urn:schemas-microsoft-com:mac:vml" xmlns:p="http://schemas.openxmlformats.org/presentationml/2006/main" xmlns:c="http://schemas.openxmlformats.org/drawingml/2006/chart" xmlns:dgm="http://schemas.openxmlformats.org/drawingml/2006/diagram" xmlns:o="urn:schemas-microsoft-com:office:office" xmlns:v="urn:schemas-microsoft-com:vml" xmlns:pvml="urn:schemas-microsoft-com:office:powerpoint" xmlns:com="http://schemas.openxmlformats.org/drawingml/2006/compatibility" xmlns:p14="http://schemas.microsoft.com/office/powerpoint/2010/main" xmlns:p15="http://schemas.microsoft.com/office/powerpoint/2012/main" xmlns:ahyp="http://schemas.microsoft.com/office/drawing/2018/hyperlinkcolor">
+<p:sld xmlns:a="http://schemas.openxmlformats.org/drawingml/2006/main" xmlns:r="http://schemas.openxmlformats.org/officeDocument/2006/relationships" xmlns:p="http://schemas.openxmlformats.org/presentationml/2006/main">
   <p:cSld>
     <p:spTree>
       <p:nvGrpSpPr>
-        <p:cNvPr id="38" name="Shape 38"/>
+        <p:cNvPr id="1" name="Shape 38"/>
         <p:cNvGrpSpPr/>
         <p:nvPr/>
       </p:nvGrpSpPr>
@@ -4137,12 +4464,12 @@
           </a:ln>
         </p:spPr>
         <p:txBody>
-          <a:bodyPr anchorCtr="0" anchor="ctr" bIns="91425" lIns="91425" spcFirstLastPara="1" rIns="91425" wrap="square" tIns="91425">
+          <a:bodyPr spcFirstLastPara="1" wrap="square" lIns="91425" tIns="91425" rIns="91425" bIns="91425" anchor="ctr" anchorCtr="0">
             <a:noAutofit/>
           </a:bodyPr>
           <a:lstStyle/>
           <a:p>
-            <a:pPr indent="0" lvl="0" marL="0" rtl="0" algn="l">
+            <a:pPr marL="0" lvl="0" indent="0" algn="l" rtl="0">
               <a:spcBef>
                 <a:spcPts val="0"/>
               </a:spcBef>
@@ -4151,9 +4478,6 @@
               </a:spcAft>
               <a:buNone/>
             </a:pPr>
-            <a:r>
-              <a:t/>
-            </a:r>
             <a:endParaRPr/>
           </a:p>
         </p:txBody>
@@ -4180,12 +4504,12 @@
           </a:ln>
         </p:spPr>
         <p:txBody>
-          <a:bodyPr anchorCtr="0" anchor="ctr" bIns="91425" lIns="91425" spcFirstLastPara="1" rIns="91425" wrap="square" tIns="91425">
+          <a:bodyPr spcFirstLastPara="1" wrap="square" lIns="91425" tIns="91425" rIns="91425" bIns="91425" anchor="ctr" anchorCtr="0">
             <a:noAutofit/>
           </a:bodyPr>
           <a:lstStyle/>
           <a:p>
-            <a:pPr indent="0" lvl="0" marL="0" rtl="0" algn="l">
+            <a:pPr marL="0" lvl="0" indent="0" algn="l" rtl="0">
               <a:spcBef>
                 <a:spcPts val="0"/>
               </a:spcBef>
@@ -4194,9 +4518,6 @@
               </a:spcAft>
               <a:buNone/>
             </a:pPr>
-            <a:r>
-              <a:t/>
-            </a:r>
             <a:endParaRPr/>
           </a:p>
         </p:txBody>
@@ -4221,12 +4542,12 @@
           </a:ln>
         </p:spPr>
         <p:txBody>
-          <a:bodyPr anchorCtr="0" anchor="t" bIns="45700" lIns="91425" spcFirstLastPara="1" rIns="91425" wrap="square" tIns="45700">
+          <a:bodyPr spcFirstLastPara="1" wrap="square" lIns="91425" tIns="45700" rIns="91425" bIns="45700" anchor="t" anchorCtr="0">
             <a:noAutofit/>
           </a:bodyPr>
           <a:lstStyle/>
           <a:p>
-            <a:pPr indent="0" lvl="0" marL="0" marR="0" rtl="0" algn="l">
+            <a:pPr marL="0" marR="0" lvl="0" indent="0" algn="l" rtl="0">
               <a:lnSpc>
                 <a:spcPct val="125011"/>
               </a:lnSpc>
@@ -4244,7 +4565,7 @@
               <a:buNone/>
             </a:pPr>
             <a:r>
-              <a:rPr b="0" i="0" lang="en-US" sz="4374" u="none" cap="none" strike="noStrike">
+              <a:rPr lang="en-US" sz="4374" b="0" i="0" u="none" strike="noStrike" cap="none">
                 <a:solidFill>
                   <a:srgbClr val="38512F"/>
                 </a:solidFill>
@@ -4255,7 +4576,7 @@
               </a:rPr>
               <a:t>Правила Игры</a:t>
             </a:r>
-            <a:endParaRPr b="0" i="0" sz="4374" u="none" cap="none" strike="noStrike">
+            <a:endParaRPr sz="4374" b="0" i="0" u="none" strike="noStrike" cap="none">
               <a:solidFill>
                 <a:schemeClr val="dk1"/>
               </a:solidFill>
@@ -4287,12 +4608,12 @@
           </a:ln>
         </p:spPr>
         <p:txBody>
-          <a:bodyPr anchorCtr="0" anchor="t" bIns="45700" lIns="91425" spcFirstLastPara="1" rIns="91425" wrap="square" tIns="45700">
+          <a:bodyPr spcFirstLastPara="1" wrap="square" lIns="91425" tIns="45700" rIns="91425" bIns="45700" anchor="t" anchorCtr="0">
             <a:noAutofit/>
           </a:bodyPr>
           <a:lstStyle/>
           <a:p>
-            <a:pPr indent="0" lvl="0" marL="0" rtl="0" algn="l">
+            <a:pPr marL="0" lvl="0" indent="0" algn="l" rtl="0">
               <a:lnSpc>
                 <a:spcPct val="159942"/>
               </a:lnSpc>
@@ -4317,7 +4638,7 @@
               </a:rPr>
               <a:t>Выделите несколько планет одного цвета</a:t>
             </a:r>
-            <a:endParaRPr b="0" i="0" sz="1750" u="none" cap="none" strike="noStrike">
+            <a:endParaRPr sz="1750" b="0" i="0" u="none" strike="noStrike" cap="none">
               <a:solidFill>
                 <a:schemeClr val="dk1"/>
               </a:solidFill>
@@ -4349,12 +4670,12 @@
           </a:ln>
         </p:spPr>
         <p:txBody>
-          <a:bodyPr anchorCtr="0" anchor="t" bIns="45700" lIns="91425" spcFirstLastPara="1" rIns="91425" wrap="square" tIns="45700">
+          <a:bodyPr spcFirstLastPara="1" wrap="square" lIns="91425" tIns="45700" rIns="91425" bIns="45700" anchor="t" anchorCtr="0">
             <a:noAutofit/>
           </a:bodyPr>
           <a:lstStyle/>
           <a:p>
-            <a:pPr indent="0" lvl="0" marL="0" marR="0" rtl="0" algn="l">
+            <a:pPr marL="0" marR="0" lvl="0" indent="0" algn="l" rtl="0">
               <a:lnSpc>
                 <a:spcPct val="125011"/>
               </a:lnSpc>
@@ -4371,10 +4692,7 @@
               <a:buFont typeface="Lora"/>
               <a:buNone/>
             </a:pPr>
-            <a:r>
-              <a:t/>
-            </a:r>
-            <a:endParaRPr b="0" i="0" sz="2187" u="none" cap="none" strike="noStrike">
+            <a:endParaRPr sz="2187" b="0" i="0" u="none" strike="noStrike" cap="none">
               <a:solidFill>
                 <a:schemeClr val="dk1"/>
               </a:solidFill>
@@ -4406,12 +4724,12 @@
           </a:ln>
         </p:spPr>
         <p:txBody>
-          <a:bodyPr anchorCtr="0" anchor="t" bIns="45700" lIns="91425" spcFirstLastPara="1" rIns="91425" wrap="square" tIns="45700">
+          <a:bodyPr spcFirstLastPara="1" wrap="square" lIns="91425" tIns="45700" rIns="91425" bIns="45700" anchor="t" anchorCtr="0">
             <a:noAutofit/>
           </a:bodyPr>
           <a:lstStyle/>
           <a:p>
-            <a:pPr indent="0" lvl="0" marL="0" marR="0" rtl="0" algn="l">
+            <a:pPr marL="0" marR="0" lvl="0" indent="0" algn="l" rtl="0">
               <a:lnSpc>
                 <a:spcPct val="159942"/>
               </a:lnSpc>
@@ -4429,14 +4747,198 @@
               <a:buNone/>
             </a:pPr>
             <a:r>
-              <a:rPr lang="en-US" sz="1750">
-                <a:solidFill>
-                  <a:srgbClr val="3A3630"/>
-                </a:solidFill>
-              </a:rPr>
-              <a:t>Планеты должны быть расположены на одной прямой по вертикали, горизонтали или диагонали</a:t>
-            </a:r>
-            <a:endParaRPr b="0" i="0" sz="1750" u="none" cap="none" strike="noStrike">
+              <a:rPr lang="en-US" sz="1750" dirty="0" err="1">
+                <a:solidFill>
+                  <a:srgbClr val="3A3630"/>
+                </a:solidFill>
+              </a:rPr>
+              <a:t>Планеты</a:t>
+            </a:r>
+            <a:r>
+              <a:rPr lang="en-US" sz="1750" dirty="0">
+                <a:solidFill>
+                  <a:srgbClr val="3A3630"/>
+                </a:solidFill>
+              </a:rPr>
+              <a:t> </a:t>
+            </a:r>
+            <a:r>
+              <a:rPr lang="en-US" sz="1750" dirty="0" err="1">
+                <a:solidFill>
+                  <a:srgbClr val="3A3630"/>
+                </a:solidFill>
+              </a:rPr>
+              <a:t>должны</a:t>
+            </a:r>
+            <a:r>
+              <a:rPr lang="en-US" sz="1750" dirty="0">
+                <a:solidFill>
+                  <a:srgbClr val="3A3630"/>
+                </a:solidFill>
+              </a:rPr>
+              <a:t> </a:t>
+            </a:r>
+            <a:r>
+              <a:rPr lang="en-US" sz="1750" dirty="0" err="1">
+                <a:solidFill>
+                  <a:srgbClr val="3A3630"/>
+                </a:solidFill>
+              </a:rPr>
+              <a:t>быть</a:t>
+            </a:r>
+            <a:r>
+              <a:rPr lang="en-US" sz="1750" dirty="0">
+                <a:solidFill>
+                  <a:srgbClr val="3A3630"/>
+                </a:solidFill>
+              </a:rPr>
+              <a:t> </a:t>
+            </a:r>
+            <a:r>
+              <a:rPr lang="en-US" sz="1750" dirty="0" err="1">
+                <a:solidFill>
+                  <a:srgbClr val="3A3630"/>
+                </a:solidFill>
+              </a:rPr>
+              <a:t>расположены</a:t>
+            </a:r>
+            <a:r>
+              <a:rPr lang="en-US" sz="1750" dirty="0">
+                <a:solidFill>
+                  <a:srgbClr val="3A3630"/>
+                </a:solidFill>
+              </a:rPr>
+              <a:t> </a:t>
+            </a:r>
+            <a:r>
+              <a:rPr lang="en-US" sz="1750" dirty="0" err="1">
+                <a:solidFill>
+                  <a:srgbClr val="3A3630"/>
+                </a:solidFill>
+              </a:rPr>
+              <a:t>на</a:t>
+            </a:r>
+            <a:r>
+              <a:rPr lang="en-US" sz="1750" dirty="0">
+                <a:solidFill>
+                  <a:srgbClr val="3A3630"/>
+                </a:solidFill>
+              </a:rPr>
+              <a:t> </a:t>
+            </a:r>
+            <a:r>
+              <a:rPr lang="en-US" sz="1750" dirty="0" err="1">
+                <a:solidFill>
+                  <a:srgbClr val="3A3630"/>
+                </a:solidFill>
+              </a:rPr>
+              <a:t>одной</a:t>
+            </a:r>
+            <a:r>
+              <a:rPr lang="en-US" sz="1750" dirty="0">
+                <a:solidFill>
+                  <a:srgbClr val="3A3630"/>
+                </a:solidFill>
+              </a:rPr>
+              <a:t> </a:t>
+            </a:r>
+            <a:r>
+              <a:rPr lang="en-US" sz="1750" dirty="0" err="1">
+                <a:solidFill>
+                  <a:srgbClr val="3A3630"/>
+                </a:solidFill>
+              </a:rPr>
+              <a:t>прямой</a:t>
+            </a:r>
+            <a:r>
+              <a:rPr lang="en-US" sz="1750" dirty="0">
+                <a:solidFill>
+                  <a:srgbClr val="3A3630"/>
+                </a:solidFill>
+              </a:rPr>
+              <a:t> </a:t>
+            </a:r>
+            <a:r>
+              <a:rPr lang="en-US" sz="1750" dirty="0" err="1">
+                <a:solidFill>
+                  <a:srgbClr val="3A3630"/>
+                </a:solidFill>
+              </a:rPr>
+              <a:t>по</a:t>
+            </a:r>
+            <a:r>
+              <a:rPr lang="en-US" sz="1750" dirty="0">
+                <a:solidFill>
+                  <a:srgbClr val="3A3630"/>
+                </a:solidFill>
+              </a:rPr>
+              <a:t> </a:t>
+            </a:r>
+            <a:r>
+              <a:rPr lang="en-US" sz="1750" dirty="0" err="1">
+                <a:solidFill>
+                  <a:srgbClr val="3A3630"/>
+                </a:solidFill>
+              </a:rPr>
+              <a:t>вертикали</a:t>
+            </a:r>
+            <a:r>
+              <a:rPr lang="en-US" sz="1750" dirty="0">
+                <a:solidFill>
+                  <a:srgbClr val="3A3630"/>
+                </a:solidFill>
+              </a:rPr>
+              <a:t>, </a:t>
+            </a:r>
+            <a:r>
+              <a:rPr lang="en-US" sz="1750" dirty="0" err="1">
+                <a:solidFill>
+                  <a:srgbClr val="3A3630"/>
+                </a:solidFill>
+              </a:rPr>
+              <a:t>горизонтали</a:t>
+            </a:r>
+            <a:r>
+              <a:rPr lang="en-US" sz="1750" dirty="0">
+                <a:solidFill>
+                  <a:srgbClr val="3A3630"/>
+                </a:solidFill>
+              </a:rPr>
+              <a:t> </a:t>
+            </a:r>
+            <a:r>
+              <a:rPr lang="en-US" sz="1750" dirty="0" err="1">
+                <a:solidFill>
+                  <a:srgbClr val="3A3630"/>
+                </a:solidFill>
+              </a:rPr>
+              <a:t>или</a:t>
+            </a:r>
+            <a:r>
+              <a:rPr lang="en-US" sz="1750" dirty="0">
+                <a:solidFill>
+                  <a:srgbClr val="3A3630"/>
+                </a:solidFill>
+              </a:rPr>
+              <a:t> </a:t>
+            </a:r>
+            <a:r>
+              <a:rPr lang="en-US" sz="1750" dirty="0" err="1" smtClean="0">
+                <a:solidFill>
+                  <a:srgbClr val="3A3630"/>
+                </a:solidFill>
+              </a:rPr>
+              <a:t>диагонали</a:t>
+            </a:r>
+            <a:r>
+              <a:rPr lang="en-US" sz="1750" dirty="0" smtClean="0">
+                <a:solidFill>
+                  <a:srgbClr val="3A3630"/>
+                </a:solidFill>
+              </a:rPr>
+              <a:t>.</a:t>
+            </a:r>
+            <a:endParaRPr sz="1750" b="0" i="0" u="none" strike="noStrike" cap="none" dirty="0">
               <a:solidFill>
                 <a:schemeClr val="dk1"/>
               </a:solidFill>
@@ -4457,8 +4959,49 @@
         <p:blipFill rotWithShape="1">
           <a:blip r:embed="rId3">
             <a:alphaModFix/>
+            <a:extLst>
+              <a:ext uri="{BEBA8EAE-BF5A-486C-A8C5-ECC9F3942E4B}">
+                <a14:imgProps xmlns:a14="http://schemas.microsoft.com/office/drawing/2010/main">
+                  <a14:imgLayer r:embed="rId4">
+                    <a14:imgEffect>
+                      <a14:backgroundRemoval t="20417" b="77917" l="12500" r="87778">
+                        <a14:foregroundMark x1="25000" y1="50208" x2="25000" y2="50208"/>
+                        <a14:foregroundMark x1="22778" y1="46042" x2="21944" y2="45625"/>
+                        <a14:foregroundMark x1="20833" y1="45208" x2="20833" y2="45208"/>
+                        <a14:foregroundMark x1="77500" y1="48542" x2="77500" y2="48542"/>
+                        <a14:foregroundMark x1="80000" y1="45208" x2="80000" y2="45208"/>
+                        <a14:foregroundMark x1="76667" y1="25417" x2="76667" y2="25417"/>
+                        <a14:foregroundMark x1="80278" y1="25625" x2="80000" y2="27083"/>
+                        <a14:foregroundMark x1="76667" y1="28125" x2="75000" y2="27500"/>
+                        <a14:foregroundMark x1="73056" y1="26875" x2="71944" y2="26458"/>
+                        <a14:foregroundMark x1="77778" y1="30000" x2="77778" y2="30000"/>
+                        <a14:foregroundMark x1="46111" y1="25000" x2="46111" y2="25000"/>
+                        <a14:foregroundMark x1="52500" y1="27083" x2="52500" y2="27083"/>
+                        <a14:foregroundMark x1="51389" y1="25625" x2="49444" y2="24167"/>
+                        <a14:foregroundMark x1="47222" y1="25417" x2="52222" y2="24375"/>
+                        <a14:foregroundMark x1="50278" y1="27083" x2="48889" y2="29375"/>
+                        <a14:foregroundMark x1="51944" y1="30000" x2="51944" y2="30000"/>
+                        <a14:foregroundMark x1="47500" y1="21458" x2="47500" y2="21458"/>
+                        <a14:foregroundMark x1="24722" y1="26250" x2="24722" y2="26250"/>
+                        <a14:foregroundMark x1="22222" y1="69583" x2="22222" y2="69583"/>
+                        <a14:foregroundMark x1="26389" y1="71250" x2="26389" y2="71250"/>
+                        <a14:foregroundMark x1="22778" y1="71458" x2="22778" y2="71458"/>
+                        <a14:foregroundMark x1="21944" y1="71458" x2="21944" y2="71458"/>
+                        <a14:foregroundMark x1="47500" y1="71458" x2="47500" y2="71458"/>
+                        <a14:foregroundMark x1="76111" y1="69792" x2="76111" y2="69792"/>
+                        <a14:foregroundMark x1="48611" y1="77917" x2="48611" y2="77917"/>
+                        <a14:foregroundMark x1="87778" y1="54375" x2="87778" y2="54375"/>
+                        <a14:foregroundMark x1="12500" y1="71458" x2="12500" y2="71458"/>
+                        <a14:foregroundMark x1="84722" y1="28542" x2="84722" y2="28542"/>
+                        <a14:foregroundMark x1="83889" y1="30625" x2="83889" y2="30625"/>
+                      </a14:backgroundRemoval>
+                    </a14:imgEffect>
+                  </a14:imgLayer>
+                </a14:imgProps>
+              </a:ext>
+            </a:extLst>
           </a:blip>
-          <a:srcRect b="17010" l="6498" r="5209" t="13588"/>
+          <a:srcRect l="6498" t="13588" r="5209" b="17010"/>
           <a:stretch/>
         </p:blipFill>
         <p:spPr>
@@ -4482,10 +5025,10 @@
           <p:nvPr/>
         </p:nvPicPr>
         <p:blipFill rotWithShape="1">
-          <a:blip r:embed="rId4">
+          <a:blip r:embed="rId5">
             <a:alphaModFix/>
           </a:blip>
-          <a:srcRect b="0" l="0" r="0" t="29373"/>
+          <a:srcRect t="29373"/>
           <a:stretch/>
         </p:blipFill>
         <p:spPr>
@@ -4510,21 +5053,21 @@
         </p:nvCxnSpPr>
         <p:spPr>
           <a:xfrm>
-            <a:off x="5926675" y="2552025"/>
+            <a:off x="5926675" y="2596630"/>
             <a:ext cx="1340700" cy="0"/>
           </a:xfrm>
           <a:prstGeom prst="straightConnector1">
             <a:avLst/>
           </a:prstGeom>
           <a:noFill/>
-          <a:ln cap="flat" cmpd="sng" w="76200">
+          <a:ln w="76200" cap="flat" cmpd="sng">
             <a:solidFill>
               <a:srgbClr val="FFFF00"/>
             </a:solidFill>
             <a:prstDash val="solid"/>
             <a:round/>
-            <a:headEnd len="med" w="med" type="none"/>
-            <a:tailEnd len="med" w="med" type="none"/>
+            <a:headEnd type="none" w="med" len="med"/>
+            <a:tailEnd type="none" w="med" len="med"/>
           </a:ln>
         </p:spPr>
       </p:cxnSp>
@@ -4535,10 +5078,10 @@
           <p:nvPr/>
         </p:nvPicPr>
         <p:blipFill rotWithShape="1">
-          <a:blip r:embed="rId5">
+          <a:blip r:embed="rId6">
             <a:alphaModFix/>
           </a:blip>
-          <a:srcRect b="0" l="0" r="0" t="7028"/>
+          <a:srcRect t="7028"/>
           <a:stretch/>
         </p:blipFill>
         <p:spPr>
@@ -4575,12 +5118,12 @@
           </a:ln>
         </p:spPr>
         <p:txBody>
-          <a:bodyPr anchorCtr="0" anchor="t" bIns="45700" lIns="91425" spcFirstLastPara="1" rIns="91425" wrap="square" tIns="45700">
+          <a:bodyPr spcFirstLastPara="1" wrap="square" lIns="91425" tIns="45700" rIns="91425" bIns="45700" anchor="t" anchorCtr="0">
             <a:noAutofit/>
           </a:bodyPr>
           <a:lstStyle/>
           <a:p>
-            <a:pPr indent="0" lvl="0" marL="0" marR="0" rtl="0" algn="l">
+            <a:pPr marL="0" marR="0" lvl="0" indent="0" algn="l" rtl="0">
               <a:lnSpc>
                 <a:spcPct val="159942"/>
               </a:lnSpc>
@@ -4605,7 +5148,7 @@
               </a:rPr>
               <a:t>Очистите все поле от планет, чтобы пройти уровень!</a:t>
             </a:r>
-            <a:endParaRPr b="0" i="0" sz="1750" u="none" cap="none" strike="noStrike">
+            <a:endParaRPr sz="1750" b="0" i="0" u="none" strike="noStrike" cap="none">
               <a:solidFill>
                 <a:schemeClr val="dk1"/>
               </a:solidFill>
@@ -4626,11 +5169,11 @@
 </file>
 
 <file path=ppt/slides/slide4.xml><?xml version="1.0" encoding="utf-8"?>
-<p:sld xmlns:a="http://schemas.openxmlformats.org/drawingml/2006/main" xmlns:r="http://schemas.openxmlformats.org/officeDocument/2006/relationships" xmlns:mc="http://schemas.openxmlformats.org/markup-compatibility/2006" xmlns:mv="urn:schemas-microsoft-com:mac:vml" xmlns:p="http://schemas.openxmlformats.org/presentationml/2006/main" xmlns:c="http://schemas.openxmlformats.org/drawingml/2006/chart" xmlns:dgm="http://schemas.openxmlformats.org/drawingml/2006/diagram" xmlns:o="urn:schemas-microsoft-com:office:office" xmlns:v="urn:schemas-microsoft-com:vml" xmlns:pvml="urn:schemas-microsoft-com:office:powerpoint" xmlns:com="http://schemas.openxmlformats.org/drawingml/2006/compatibility" xmlns:p14="http://schemas.microsoft.com/office/powerpoint/2010/main" xmlns:p15="http://schemas.microsoft.com/office/powerpoint/2012/main" xmlns:ahyp="http://schemas.microsoft.com/office/drawing/2018/hyperlinkcolor">
+<p:sld xmlns:a="http://schemas.openxmlformats.org/drawingml/2006/main" xmlns:r="http://schemas.openxmlformats.org/officeDocument/2006/relationships" xmlns:p="http://schemas.openxmlformats.org/presentationml/2006/main">
   <p:cSld>
     <p:spTree>
       <p:nvGrpSpPr>
-        <p:cNvPr id="54" name="Shape 54"/>
+        <p:cNvPr id="1" name="Shape 54"/>
         <p:cNvGrpSpPr/>
         <p:nvPr/>
       </p:nvGrpSpPr>
@@ -4664,12 +5207,12 @@
           </a:ln>
         </p:spPr>
         <p:txBody>
-          <a:bodyPr anchorCtr="0" anchor="ctr" bIns="91425" lIns="91425" spcFirstLastPara="1" rIns="91425" wrap="square" tIns="91425">
+          <a:bodyPr spcFirstLastPara="1" wrap="square" lIns="91425" tIns="91425" rIns="91425" bIns="91425" anchor="ctr" anchorCtr="0">
             <a:noAutofit/>
           </a:bodyPr>
           <a:lstStyle/>
           <a:p>
-            <a:pPr indent="0" lvl="0" marL="0" marR="0" rtl="0" algn="l">
+            <a:pPr marL="0" marR="0" lvl="0" indent="0" algn="l" rtl="0">
               <a:lnSpc>
                 <a:spcPct val="159942"/>
               </a:lnSpc>
@@ -4686,9 +5229,6 @@
               <a:buFont typeface="Arial"/>
               <a:buNone/>
             </a:pPr>
-            <a:r>
-              <a:t/>
-            </a:r>
             <a:endParaRPr sz="1750">
               <a:solidFill>
                 <a:srgbClr val="3A3630"/>
@@ -4719,12 +5259,12 @@
           </a:ln>
         </p:spPr>
         <p:txBody>
-          <a:bodyPr anchorCtr="0" anchor="ctr" bIns="91425" lIns="91425" spcFirstLastPara="1" rIns="91425" wrap="square" tIns="91425">
+          <a:bodyPr spcFirstLastPara="1" wrap="square" lIns="91425" tIns="91425" rIns="91425" bIns="91425" anchor="ctr" anchorCtr="0">
             <a:noAutofit/>
           </a:bodyPr>
           <a:lstStyle/>
           <a:p>
-            <a:pPr indent="0" lvl="0" marL="0" marR="0" rtl="0" algn="l">
+            <a:pPr marL="0" marR="0" lvl="0" indent="0" algn="l" rtl="0">
               <a:lnSpc>
                 <a:spcPct val="159942"/>
               </a:lnSpc>
@@ -4741,9 +5281,6 @@
               <a:buFont typeface="Arial"/>
               <a:buNone/>
             </a:pPr>
-            <a:r>
-              <a:t/>
-            </a:r>
             <a:endParaRPr sz="1750">
               <a:solidFill>
                 <a:srgbClr val="3A3630"/>
@@ -4772,12 +5309,12 @@
           </a:ln>
         </p:spPr>
         <p:txBody>
-          <a:bodyPr anchorCtr="0" anchor="t" bIns="45700" lIns="91425" spcFirstLastPara="1" rIns="91425" wrap="square" tIns="45700">
+          <a:bodyPr spcFirstLastPara="1" wrap="square" lIns="91425" tIns="45700" rIns="91425" bIns="45700" anchor="t" anchorCtr="0">
             <a:noAutofit/>
           </a:bodyPr>
           <a:lstStyle/>
           <a:p>
-            <a:pPr indent="0" lvl="0" marL="0" marR="0" rtl="0" algn="l">
+            <a:pPr marL="0" marR="0" lvl="0" indent="0" algn="l" rtl="0">
               <a:lnSpc>
                 <a:spcPct val="125011"/>
               </a:lnSpc>
@@ -4806,7 +5343,7 @@
               </a:rPr>
               <a:t>Управление</a:t>
             </a:r>
-            <a:endParaRPr b="0" i="0" sz="4374" u="none" cap="none" strike="noStrike">
+            <a:endParaRPr sz="4374" b="0" i="0" u="none" strike="noStrike" cap="none">
               <a:solidFill>
                 <a:schemeClr val="dk1"/>
               </a:solidFill>
@@ -4820,7 +5357,7 @@
       </p:sp>
       <p:pic>
         <p:nvPicPr>
-          <p:cNvPr descr="preencoded.png" id="58" name="Google Shape;58;p6"/>
+          <p:cNvPr id="58" name="Google Shape;58;p6" descr="preencoded.png"/>
           <p:cNvPicPr preferRelativeResize="0"/>
           <p:nvPr/>
         </p:nvPicPr>
@@ -4828,7 +5365,7 @@
           <a:blip r:embed="rId3">
             <a:alphaModFix/>
           </a:blip>
-          <a:srcRect b="0" l="0" r="0" t="0"/>
+          <a:srcRect/>
           <a:stretch/>
         </p:blipFill>
         <p:spPr>
@@ -4865,12 +5402,12 @@
           </a:ln>
         </p:spPr>
         <p:txBody>
-          <a:bodyPr anchorCtr="0" anchor="t" bIns="45700" lIns="91425" spcFirstLastPara="1" rIns="91425" wrap="square" tIns="45700">
+          <a:bodyPr spcFirstLastPara="1" wrap="square" lIns="91425" tIns="45700" rIns="91425" bIns="45700" anchor="t" anchorCtr="0">
             <a:noAutofit/>
           </a:bodyPr>
           <a:lstStyle/>
           <a:p>
-            <a:pPr indent="0" lvl="0" marL="0" marR="0" rtl="0" algn="l">
+            <a:pPr marL="0" marR="0" lvl="0" indent="0" algn="l" rtl="0">
               <a:lnSpc>
                 <a:spcPct val="125011"/>
               </a:lnSpc>
@@ -4888,7 +5425,7 @@
               <a:buNone/>
             </a:pPr>
             <a:r>
-              <a:rPr b="0" i="0" lang="en-US" sz="2187" u="none" cap="none" strike="noStrike">
+              <a:rPr lang="en-US" sz="2187" b="0" i="0" u="none" strike="noStrike" cap="none">
                 <a:solidFill>
                   <a:srgbClr val="38512F"/>
                 </a:solidFill>
@@ -4911,7 +5448,7 @@
               </a:rPr>
               <a:t>планет</a:t>
             </a:r>
-            <a:endParaRPr b="0" i="0" sz="2187" u="none" cap="none" strike="noStrike">
+            <a:endParaRPr sz="2187" b="0" i="0" u="none" strike="noStrike" cap="none">
               <a:solidFill>
                 <a:schemeClr val="dk1"/>
               </a:solidFill>
@@ -4943,12 +5480,12 @@
           </a:ln>
         </p:spPr>
         <p:txBody>
-          <a:bodyPr anchorCtr="0" anchor="t" bIns="45700" lIns="91425" spcFirstLastPara="1" rIns="91425" wrap="square" tIns="45700">
+          <a:bodyPr spcFirstLastPara="1" wrap="square" lIns="91425" tIns="45700" rIns="91425" bIns="45700" anchor="t" anchorCtr="0">
             <a:noAutofit/>
           </a:bodyPr>
           <a:lstStyle/>
           <a:p>
-            <a:pPr indent="0" lvl="0" marL="0" marR="0" rtl="0" algn="l">
+            <a:pPr marL="0" marR="0" lvl="0" indent="0" algn="l" rtl="0">
               <a:lnSpc>
                 <a:spcPct val="159942"/>
               </a:lnSpc>
@@ -4980,7 +5517,7 @@
             </a:endParaRPr>
           </a:p>
           <a:p>
-            <a:pPr indent="0" lvl="0" marL="0" marR="0" rtl="0" algn="l">
+            <a:pPr marL="0" marR="0" lvl="0" indent="0" algn="l" rtl="0">
               <a:lnSpc>
                 <a:spcPct val="159942"/>
               </a:lnSpc>
@@ -4997,9 +5534,6 @@
               <a:buFont typeface="Arial"/>
               <a:buNone/>
             </a:pPr>
-            <a:r>
-              <a:t/>
-            </a:r>
             <a:endParaRPr sz="1750">
               <a:solidFill>
                 <a:srgbClr val="3A3630"/>
@@ -5010,7 +5544,7 @@
       </p:sp>
       <p:pic>
         <p:nvPicPr>
-          <p:cNvPr descr="preencoded.png" id="61" name="Google Shape;61;p6"/>
+          <p:cNvPr id="61" name="Google Shape;61;p6" descr="preencoded.png"/>
           <p:cNvPicPr preferRelativeResize="0"/>
           <p:nvPr/>
         </p:nvPicPr>
@@ -5018,7 +5552,7 @@
           <a:blip r:embed="rId4">
             <a:alphaModFix/>
           </a:blip>
-          <a:srcRect b="0" l="0" r="0" t="0"/>
+          <a:srcRect/>
           <a:stretch/>
         </p:blipFill>
         <p:spPr>
@@ -5055,12 +5589,12 @@
           </a:ln>
         </p:spPr>
         <p:txBody>
-          <a:bodyPr anchorCtr="0" anchor="t" bIns="45700" lIns="91425" spcFirstLastPara="1" rIns="91425" wrap="square" tIns="45700">
+          <a:bodyPr spcFirstLastPara="1" wrap="square" lIns="91425" tIns="45700" rIns="91425" bIns="45700" anchor="t" anchorCtr="0">
             <a:noAutofit/>
           </a:bodyPr>
           <a:lstStyle/>
           <a:p>
-            <a:pPr indent="0" lvl="0" marL="0" marR="0" rtl="0" algn="l">
+            <a:pPr marL="0" marR="0" lvl="0" indent="0" algn="l" rtl="0">
               <a:lnSpc>
                 <a:spcPct val="125011"/>
               </a:lnSpc>
@@ -5121,12 +5655,12 @@
           </a:ln>
         </p:spPr>
         <p:txBody>
-          <a:bodyPr anchorCtr="0" anchor="t" bIns="45700" lIns="91425" spcFirstLastPara="1" rIns="91425" wrap="square" tIns="45700">
+          <a:bodyPr spcFirstLastPara="1" wrap="square" lIns="91425" tIns="45700" rIns="91425" bIns="45700" anchor="t" anchorCtr="0">
             <a:noAutofit/>
           </a:bodyPr>
           <a:lstStyle/>
           <a:p>
-            <a:pPr indent="0" lvl="0" marL="0" marR="0" rtl="0" algn="l">
+            <a:pPr marL="0" marR="0" lvl="0" indent="0" algn="l" rtl="0">
               <a:lnSpc>
                 <a:spcPct val="159942"/>
               </a:lnSpc>
@@ -5144,14 +5678,166 @@
               <a:buNone/>
             </a:pPr>
             <a:r>
-              <a:rPr lang="en-US" sz="1750">
-                <a:solidFill>
-                  <a:srgbClr val="3A3630"/>
-                </a:solidFill>
-              </a:rPr>
-              <a:t>Чтобы самостоятельно избавиться от выделения нажмите на планету еще раз</a:t>
-            </a:r>
-            <a:endParaRPr sz="1750">
+              <a:rPr lang="en-US" sz="1750" dirty="0" err="1">
+                <a:solidFill>
+                  <a:srgbClr val="3A3630"/>
+                </a:solidFill>
+              </a:rPr>
+              <a:t>Чтобы</a:t>
+            </a:r>
+            <a:r>
+              <a:rPr lang="en-US" sz="1750" dirty="0">
+                <a:solidFill>
+                  <a:srgbClr val="3A3630"/>
+                </a:solidFill>
+              </a:rPr>
+              <a:t> </a:t>
+            </a:r>
+            <a:r>
+              <a:rPr lang="en-US" sz="1750" dirty="0" err="1">
+                <a:solidFill>
+                  <a:srgbClr val="3A3630"/>
+                </a:solidFill>
+              </a:rPr>
+              <a:t>самостоятельно</a:t>
+            </a:r>
+            <a:r>
+              <a:rPr lang="en-US" sz="1750" dirty="0">
+                <a:solidFill>
+                  <a:srgbClr val="3A3630"/>
+                </a:solidFill>
+              </a:rPr>
+              <a:t> </a:t>
+            </a:r>
+            <a:r>
+              <a:rPr lang="en-US" sz="1750" dirty="0" err="1">
+                <a:solidFill>
+                  <a:srgbClr val="3A3630"/>
+                </a:solidFill>
+              </a:rPr>
+              <a:t>избавиться</a:t>
+            </a:r>
+            <a:r>
+              <a:rPr lang="en-US" sz="1750" dirty="0">
+                <a:solidFill>
+                  <a:srgbClr val="3A3630"/>
+                </a:solidFill>
+              </a:rPr>
+              <a:t> </a:t>
+            </a:r>
+            <a:r>
+              <a:rPr lang="en-US" sz="1750" dirty="0" err="1">
+                <a:solidFill>
+                  <a:srgbClr val="3A3630"/>
+                </a:solidFill>
+              </a:rPr>
+              <a:t>от</a:t>
+            </a:r>
+            <a:r>
+              <a:rPr lang="en-US" sz="1750" dirty="0">
+                <a:solidFill>
+                  <a:srgbClr val="3A3630"/>
+                </a:solidFill>
+              </a:rPr>
+              <a:t> </a:t>
+            </a:r>
+            <a:r>
+              <a:rPr lang="en-US" sz="1750" dirty="0" err="1">
+                <a:solidFill>
+                  <a:srgbClr val="3A3630"/>
+                </a:solidFill>
+              </a:rPr>
+              <a:t>выделения</a:t>
+            </a:r>
+            <a:r>
+              <a:rPr lang="en-US" sz="1750" dirty="0">
+                <a:solidFill>
+                  <a:srgbClr val="3A3630"/>
+                </a:solidFill>
+              </a:rPr>
+              <a:t> </a:t>
+            </a:r>
+            <a:r>
+              <a:rPr lang="en-US" sz="1750" dirty="0" err="1">
+                <a:solidFill>
+                  <a:srgbClr val="3A3630"/>
+                </a:solidFill>
+              </a:rPr>
+              <a:t>нажмите</a:t>
+            </a:r>
+            <a:r>
+              <a:rPr lang="en-US" sz="1750" dirty="0">
+                <a:solidFill>
+                  <a:srgbClr val="3A3630"/>
+                </a:solidFill>
+              </a:rPr>
+              <a:t> </a:t>
+            </a:r>
+            <a:r>
+              <a:rPr lang="en-US" sz="1750" dirty="0" err="1">
+                <a:solidFill>
+                  <a:srgbClr val="3A3630"/>
+                </a:solidFill>
+              </a:rPr>
+              <a:t>на</a:t>
+            </a:r>
+            <a:r>
+              <a:rPr lang="en-US" sz="1750" dirty="0">
+                <a:solidFill>
+                  <a:srgbClr val="3A3630"/>
+                </a:solidFill>
+              </a:rPr>
+              <a:t> </a:t>
+            </a:r>
+            <a:r>
+              <a:rPr lang="en-US" sz="1750" dirty="0" err="1">
+                <a:solidFill>
+                  <a:srgbClr val="3A3630"/>
+                </a:solidFill>
+              </a:rPr>
+              <a:t>планету</a:t>
+            </a:r>
+            <a:r>
+              <a:rPr lang="en-US" sz="1750" dirty="0">
+                <a:solidFill>
+                  <a:srgbClr val="3A3630"/>
+                </a:solidFill>
+              </a:rPr>
+              <a:t> </a:t>
+            </a:r>
+            <a:r>
+              <a:rPr lang="en-US" sz="1750" dirty="0" err="1">
+                <a:solidFill>
+                  <a:srgbClr val="3A3630"/>
+                </a:solidFill>
+              </a:rPr>
+              <a:t>еще</a:t>
+            </a:r>
+            <a:r>
+              <a:rPr lang="en-US" sz="1750" dirty="0">
+                <a:solidFill>
+                  <a:srgbClr val="3A3630"/>
+                </a:solidFill>
+              </a:rPr>
+              <a:t> </a:t>
+            </a:r>
+            <a:r>
+              <a:rPr lang="en-US" sz="1750" dirty="0" err="1" smtClean="0">
+                <a:solidFill>
+                  <a:srgbClr val="3A3630"/>
+                </a:solidFill>
+              </a:rPr>
+              <a:t>раз</a:t>
+            </a:r>
+            <a:r>
+              <a:rPr lang="en-US" sz="1750" dirty="0" smtClean="0">
+                <a:solidFill>
+                  <a:srgbClr val="3A3630"/>
+                </a:solidFill>
+              </a:rPr>
+              <a:t>.</a:t>
+            </a:r>
+            <a:endParaRPr sz="1750" dirty="0">
               <a:solidFill>
                 <a:srgbClr val="3A3630"/>
               </a:solidFill>
@@ -5161,7 +5847,7 @@
       </p:sp>
       <p:pic>
         <p:nvPicPr>
-          <p:cNvPr descr="preencoded.png" id="64" name="Google Shape;64;p6"/>
+          <p:cNvPr id="64" name="Google Shape;64;p6" descr="preencoded.png"/>
           <p:cNvPicPr preferRelativeResize="0"/>
           <p:nvPr/>
         </p:nvPicPr>
@@ -5169,7 +5855,7 @@
           <a:blip r:embed="rId5">
             <a:alphaModFix/>
           </a:blip>
-          <a:srcRect b="0" l="0" r="0" t="0"/>
+          <a:srcRect/>
           <a:stretch/>
         </p:blipFill>
         <p:spPr>
@@ -5206,12 +5892,12 @@
           </a:ln>
         </p:spPr>
         <p:txBody>
-          <a:bodyPr anchorCtr="0" anchor="t" bIns="45700" lIns="91425" spcFirstLastPara="1" rIns="91425" wrap="square" tIns="45700">
+          <a:bodyPr spcFirstLastPara="1" wrap="square" lIns="91425" tIns="45700" rIns="91425" bIns="45700" anchor="t" anchorCtr="0">
             <a:noAutofit/>
           </a:bodyPr>
           <a:lstStyle/>
           <a:p>
-            <a:pPr indent="0" lvl="0" marL="0" marR="0" rtl="0" algn="l">
+            <a:pPr marL="0" marR="0" lvl="0" indent="0" algn="l" rtl="0">
               <a:lnSpc>
                 <a:spcPct val="125011"/>
               </a:lnSpc>
@@ -5240,7 +5926,7 @@
               </a:rPr>
               <a:t>Рестарт</a:t>
             </a:r>
-            <a:endParaRPr b="0" i="0" sz="2187" u="none" cap="none" strike="noStrike">
+            <a:endParaRPr sz="2187" b="0" i="0" u="none" strike="noStrike" cap="none">
               <a:solidFill>
                 <a:schemeClr val="dk1"/>
               </a:solidFill>
@@ -5272,12 +5958,12 @@
           </a:ln>
         </p:spPr>
         <p:txBody>
-          <a:bodyPr anchorCtr="0" anchor="t" bIns="45700" lIns="91425" spcFirstLastPara="1" rIns="91425" wrap="square" tIns="45700">
+          <a:bodyPr spcFirstLastPara="1" wrap="square" lIns="91425" tIns="45700" rIns="91425" bIns="45700" anchor="t" anchorCtr="0">
             <a:noAutofit/>
           </a:bodyPr>
           <a:lstStyle/>
           <a:p>
-            <a:pPr indent="0" lvl="0" marL="0" marR="0" rtl="0" algn="l">
+            <a:pPr marL="0" marR="0" lvl="0" indent="0" algn="l" rtl="0">
               <a:lnSpc>
                 <a:spcPct val="159942"/>
               </a:lnSpc>
@@ -5295,14 +5981,134 @@
               <a:buNone/>
             </a:pPr>
             <a:r>
-              <a:rPr lang="en-US" sz="1750">
-                <a:solidFill>
-                  <a:srgbClr val="3A3630"/>
-                </a:solidFill>
-              </a:rPr>
-              <a:t>Нажмите кнопку рестарт, чтобы начать выполнение уровня заново</a:t>
-            </a:r>
-            <a:endParaRPr sz="1750">
+              <a:rPr lang="en-US" sz="1750" dirty="0" err="1">
+                <a:solidFill>
+                  <a:srgbClr val="3A3630"/>
+                </a:solidFill>
+              </a:rPr>
+              <a:t>Нажмите</a:t>
+            </a:r>
+            <a:r>
+              <a:rPr lang="en-US" sz="1750" dirty="0">
+                <a:solidFill>
+                  <a:srgbClr val="3A3630"/>
+                </a:solidFill>
+              </a:rPr>
+              <a:t> </a:t>
+            </a:r>
+            <a:r>
+              <a:rPr lang="en-US" sz="1750" dirty="0" err="1">
+                <a:solidFill>
+                  <a:srgbClr val="3A3630"/>
+                </a:solidFill>
+              </a:rPr>
+              <a:t>кнопку</a:t>
+            </a:r>
+            <a:r>
+              <a:rPr lang="en-US" sz="1750" dirty="0">
+                <a:solidFill>
+                  <a:srgbClr val="3A3630"/>
+                </a:solidFill>
+              </a:rPr>
+              <a:t> </a:t>
+            </a:r>
+            <a:r>
+              <a:rPr lang="en-US" sz="1750" dirty="0" err="1">
+                <a:solidFill>
+                  <a:srgbClr val="3A3630"/>
+                </a:solidFill>
+              </a:rPr>
+              <a:t>рестарт</a:t>
+            </a:r>
+            <a:r>
+              <a:rPr lang="en-US" sz="1750" dirty="0">
+                <a:solidFill>
+                  <a:srgbClr val="3A3630"/>
+                </a:solidFill>
+              </a:rPr>
+              <a:t>, </a:t>
+            </a:r>
+            <a:r>
+              <a:rPr lang="en-US" sz="1750" dirty="0" err="1">
+                <a:solidFill>
+                  <a:srgbClr val="3A3630"/>
+                </a:solidFill>
+              </a:rPr>
+              <a:t>чтобы</a:t>
+            </a:r>
+            <a:r>
+              <a:rPr lang="en-US" sz="1750" dirty="0">
+                <a:solidFill>
+                  <a:srgbClr val="3A3630"/>
+                </a:solidFill>
+              </a:rPr>
+              <a:t> </a:t>
+            </a:r>
+            <a:r>
+              <a:rPr lang="en-US" sz="1750" dirty="0" err="1">
+                <a:solidFill>
+                  <a:srgbClr val="3A3630"/>
+                </a:solidFill>
+              </a:rPr>
+              <a:t>начать</a:t>
+            </a:r>
+            <a:r>
+              <a:rPr lang="en-US" sz="1750" dirty="0">
+                <a:solidFill>
+                  <a:srgbClr val="3A3630"/>
+                </a:solidFill>
+              </a:rPr>
+              <a:t> </a:t>
+            </a:r>
+            <a:r>
+              <a:rPr lang="en-US" sz="1750" dirty="0" err="1">
+                <a:solidFill>
+                  <a:srgbClr val="3A3630"/>
+                </a:solidFill>
+              </a:rPr>
+              <a:t>выполнение</a:t>
+            </a:r>
+            <a:r>
+              <a:rPr lang="en-US" sz="1750" dirty="0">
+                <a:solidFill>
+                  <a:srgbClr val="3A3630"/>
+                </a:solidFill>
+              </a:rPr>
+              <a:t> </a:t>
+            </a:r>
+            <a:r>
+              <a:rPr lang="en-US" sz="1750" dirty="0" err="1">
+                <a:solidFill>
+                  <a:srgbClr val="3A3630"/>
+                </a:solidFill>
+              </a:rPr>
+              <a:t>уровня</a:t>
+            </a:r>
+            <a:r>
+              <a:rPr lang="en-US" sz="1750" dirty="0">
+                <a:solidFill>
+                  <a:srgbClr val="3A3630"/>
+                </a:solidFill>
+              </a:rPr>
+              <a:t> </a:t>
+            </a:r>
+            <a:r>
+              <a:rPr lang="en-US" sz="1750" dirty="0" err="1" smtClean="0">
+                <a:solidFill>
+                  <a:srgbClr val="3A3630"/>
+                </a:solidFill>
+              </a:rPr>
+              <a:t>заново</a:t>
+            </a:r>
+            <a:r>
+              <a:rPr lang="en-US" sz="1750" dirty="0" smtClean="0">
+                <a:solidFill>
+                  <a:srgbClr val="3A3630"/>
+                </a:solidFill>
+              </a:rPr>
+              <a:t>.</a:t>
+            </a:r>
+            <a:endParaRPr sz="1750" dirty="0">
               <a:solidFill>
                 <a:srgbClr val="3A3630"/>
               </a:solidFill>
@@ -5319,11 +6125,11 @@
 </file>
 
 <file path=ppt/slides/slide5.xml><?xml version="1.0" encoding="utf-8"?>
-<p:sld xmlns:a="http://schemas.openxmlformats.org/drawingml/2006/main" xmlns:r="http://schemas.openxmlformats.org/officeDocument/2006/relationships" xmlns:mc="http://schemas.openxmlformats.org/markup-compatibility/2006" xmlns:mv="urn:schemas-microsoft-com:mac:vml" xmlns:p="http://schemas.openxmlformats.org/presentationml/2006/main" xmlns:c="http://schemas.openxmlformats.org/drawingml/2006/chart" xmlns:dgm="http://schemas.openxmlformats.org/drawingml/2006/diagram" xmlns:o="urn:schemas-microsoft-com:office:office" xmlns:v="urn:schemas-microsoft-com:vml" xmlns:pvml="urn:schemas-microsoft-com:office:powerpoint" xmlns:com="http://schemas.openxmlformats.org/drawingml/2006/compatibility" xmlns:p14="http://schemas.microsoft.com/office/powerpoint/2010/main" xmlns:p15="http://schemas.microsoft.com/office/powerpoint/2012/main" xmlns:ahyp="http://schemas.microsoft.com/office/drawing/2018/hyperlinkcolor">
+<p:sld xmlns:a="http://schemas.openxmlformats.org/drawingml/2006/main" xmlns:r="http://schemas.openxmlformats.org/officeDocument/2006/relationships" xmlns:p="http://schemas.openxmlformats.org/presentationml/2006/main">
   <p:cSld>
     <p:spTree>
       <p:nvGrpSpPr>
-        <p:cNvPr id="71" name="Shape 71"/>
+        <p:cNvPr id="1" name="Shape 71"/>
         <p:cNvGrpSpPr/>
         <p:nvPr/>
       </p:nvGrpSpPr>
@@ -5357,12 +6163,12 @@
           </a:ln>
         </p:spPr>
         <p:txBody>
-          <a:bodyPr anchorCtr="0" anchor="ctr" bIns="91425" lIns="91425" spcFirstLastPara="1" rIns="91425" wrap="square" tIns="91425">
+          <a:bodyPr spcFirstLastPara="1" wrap="square" lIns="91425" tIns="91425" rIns="91425" bIns="91425" anchor="ctr" anchorCtr="0">
             <a:noAutofit/>
           </a:bodyPr>
           <a:lstStyle/>
           <a:p>
-            <a:pPr indent="0" lvl="0" marL="0" rtl="0" algn="l">
+            <a:pPr marL="0" lvl="0" indent="0" algn="l" rtl="0">
               <a:spcBef>
                 <a:spcPts val="0"/>
               </a:spcBef>
@@ -5371,9 +6177,6 @@
               </a:spcAft>
               <a:buNone/>
             </a:pPr>
-            <a:r>
-              <a:t/>
-            </a:r>
             <a:endParaRPr/>
           </a:p>
         </p:txBody>
@@ -5400,12 +6203,12 @@
           </a:ln>
         </p:spPr>
         <p:txBody>
-          <a:bodyPr anchorCtr="0" anchor="ctr" bIns="91425" lIns="91425" spcFirstLastPara="1" rIns="91425" wrap="square" tIns="91425">
+          <a:bodyPr spcFirstLastPara="1" wrap="square" lIns="91425" tIns="91425" rIns="91425" bIns="91425" anchor="ctr" anchorCtr="0">
             <a:noAutofit/>
           </a:bodyPr>
           <a:lstStyle/>
           <a:p>
-            <a:pPr indent="0" lvl="0" marL="0" rtl="0" algn="l">
+            <a:pPr marL="0" lvl="0" indent="0" algn="l" rtl="0">
               <a:spcBef>
                 <a:spcPts val="0"/>
               </a:spcBef>
@@ -5414,9 +6217,6 @@
               </a:spcAft>
               <a:buNone/>
             </a:pPr>
-            <a:r>
-              <a:t/>
-            </a:r>
             <a:endParaRPr/>
           </a:p>
         </p:txBody>
@@ -5441,12 +6241,12 @@
           </a:ln>
         </p:spPr>
         <p:txBody>
-          <a:bodyPr anchorCtr="0" anchor="t" bIns="45700" lIns="91425" spcFirstLastPara="1" rIns="91425" wrap="square" tIns="45700">
+          <a:bodyPr spcFirstLastPara="1" wrap="square" lIns="91425" tIns="45700" rIns="91425" bIns="45700" anchor="t" anchorCtr="0">
             <a:noAutofit/>
           </a:bodyPr>
           <a:lstStyle/>
           <a:p>
-            <a:pPr indent="0" lvl="0" marL="0" marR="0" rtl="0" algn="l">
+            <a:pPr marL="0" marR="0" lvl="0" indent="0" algn="l" rtl="0">
               <a:lnSpc>
                 <a:spcPct val="125011"/>
               </a:lnSpc>
@@ -5475,7 +6275,7 @@
               </a:rPr>
               <a:t>Время</a:t>
             </a:r>
-            <a:endParaRPr b="0" i="0" sz="4374" u="none" cap="none" strike="noStrike">
+            <a:endParaRPr sz="4374" b="0" i="0" u="none" strike="noStrike" cap="none">
               <a:solidFill>
                 <a:schemeClr val="dk1"/>
               </a:solidFill>
@@ -5500,7 +6300,7 @@
           </a:xfrm>
           <a:prstGeom prst="roundRect">
             <a:avLst>
-              <a:gd fmla="val 13333" name="adj"/>
+              <a:gd name="adj" fmla="val 13333"/>
             </a:avLst>
           </a:prstGeom>
           <a:solidFill>
@@ -5511,12 +6311,12 @@
           </a:ln>
         </p:spPr>
         <p:txBody>
-          <a:bodyPr anchorCtr="0" anchor="ctr" bIns="91425" lIns="91425" spcFirstLastPara="1" rIns="91425" wrap="square" tIns="91425">
+          <a:bodyPr spcFirstLastPara="1" wrap="square" lIns="91425" tIns="91425" rIns="91425" bIns="91425" anchor="ctr" anchorCtr="0">
             <a:noAutofit/>
           </a:bodyPr>
           <a:lstStyle/>
           <a:p>
-            <a:pPr indent="0" lvl="0" marL="0" rtl="0" algn="l">
+            <a:pPr marL="0" lvl="0" indent="0" algn="l" rtl="0">
               <a:spcBef>
                 <a:spcPts val="0"/>
               </a:spcBef>
@@ -5525,9 +6325,6 @@
               </a:spcAft>
               <a:buNone/>
             </a:pPr>
-            <a:r>
-              <a:t/>
-            </a:r>
             <a:endParaRPr/>
           </a:p>
         </p:txBody>
@@ -5552,12 +6349,12 @@
           </a:ln>
         </p:spPr>
         <p:txBody>
-          <a:bodyPr anchorCtr="0" anchor="t" bIns="45700" lIns="91425" spcFirstLastPara="1" rIns="91425" wrap="square" tIns="45700">
+          <a:bodyPr spcFirstLastPara="1" wrap="square" lIns="91425" tIns="45700" rIns="91425" bIns="45700" anchor="t" anchorCtr="0">
             <a:noAutofit/>
           </a:bodyPr>
           <a:lstStyle/>
           <a:p>
-            <a:pPr indent="0" lvl="0" marL="0" marR="0" rtl="0" algn="ctr">
+            <a:pPr marL="0" marR="0" lvl="0" indent="0" algn="ctr" rtl="0">
               <a:lnSpc>
                 <a:spcPct val="125038"/>
               </a:lnSpc>
@@ -5575,7 +6372,7 @@
               <a:buNone/>
             </a:pPr>
             <a:r>
-              <a:rPr b="0" i="0" lang="en-US" sz="2624" u="none" cap="none" strike="noStrike">
+              <a:rPr lang="en-US" sz="2624" b="0" i="0" u="none" strike="noStrike" cap="none">
                 <a:solidFill>
                   <a:srgbClr val="38512F"/>
                 </a:solidFill>
@@ -5586,7 +6383,7 @@
               </a:rPr>
               <a:t>1</a:t>
             </a:r>
-            <a:endParaRPr b="0" i="0" sz="2624" u="none" cap="none" strike="noStrike">
+            <a:endParaRPr sz="2624" b="0" i="0" u="none" strike="noStrike" cap="none">
               <a:solidFill>
                 <a:schemeClr val="dk1"/>
               </a:solidFill>
@@ -5618,12 +6415,12 @@
           </a:ln>
         </p:spPr>
         <p:txBody>
-          <a:bodyPr anchorCtr="0" anchor="t" bIns="45700" lIns="91425" spcFirstLastPara="1" rIns="91425" wrap="square" tIns="45700">
+          <a:bodyPr spcFirstLastPara="1" wrap="square" lIns="91425" tIns="45700" rIns="91425" bIns="45700" anchor="t" anchorCtr="0">
             <a:noAutofit/>
           </a:bodyPr>
           <a:lstStyle/>
           <a:p>
-            <a:pPr indent="0" lvl="0" marL="0" marR="0" rtl="0" algn="l">
+            <a:pPr marL="0" marR="0" lvl="0" indent="0" algn="l" rtl="0">
               <a:lnSpc>
                 <a:spcPct val="125011"/>
               </a:lnSpc>
@@ -5652,7 +6449,7 @@
               </a:rPr>
               <a:t>Задача игры —</a:t>
             </a:r>
-            <a:endParaRPr b="0" i="0" sz="2187" u="none" cap="none" strike="noStrike">
+            <a:endParaRPr sz="2187" b="0" i="0" u="none" strike="noStrike" cap="none">
               <a:solidFill>
                 <a:schemeClr val="dk1"/>
               </a:solidFill>
@@ -5684,12 +6481,12 @@
           </a:ln>
         </p:spPr>
         <p:txBody>
-          <a:bodyPr anchorCtr="0" anchor="t" bIns="45700" lIns="91425" spcFirstLastPara="1" rIns="91425" wrap="square" tIns="45700">
+          <a:bodyPr spcFirstLastPara="1" wrap="square" lIns="91425" tIns="45700" rIns="91425" bIns="45700" anchor="t" anchorCtr="0">
             <a:noAutofit/>
           </a:bodyPr>
           <a:lstStyle/>
           <a:p>
-            <a:pPr indent="0" lvl="0" marL="0" marR="0" rtl="0" algn="l">
+            <a:pPr marL="0" marR="0" lvl="0" indent="0" algn="l" rtl="0">
               <a:lnSpc>
                 <a:spcPct val="159942"/>
               </a:lnSpc>
@@ -5707,14 +6504,134 @@
               <a:buNone/>
             </a:pPr>
             <a:r>
-              <a:rPr lang="en-US" sz="1750">
-                <a:solidFill>
-                  <a:srgbClr val="3A3630"/>
-                </a:solidFill>
-              </a:rPr>
-              <a:t>Пройти каждый уровень, за как можно меньшее время</a:t>
-            </a:r>
-            <a:endParaRPr b="0" i="0" sz="1750" u="none" cap="none" strike="noStrike">
+              <a:rPr lang="en-US" sz="1750" dirty="0" err="1">
+                <a:solidFill>
+                  <a:srgbClr val="3A3630"/>
+                </a:solidFill>
+              </a:rPr>
+              <a:t>Пройти</a:t>
+            </a:r>
+            <a:r>
+              <a:rPr lang="en-US" sz="1750" dirty="0">
+                <a:solidFill>
+                  <a:srgbClr val="3A3630"/>
+                </a:solidFill>
+              </a:rPr>
+              <a:t> </a:t>
+            </a:r>
+            <a:r>
+              <a:rPr lang="en-US" sz="1750" dirty="0" err="1">
+                <a:solidFill>
+                  <a:srgbClr val="3A3630"/>
+                </a:solidFill>
+              </a:rPr>
+              <a:t>каждый</a:t>
+            </a:r>
+            <a:r>
+              <a:rPr lang="en-US" sz="1750" dirty="0">
+                <a:solidFill>
+                  <a:srgbClr val="3A3630"/>
+                </a:solidFill>
+              </a:rPr>
+              <a:t> </a:t>
+            </a:r>
+            <a:r>
+              <a:rPr lang="en-US" sz="1750" dirty="0" err="1">
+                <a:solidFill>
+                  <a:srgbClr val="3A3630"/>
+                </a:solidFill>
+              </a:rPr>
+              <a:t>уровень</a:t>
+            </a:r>
+            <a:r>
+              <a:rPr lang="en-US" sz="1750" dirty="0">
+                <a:solidFill>
+                  <a:srgbClr val="3A3630"/>
+                </a:solidFill>
+              </a:rPr>
+              <a:t>, </a:t>
+            </a:r>
+            <a:r>
+              <a:rPr lang="en-US" sz="1750" dirty="0" err="1">
+                <a:solidFill>
+                  <a:srgbClr val="3A3630"/>
+                </a:solidFill>
+              </a:rPr>
+              <a:t>за</a:t>
+            </a:r>
+            <a:r>
+              <a:rPr lang="en-US" sz="1750" dirty="0">
+                <a:solidFill>
+                  <a:srgbClr val="3A3630"/>
+                </a:solidFill>
+              </a:rPr>
+              <a:t> </a:t>
+            </a:r>
+            <a:r>
+              <a:rPr lang="en-US" sz="1750" dirty="0" err="1">
+                <a:solidFill>
+                  <a:srgbClr val="3A3630"/>
+                </a:solidFill>
+              </a:rPr>
+              <a:t>как</a:t>
+            </a:r>
+            <a:r>
+              <a:rPr lang="en-US" sz="1750" dirty="0">
+                <a:solidFill>
+                  <a:srgbClr val="3A3630"/>
+                </a:solidFill>
+              </a:rPr>
+              <a:t> </a:t>
+            </a:r>
+            <a:r>
+              <a:rPr lang="en-US" sz="1750" dirty="0" err="1">
+                <a:solidFill>
+                  <a:srgbClr val="3A3630"/>
+                </a:solidFill>
+              </a:rPr>
+              <a:t>можно</a:t>
+            </a:r>
+            <a:r>
+              <a:rPr lang="en-US" sz="1750" dirty="0">
+                <a:solidFill>
+                  <a:srgbClr val="3A3630"/>
+                </a:solidFill>
+              </a:rPr>
+              <a:t> </a:t>
+            </a:r>
+            <a:r>
+              <a:rPr lang="en-US" sz="1750" dirty="0" err="1">
+                <a:solidFill>
+                  <a:srgbClr val="3A3630"/>
+                </a:solidFill>
+              </a:rPr>
+              <a:t>меньшее</a:t>
+            </a:r>
+            <a:r>
+              <a:rPr lang="en-US" sz="1750" dirty="0">
+                <a:solidFill>
+                  <a:srgbClr val="3A3630"/>
+                </a:solidFill>
+              </a:rPr>
+              <a:t> </a:t>
+            </a:r>
+            <a:r>
+              <a:rPr lang="en-US" sz="1750" dirty="0" err="1" smtClean="0">
+                <a:solidFill>
+                  <a:srgbClr val="3A3630"/>
+                </a:solidFill>
+              </a:rPr>
+              <a:t>время</a:t>
+            </a:r>
+            <a:r>
+              <a:rPr lang="en-US" sz="1750" dirty="0" smtClean="0">
+                <a:solidFill>
+                  <a:srgbClr val="3A3630"/>
+                </a:solidFill>
+              </a:rPr>
+              <a:t>.</a:t>
+            </a:r>
+            <a:endParaRPr sz="1750" b="0" i="0" u="none" strike="noStrike" cap="none" dirty="0">
               <a:solidFill>
                 <a:schemeClr val="dk1"/>
               </a:solidFill>
@@ -5739,7 +6656,7 @@
           </a:xfrm>
           <a:prstGeom prst="roundRect">
             <a:avLst>
-              <a:gd fmla="val 13333" name="adj"/>
+              <a:gd name="adj" fmla="val 13333"/>
             </a:avLst>
           </a:prstGeom>
           <a:solidFill>
@@ -5750,12 +6667,12 @@
           </a:ln>
         </p:spPr>
         <p:txBody>
-          <a:bodyPr anchorCtr="0" anchor="ctr" bIns="91425" lIns="91425" spcFirstLastPara="1" rIns="91425" wrap="square" tIns="91425">
+          <a:bodyPr spcFirstLastPara="1" wrap="square" lIns="91425" tIns="91425" rIns="91425" bIns="91425" anchor="ctr" anchorCtr="0">
             <a:noAutofit/>
           </a:bodyPr>
           <a:lstStyle/>
           <a:p>
-            <a:pPr indent="0" lvl="0" marL="0" rtl="0" algn="l">
+            <a:pPr marL="0" lvl="0" indent="0" algn="l" rtl="0">
               <a:spcBef>
                 <a:spcPts val="0"/>
               </a:spcBef>
@@ -5764,9 +6681,6 @@
               </a:spcAft>
               <a:buNone/>
             </a:pPr>
-            <a:r>
-              <a:t/>
-            </a:r>
             <a:endParaRPr/>
           </a:p>
         </p:txBody>
@@ -5791,12 +6705,12 @@
           </a:ln>
         </p:spPr>
         <p:txBody>
-          <a:bodyPr anchorCtr="0" anchor="t" bIns="45700" lIns="91425" spcFirstLastPara="1" rIns="91425" wrap="square" tIns="45700">
+          <a:bodyPr spcFirstLastPara="1" wrap="square" lIns="91425" tIns="45700" rIns="91425" bIns="45700" anchor="t" anchorCtr="0">
             <a:noAutofit/>
           </a:bodyPr>
           <a:lstStyle/>
           <a:p>
-            <a:pPr indent="0" lvl="0" marL="0" marR="0" rtl="0" algn="ctr">
+            <a:pPr marL="0" marR="0" lvl="0" indent="0" algn="ctr" rtl="0">
               <a:lnSpc>
                 <a:spcPct val="125038"/>
               </a:lnSpc>
@@ -5814,7 +6728,7 @@
               <a:buNone/>
             </a:pPr>
             <a:r>
-              <a:rPr b="0" i="0" lang="en-US" sz="2624" u="none" cap="none" strike="noStrike">
+              <a:rPr lang="en-US" sz="2624" b="0" i="0" u="none" strike="noStrike" cap="none">
                 <a:solidFill>
                   <a:srgbClr val="38512F"/>
                 </a:solidFill>
@@ -5825,7 +6739,7 @@
               </a:rPr>
               <a:t>2</a:t>
             </a:r>
-            <a:endParaRPr b="0" i="0" sz="2624" u="none" cap="none" strike="noStrike">
+            <a:endParaRPr sz="2624" b="0" i="0" u="none" strike="noStrike" cap="none">
               <a:solidFill>
                 <a:schemeClr val="dk1"/>
               </a:solidFill>
@@ -5857,12 +6771,12 @@
           </a:ln>
         </p:spPr>
         <p:txBody>
-          <a:bodyPr anchorCtr="0" anchor="t" bIns="45700" lIns="91425" spcFirstLastPara="1" rIns="91425" wrap="square" tIns="45700">
+          <a:bodyPr spcFirstLastPara="1" wrap="square" lIns="91425" tIns="45700" rIns="91425" bIns="45700" anchor="t" anchorCtr="0">
             <a:noAutofit/>
           </a:bodyPr>
           <a:lstStyle/>
           <a:p>
-            <a:pPr indent="0" lvl="0" marL="0" marR="0" rtl="0" algn="l">
+            <a:pPr marL="0" marR="0" lvl="0" indent="0" algn="l" rtl="0">
               <a:lnSpc>
                 <a:spcPct val="125011"/>
               </a:lnSpc>
@@ -5891,7 +6805,7 @@
               </a:rPr>
               <a:t>Рестарт</a:t>
             </a:r>
-            <a:endParaRPr b="0" i="0" sz="2187" u="none" cap="none" strike="noStrike">
+            <a:endParaRPr sz="2187" b="0" i="0" u="none" strike="noStrike" cap="none">
               <a:solidFill>
                 <a:schemeClr val="dk1"/>
               </a:solidFill>
@@ -5923,12 +6837,12 @@
           </a:ln>
         </p:spPr>
         <p:txBody>
-          <a:bodyPr anchorCtr="0" anchor="t" bIns="45700" lIns="91425" spcFirstLastPara="1" rIns="91425" wrap="square" tIns="45700">
+          <a:bodyPr spcFirstLastPara="1" wrap="square" lIns="91425" tIns="45700" rIns="91425" bIns="45700" anchor="t" anchorCtr="0">
             <a:noAutofit/>
           </a:bodyPr>
           <a:lstStyle/>
           <a:p>
-            <a:pPr indent="0" lvl="0" marL="0" marR="0" rtl="0" algn="l">
+            <a:pPr marL="0" marR="0" lvl="0" indent="0" algn="l" rtl="0">
               <a:lnSpc>
                 <a:spcPct val="159942"/>
               </a:lnSpc>
@@ -5953,7 +6867,7 @@
               </a:rPr>
               <a:t>Кнопка рестарт не обнуляет затраченное время!</a:t>
             </a:r>
-            <a:endParaRPr b="0" i="0" sz="1750" u="none" cap="none" strike="noStrike">
+            <a:endParaRPr sz="1750" b="0" i="0" u="none" strike="noStrike" cap="none">
               <a:solidFill>
                 <a:schemeClr val="dk1"/>
               </a:solidFill>
@@ -5975,7 +6889,7 @@
           <a:blip r:embed="rId3">
             <a:alphaModFix/>
           </a:blip>
-          <a:srcRect b="68072" l="0" r="0" t="6988"/>
+          <a:srcRect t="6988" b="68072"/>
           <a:stretch/>
         </p:blipFill>
         <p:spPr>
@@ -6002,7 +6916,7 @@
           <a:blip r:embed="rId4">
             <a:alphaModFix/>
           </a:blip>
-          <a:srcRect b="0" l="0" r="0" t="22785"/>
+          <a:srcRect t="22785"/>
           <a:stretch/>
         </p:blipFill>
         <p:spPr>
@@ -6028,11 +6942,11 @@
 </file>
 
 <file path=ppt/slides/slide6.xml><?xml version="1.0" encoding="utf-8"?>
-<p:sld xmlns:a="http://schemas.openxmlformats.org/drawingml/2006/main" xmlns:r="http://schemas.openxmlformats.org/officeDocument/2006/relationships" xmlns:mc="http://schemas.openxmlformats.org/markup-compatibility/2006" xmlns:mv="urn:schemas-microsoft-com:mac:vml" xmlns:p="http://schemas.openxmlformats.org/presentationml/2006/main" xmlns:c="http://schemas.openxmlformats.org/drawingml/2006/chart" xmlns:dgm="http://schemas.openxmlformats.org/drawingml/2006/diagram" xmlns:o="urn:schemas-microsoft-com:office:office" xmlns:v="urn:schemas-microsoft-com:vml" xmlns:pvml="urn:schemas-microsoft-com:office:powerpoint" xmlns:com="http://schemas.openxmlformats.org/drawingml/2006/compatibility" xmlns:p14="http://schemas.microsoft.com/office/powerpoint/2010/main" xmlns:p15="http://schemas.microsoft.com/office/powerpoint/2012/main" xmlns:ahyp="http://schemas.microsoft.com/office/drawing/2018/hyperlinkcolor">
+<p:sld xmlns:a="http://schemas.openxmlformats.org/drawingml/2006/main" xmlns:r="http://schemas.openxmlformats.org/officeDocument/2006/relationships" xmlns:p="http://schemas.openxmlformats.org/presentationml/2006/main">
   <p:cSld>
     <p:spTree>
       <p:nvGrpSpPr>
-        <p:cNvPr id="89" name="Shape 89"/>
+        <p:cNvPr id="1" name="Shape 89"/>
         <p:cNvGrpSpPr/>
         <p:nvPr/>
       </p:nvGrpSpPr>
@@ -6066,12 +6980,12 @@
           </a:ln>
         </p:spPr>
         <p:txBody>
-          <a:bodyPr anchorCtr="0" anchor="ctr" bIns="91425" lIns="91425" spcFirstLastPara="1" rIns="91425" wrap="square" tIns="91425">
+          <a:bodyPr spcFirstLastPara="1" wrap="square" lIns="91425" tIns="91425" rIns="91425" bIns="91425" anchor="ctr" anchorCtr="0">
             <a:noAutofit/>
           </a:bodyPr>
           <a:lstStyle/>
           <a:p>
-            <a:pPr indent="0" lvl="0" marL="0" rtl="0" algn="l">
+            <a:pPr marL="0" lvl="0" indent="0" algn="l" rtl="0">
               <a:spcBef>
                 <a:spcPts val="0"/>
               </a:spcBef>
@@ -6080,9 +6994,6 @@
               </a:spcAft>
               <a:buNone/>
             </a:pPr>
-            <a:r>
-              <a:t/>
-            </a:r>
             <a:endParaRPr/>
           </a:p>
         </p:txBody>
@@ -6109,12 +7020,12 @@
           </a:ln>
         </p:spPr>
         <p:txBody>
-          <a:bodyPr anchorCtr="0" anchor="ctr" bIns="91425" lIns="91425" spcFirstLastPara="1" rIns="91425" wrap="square" tIns="91425">
+          <a:bodyPr spcFirstLastPara="1" wrap="square" lIns="91425" tIns="91425" rIns="91425" bIns="91425" anchor="ctr" anchorCtr="0">
             <a:noAutofit/>
           </a:bodyPr>
           <a:lstStyle/>
           <a:p>
-            <a:pPr indent="0" lvl="0" marL="0" rtl="0" algn="l">
+            <a:pPr marL="0" lvl="0" indent="0" algn="l" rtl="0">
               <a:spcBef>
                 <a:spcPts val="0"/>
               </a:spcBef>
@@ -6123,9 +7034,6 @@
               </a:spcAft>
               <a:buNone/>
             </a:pPr>
-            <a:r>
-              <a:t/>
-            </a:r>
             <a:endParaRPr/>
           </a:p>
         </p:txBody>
@@ -6150,12 +7058,12 @@
           </a:ln>
         </p:spPr>
         <p:txBody>
-          <a:bodyPr anchorCtr="0" anchor="t" bIns="45700" lIns="91425" spcFirstLastPara="1" rIns="91425" wrap="square" tIns="45700">
+          <a:bodyPr spcFirstLastPara="1" wrap="square" lIns="91425" tIns="45700" rIns="91425" bIns="45700" anchor="t" anchorCtr="0">
             <a:noAutofit/>
           </a:bodyPr>
           <a:lstStyle/>
           <a:p>
-            <a:pPr indent="0" lvl="0" marL="0" marR="0" rtl="0" algn="l">
+            <a:pPr marL="0" marR="0" lvl="0" indent="0" algn="l" rtl="0">
               <a:lnSpc>
                 <a:spcPct val="125011"/>
               </a:lnSpc>
@@ -6184,7 +7092,7 @@
               </a:rPr>
               <a:t>Сложность Игры</a:t>
             </a:r>
-            <a:endParaRPr b="0" i="0" sz="4374" u="none" cap="none" strike="noStrike">
+            <a:endParaRPr sz="4374" b="0" i="0" u="none" strike="noStrike" cap="none">
               <a:solidFill>
                 <a:schemeClr val="dk1"/>
               </a:solidFill>
@@ -6216,12 +7124,12 @@
           </a:ln>
         </p:spPr>
         <p:txBody>
-          <a:bodyPr anchorCtr="0" anchor="t" bIns="45700" lIns="91425" spcFirstLastPara="1" rIns="91425" wrap="square" tIns="45700">
+          <a:bodyPr spcFirstLastPara="1" wrap="square" lIns="91425" tIns="45700" rIns="91425" bIns="45700" anchor="t" anchorCtr="0">
             <a:noAutofit/>
           </a:bodyPr>
           <a:lstStyle/>
           <a:p>
-            <a:pPr indent="0" lvl="0" marL="0" marR="0" rtl="0" algn="l">
+            <a:pPr marL="0" marR="0" lvl="0" indent="0" algn="l" rtl="0">
               <a:lnSpc>
                 <a:spcPct val="125011"/>
               </a:lnSpc>
@@ -6239,7 +7147,7 @@
               <a:buNone/>
             </a:pPr>
             <a:r>
-              <a:rPr b="0" i="0" lang="en-US" sz="2187" u="none" cap="none" strike="noStrike">
+              <a:rPr lang="en-US" sz="2187" b="0" i="0" u="none" strike="noStrike" cap="none">
                 <a:solidFill>
                   <a:srgbClr val="38512F"/>
                 </a:solidFill>
@@ -6250,7 +7158,7 @@
               </a:rPr>
               <a:t>Уровни Сложности</a:t>
             </a:r>
-            <a:endParaRPr b="0" i="0" sz="2187" u="none" cap="none" strike="noStrike">
+            <a:endParaRPr sz="2187" b="0" i="0" u="none" strike="noStrike" cap="none">
               <a:solidFill>
                 <a:schemeClr val="dk1"/>
               </a:solidFill>
@@ -6282,12 +7190,12 @@
           </a:ln>
         </p:spPr>
         <p:txBody>
-          <a:bodyPr anchorCtr="0" anchor="t" bIns="45700" lIns="91425" spcFirstLastPara="1" rIns="91425" wrap="square" tIns="45700">
+          <a:bodyPr spcFirstLastPara="1" wrap="square" lIns="91425" tIns="45700" rIns="91425" bIns="45700" anchor="t" anchorCtr="0">
             <a:noAutofit/>
           </a:bodyPr>
           <a:lstStyle/>
           <a:p>
-            <a:pPr indent="0" lvl="0" marL="0" marR="0" rtl="0" algn="l">
+            <a:pPr marL="0" marR="0" lvl="0" indent="0" algn="l" rtl="0">
               <a:lnSpc>
                 <a:spcPct val="159942"/>
               </a:lnSpc>
@@ -6305,7 +7213,7 @@
               <a:buNone/>
             </a:pPr>
             <a:r>
-              <a:rPr b="0" i="0" lang="en-US" sz="1750" u="none" cap="none" strike="noStrike">
+              <a:rPr lang="en-US" sz="1750" b="0" i="0" u="none" strike="noStrike" cap="none" dirty="0" err="1">
                 <a:solidFill>
                   <a:srgbClr val="3A3630"/>
                 </a:solidFill>
@@ -6314,18 +7222,10 @@
                 <a:cs typeface="Arial"/>
                 <a:sym typeface="Arial"/>
               </a:rPr>
-              <a:t>Игра предлагает 30 различны</a:t>
-            </a:r>
-            <a:r>
-              <a:rPr lang="en-US" sz="1750">
-                <a:solidFill>
-                  <a:srgbClr val="3A3630"/>
-                </a:solidFill>
-              </a:rPr>
-              <a:t>х</a:t>
-            </a:r>
-            <a:r>
-              <a:rPr b="0" i="0" lang="en-US" sz="1750" u="none" cap="none" strike="noStrike">
+              <a:t>Игра</a:t>
+            </a:r>
+            <a:r>
+              <a:rPr lang="en-US" sz="1750" b="0" i="0" u="none" strike="noStrike" cap="none" dirty="0">
                 <a:solidFill>
                   <a:srgbClr val="3A3630"/>
                 </a:solidFill>
@@ -6334,18 +7234,10 @@
                 <a:cs typeface="Arial"/>
                 <a:sym typeface="Arial"/>
               </a:rPr>
-              <a:t> уровн</a:t>
-            </a:r>
-            <a:r>
-              <a:rPr lang="en-US" sz="1750">
-                <a:solidFill>
-                  <a:srgbClr val="3A3630"/>
-                </a:solidFill>
-              </a:rPr>
-              <a:t>ей</a:t>
-            </a:r>
-            <a:r>
-              <a:rPr b="0" i="0" lang="en-US" sz="1750" u="none" cap="none" strike="noStrike">
+              <a:t> </a:t>
+            </a:r>
+            <a:r>
+              <a:rPr lang="en-US" sz="1750" b="0" i="0" u="none" strike="noStrike" cap="none" dirty="0" err="1">
                 <a:solidFill>
                   <a:srgbClr val="3A3630"/>
                 </a:solidFill>
@@ -6354,24 +7246,328 @@
                 <a:cs typeface="Arial"/>
                 <a:sym typeface="Arial"/>
               </a:rPr>
-              <a:t>, обеспечивая длительное увлекатель</a:t>
-            </a:r>
-            <a:r>
-              <a:rPr lang="en-US" sz="1750">
-                <a:solidFill>
-                  <a:srgbClr val="3A3630"/>
-                </a:solidFill>
-              </a:rPr>
-              <a:t>ное времяпровождение. На каждом новом уровне сложность будет все более возрастать:</a:t>
-            </a:r>
-            <a:endParaRPr sz="1750">
+              <a:t>предлагает</a:t>
+            </a:r>
+            <a:r>
+              <a:rPr lang="en-US" sz="1750" b="0" i="0" u="none" strike="noStrike" cap="none" dirty="0">
+                <a:solidFill>
+                  <a:srgbClr val="3A3630"/>
+                </a:solidFill>
+                <a:latin typeface="Arial"/>
+                <a:ea typeface="Arial"/>
+                <a:cs typeface="Arial"/>
+                <a:sym typeface="Arial"/>
+              </a:rPr>
+              <a:t> 30 </a:t>
+            </a:r>
+            <a:r>
+              <a:rPr lang="en-US" sz="1750" b="0" i="0" u="none" strike="noStrike" cap="none" dirty="0" err="1">
+                <a:solidFill>
+                  <a:srgbClr val="3A3630"/>
+                </a:solidFill>
+                <a:latin typeface="Arial"/>
+                <a:ea typeface="Arial"/>
+                <a:cs typeface="Arial"/>
+                <a:sym typeface="Arial"/>
+              </a:rPr>
+              <a:t>различны</a:t>
+            </a:r>
+            <a:r>
+              <a:rPr lang="en-US" sz="1750" dirty="0" err="1">
+                <a:solidFill>
+                  <a:srgbClr val="3A3630"/>
+                </a:solidFill>
+              </a:rPr>
+              <a:t>х</a:t>
+            </a:r>
+            <a:r>
+              <a:rPr lang="en-US" sz="1750" b="0" i="0" u="none" strike="noStrike" cap="none" dirty="0">
+                <a:solidFill>
+                  <a:srgbClr val="3A3630"/>
+                </a:solidFill>
+                <a:latin typeface="Arial"/>
+                <a:ea typeface="Arial"/>
+                <a:cs typeface="Arial"/>
+                <a:sym typeface="Arial"/>
+              </a:rPr>
+              <a:t> </a:t>
+            </a:r>
+            <a:r>
+              <a:rPr lang="en-US" sz="1750" b="0" i="0" u="none" strike="noStrike" cap="none" dirty="0" err="1">
+                <a:solidFill>
+                  <a:srgbClr val="3A3630"/>
+                </a:solidFill>
+                <a:latin typeface="Arial"/>
+                <a:ea typeface="Arial"/>
+                <a:cs typeface="Arial"/>
+                <a:sym typeface="Arial"/>
+              </a:rPr>
+              <a:t>уровн</a:t>
+            </a:r>
+            <a:r>
+              <a:rPr lang="en-US" sz="1750" dirty="0" err="1">
+                <a:solidFill>
+                  <a:srgbClr val="3A3630"/>
+                </a:solidFill>
+              </a:rPr>
+              <a:t>ей</a:t>
+            </a:r>
+            <a:r>
+              <a:rPr lang="en-US" sz="1750" b="0" i="0" u="none" strike="noStrike" cap="none" dirty="0">
+                <a:solidFill>
+                  <a:srgbClr val="3A3630"/>
+                </a:solidFill>
+                <a:latin typeface="Arial"/>
+                <a:ea typeface="Arial"/>
+                <a:cs typeface="Arial"/>
+                <a:sym typeface="Arial"/>
+              </a:rPr>
+              <a:t>, </a:t>
+            </a:r>
+            <a:r>
+              <a:rPr lang="en-US" sz="1750" b="0" i="0" u="none" strike="noStrike" cap="none" dirty="0" err="1">
+                <a:solidFill>
+                  <a:srgbClr val="3A3630"/>
+                </a:solidFill>
+                <a:latin typeface="Arial"/>
+                <a:ea typeface="Arial"/>
+                <a:cs typeface="Arial"/>
+                <a:sym typeface="Arial"/>
+              </a:rPr>
+              <a:t>обеспечивая</a:t>
+            </a:r>
+            <a:r>
+              <a:rPr lang="en-US" sz="1750" b="0" i="0" u="none" strike="noStrike" cap="none" dirty="0">
+                <a:solidFill>
+                  <a:srgbClr val="3A3630"/>
+                </a:solidFill>
+                <a:latin typeface="Arial"/>
+                <a:ea typeface="Arial"/>
+                <a:cs typeface="Arial"/>
+                <a:sym typeface="Arial"/>
+              </a:rPr>
+              <a:t> </a:t>
+            </a:r>
+            <a:r>
+              <a:rPr lang="en-US" sz="1750" b="0" i="0" u="none" strike="noStrike" cap="none" dirty="0" err="1">
+                <a:solidFill>
+                  <a:srgbClr val="3A3630"/>
+                </a:solidFill>
+                <a:latin typeface="Arial"/>
+                <a:ea typeface="Arial"/>
+                <a:cs typeface="Arial"/>
+                <a:sym typeface="Arial"/>
+              </a:rPr>
+              <a:t>длительное</a:t>
+            </a:r>
+            <a:r>
+              <a:rPr lang="en-US" sz="1750" b="0" i="0" u="none" strike="noStrike" cap="none" dirty="0">
+                <a:solidFill>
+                  <a:srgbClr val="3A3630"/>
+                </a:solidFill>
+                <a:latin typeface="Arial"/>
+                <a:ea typeface="Arial"/>
+                <a:cs typeface="Arial"/>
+                <a:sym typeface="Arial"/>
+              </a:rPr>
+              <a:t> </a:t>
+            </a:r>
+            <a:r>
+              <a:rPr lang="en-US" sz="1750" b="0" i="0" u="none" strike="noStrike" cap="none" dirty="0" err="1">
+                <a:solidFill>
+                  <a:srgbClr val="3A3630"/>
+                </a:solidFill>
+                <a:latin typeface="Arial"/>
+                <a:ea typeface="Arial"/>
+                <a:cs typeface="Arial"/>
+                <a:sym typeface="Arial"/>
+              </a:rPr>
+              <a:t>увлекатель</a:t>
+            </a:r>
+            <a:r>
+              <a:rPr lang="en-US" sz="1750" dirty="0" err="1">
+                <a:solidFill>
+                  <a:srgbClr val="3A3630"/>
+                </a:solidFill>
+              </a:rPr>
+              <a:t>ное</a:t>
+            </a:r>
+            <a:r>
+              <a:rPr lang="en-US" sz="1750" dirty="0">
+                <a:solidFill>
+                  <a:srgbClr val="3A3630"/>
+                </a:solidFill>
+              </a:rPr>
+              <a:t> </a:t>
+            </a:r>
+            <a:r>
+              <a:rPr lang="en-US" sz="1750" dirty="0" err="1">
+                <a:solidFill>
+                  <a:srgbClr val="3A3630"/>
+                </a:solidFill>
+              </a:rPr>
+              <a:t>времяпровождение</a:t>
+            </a:r>
+            <a:r>
+              <a:rPr lang="en-US" sz="1750" dirty="0">
+                <a:solidFill>
+                  <a:srgbClr val="3A3630"/>
+                </a:solidFill>
+              </a:rPr>
+              <a:t>. </a:t>
+            </a:r>
+            <a:r>
+              <a:rPr lang="en-US" sz="1750" dirty="0" err="1">
+                <a:solidFill>
+                  <a:srgbClr val="3A3630"/>
+                </a:solidFill>
+              </a:rPr>
+              <a:t>На</a:t>
+            </a:r>
+            <a:r>
+              <a:rPr lang="en-US" sz="1750" dirty="0">
+                <a:solidFill>
+                  <a:srgbClr val="3A3630"/>
+                </a:solidFill>
+              </a:rPr>
+              <a:t> </a:t>
+            </a:r>
+            <a:r>
+              <a:rPr lang="en-US" sz="1750" dirty="0" err="1">
+                <a:solidFill>
+                  <a:srgbClr val="3A3630"/>
+                </a:solidFill>
+              </a:rPr>
+              <a:t>каждом</a:t>
+            </a:r>
+            <a:r>
+              <a:rPr lang="en-US" sz="1750" dirty="0">
+                <a:solidFill>
+                  <a:srgbClr val="3A3630"/>
+                </a:solidFill>
+              </a:rPr>
+              <a:t> </a:t>
+            </a:r>
+            <a:r>
+              <a:rPr lang="en-US" sz="1750" dirty="0" err="1">
+                <a:solidFill>
+                  <a:srgbClr val="3A3630"/>
+                </a:solidFill>
+              </a:rPr>
+              <a:t>новом</a:t>
+            </a:r>
+            <a:r>
+              <a:rPr lang="en-US" sz="1750" dirty="0">
+                <a:solidFill>
+                  <a:srgbClr val="3A3630"/>
+                </a:solidFill>
+              </a:rPr>
+              <a:t> </a:t>
+            </a:r>
+            <a:r>
+              <a:rPr lang="en-US" sz="1750" dirty="0" err="1">
+                <a:solidFill>
+                  <a:srgbClr val="3A3630"/>
+                </a:solidFill>
+              </a:rPr>
+              <a:t>уровне</a:t>
+            </a:r>
+            <a:r>
+              <a:rPr lang="en-US" sz="1750" dirty="0">
+                <a:solidFill>
+                  <a:srgbClr val="3A3630"/>
+                </a:solidFill>
+              </a:rPr>
+              <a:t> </a:t>
+            </a:r>
+            <a:r>
+              <a:rPr lang="en-US" sz="1750" dirty="0" err="1">
+                <a:solidFill>
+                  <a:srgbClr val="3A3630"/>
+                </a:solidFill>
+              </a:rPr>
+              <a:t>сложность</a:t>
+            </a:r>
+            <a:r>
+              <a:rPr lang="en-US" sz="1750" dirty="0">
+                <a:solidFill>
+                  <a:srgbClr val="3A3630"/>
+                </a:solidFill>
+              </a:rPr>
+              <a:t> </a:t>
+            </a:r>
+            <a:r>
+              <a:rPr lang="en-US" sz="1750" dirty="0" err="1">
+                <a:solidFill>
+                  <a:srgbClr val="3A3630"/>
+                </a:solidFill>
+              </a:rPr>
+              <a:t>будет</a:t>
+            </a:r>
+            <a:r>
+              <a:rPr lang="en-US" sz="1750" dirty="0">
+                <a:solidFill>
+                  <a:srgbClr val="3A3630"/>
+                </a:solidFill>
+              </a:rPr>
+              <a:t> </a:t>
+            </a:r>
+            <a:r>
+              <a:rPr lang="en-US" sz="1750" dirty="0" err="1">
+                <a:solidFill>
+                  <a:srgbClr val="3A3630"/>
+                </a:solidFill>
+              </a:rPr>
+              <a:t>все</a:t>
+            </a:r>
+            <a:r>
+              <a:rPr lang="en-US" sz="1750" dirty="0">
+                <a:solidFill>
+                  <a:srgbClr val="3A3630"/>
+                </a:solidFill>
+              </a:rPr>
+              <a:t> </a:t>
+            </a:r>
+            <a:r>
+              <a:rPr lang="en-US" sz="1750" dirty="0" err="1">
+                <a:solidFill>
+                  <a:srgbClr val="3A3630"/>
+                </a:solidFill>
+              </a:rPr>
+              <a:t>более</a:t>
+            </a:r>
+            <a:r>
+              <a:rPr lang="en-US" sz="1750" dirty="0">
+                <a:solidFill>
+                  <a:srgbClr val="3A3630"/>
+                </a:solidFill>
+              </a:rPr>
+              <a:t> </a:t>
+            </a:r>
+            <a:r>
+              <a:rPr lang="en-US" sz="1750" dirty="0" err="1">
+                <a:solidFill>
+                  <a:srgbClr val="3A3630"/>
+                </a:solidFill>
+              </a:rPr>
+              <a:t>возрастать</a:t>
+            </a:r>
+            <a:r>
+              <a:rPr lang="en-US" sz="1750" dirty="0">
+                <a:solidFill>
+                  <a:srgbClr val="3A3630"/>
+                </a:solidFill>
+              </a:rPr>
+              <a:t>:</a:t>
+            </a:r>
+            <a:endParaRPr sz="1750" dirty="0">
               <a:solidFill>
                 <a:srgbClr val="3A3630"/>
               </a:solidFill>
             </a:endParaRPr>
           </a:p>
           <a:p>
-            <a:pPr indent="-339725" lvl="0" marL="457200" marR="0" rtl="0" algn="l">
+            <a:pPr marL="457200" marR="0" lvl="0" indent="-339725" algn="l" rtl="0">
               <a:lnSpc>
                 <a:spcPct val="159942"/>
               </a:lnSpc>
@@ -6388,21 +7584,85 @@
               <a:buChar char="●"/>
             </a:pPr>
             <a:r>
-              <a:rPr lang="en-US" sz="1750">
-                <a:solidFill>
-                  <a:srgbClr val="3A3630"/>
-                </a:solidFill>
-              </a:rPr>
-              <a:t> Количество кружков будет увеличиваться</a:t>
-            </a:r>
-            <a:endParaRPr sz="1750">
+              <a:rPr lang="en-US" sz="1750" dirty="0">
+                <a:solidFill>
+                  <a:srgbClr val="3A3630"/>
+                </a:solidFill>
+              </a:rPr>
+              <a:t> </a:t>
+            </a:r>
+            <a:r>
+              <a:rPr lang="en-US" sz="1750" dirty="0" err="1">
+                <a:solidFill>
+                  <a:srgbClr val="3A3630"/>
+                </a:solidFill>
+              </a:rPr>
+              <a:t>Количество</a:t>
+            </a:r>
+            <a:r>
+              <a:rPr lang="en-US" sz="1750" dirty="0">
+                <a:solidFill>
+                  <a:srgbClr val="3A3630"/>
+                </a:solidFill>
+              </a:rPr>
+              <a:t> </a:t>
+            </a:r>
+            <a:r>
+              <a:rPr lang="ru-RU" sz="1750" dirty="0" smtClean="0">
+                <a:solidFill>
+                  <a:srgbClr val="3A3630"/>
+                </a:solidFill>
+              </a:rPr>
+              <a:t>планет</a:t>
+            </a:r>
+            <a:r>
+              <a:rPr lang="en-US" sz="1750" dirty="0" smtClean="0">
+                <a:solidFill>
+                  <a:srgbClr val="3A3630"/>
+                </a:solidFill>
+              </a:rPr>
+              <a:t> </a:t>
+            </a:r>
+            <a:r>
+              <a:rPr lang="en-US" sz="1750" dirty="0" err="1">
+                <a:solidFill>
+                  <a:srgbClr val="3A3630"/>
+                </a:solidFill>
+              </a:rPr>
+              <a:t>будет</a:t>
+            </a:r>
+            <a:r>
+              <a:rPr lang="en-US" sz="1750" dirty="0">
+                <a:solidFill>
+                  <a:srgbClr val="3A3630"/>
+                </a:solidFill>
+              </a:rPr>
+              <a:t> </a:t>
+            </a:r>
+            <a:r>
+              <a:rPr lang="en-US" sz="1750" dirty="0" err="1" smtClean="0">
+                <a:solidFill>
+                  <a:srgbClr val="3A3630"/>
+                </a:solidFill>
+              </a:rPr>
+              <a:t>увеличиваться</a:t>
+            </a:r>
+            <a:r>
+              <a:rPr lang="en-US" sz="1750" dirty="0">
+                <a:solidFill>
+                  <a:srgbClr val="3A3630"/>
+                </a:solidFill>
+              </a:rPr>
+              <a:t>;</a:t>
+            </a:r>
+            <a:endParaRPr sz="1750" dirty="0">
               <a:solidFill>
                 <a:srgbClr val="3A3630"/>
               </a:solidFill>
             </a:endParaRPr>
           </a:p>
           <a:p>
-            <a:pPr indent="-339725" lvl="0" marL="457200" marR="0" rtl="0" algn="l">
+            <a:pPr marL="457200" marR="0" lvl="0" indent="-339725" algn="l" rtl="0">
               <a:lnSpc>
                 <a:spcPct val="159942"/>
               </a:lnSpc>
@@ -6419,14 +7679,118 @@
               <a:buChar char="●"/>
             </a:pPr>
             <a:r>
-              <a:rPr lang="en-US" sz="1750">
-                <a:solidFill>
-                  <a:srgbClr val="3A3630"/>
-                </a:solidFill>
-              </a:rPr>
-              <a:t>Удалить их все будет становиться все сложнее</a:t>
-            </a:r>
-            <a:endParaRPr sz="1750">
+              <a:rPr lang="ru-RU" sz="1750" dirty="0" smtClean="0">
+                <a:solidFill>
+                  <a:srgbClr val="3A3630"/>
+                </a:solidFill>
+              </a:rPr>
+              <a:t>Разрушить</a:t>
+            </a:r>
+            <a:r>
+              <a:rPr lang="en-US" sz="1750" dirty="0" smtClean="0">
+                <a:solidFill>
+                  <a:srgbClr val="3A3630"/>
+                </a:solidFill>
+              </a:rPr>
+              <a:t> </a:t>
+            </a:r>
+            <a:r>
+              <a:rPr lang="en-US" sz="1750" dirty="0" err="1">
+                <a:solidFill>
+                  <a:srgbClr val="3A3630"/>
+                </a:solidFill>
+              </a:rPr>
+              <a:t>их</a:t>
+            </a:r>
+            <a:r>
+              <a:rPr lang="en-US" sz="1750" dirty="0">
+                <a:solidFill>
+                  <a:srgbClr val="3A3630"/>
+                </a:solidFill>
+              </a:rPr>
+              <a:t> </a:t>
+            </a:r>
+            <a:r>
+              <a:rPr lang="en-US" sz="1750" dirty="0" err="1">
+                <a:solidFill>
+                  <a:srgbClr val="3A3630"/>
+                </a:solidFill>
+              </a:rPr>
+              <a:t>все</a:t>
+            </a:r>
+            <a:r>
+              <a:rPr lang="en-US" sz="1750" dirty="0">
+                <a:solidFill>
+                  <a:srgbClr val="3A3630"/>
+                </a:solidFill>
+              </a:rPr>
+              <a:t> </a:t>
+            </a:r>
+            <a:r>
+              <a:rPr lang="en-US" sz="1750" dirty="0" err="1">
+                <a:solidFill>
+                  <a:srgbClr val="3A3630"/>
+                </a:solidFill>
+              </a:rPr>
+              <a:t>будет</a:t>
+            </a:r>
+            <a:r>
+              <a:rPr lang="en-US" sz="1750" dirty="0">
+                <a:solidFill>
+                  <a:srgbClr val="3A3630"/>
+                </a:solidFill>
+              </a:rPr>
+              <a:t> </a:t>
+            </a:r>
+            <a:r>
+              <a:rPr lang="en-US" sz="1750" dirty="0" err="1">
+                <a:solidFill>
+                  <a:srgbClr val="3A3630"/>
+                </a:solidFill>
+              </a:rPr>
+              <a:t>становиться</a:t>
+            </a:r>
+            <a:r>
+              <a:rPr lang="en-US" sz="1750" dirty="0">
+                <a:solidFill>
+                  <a:srgbClr val="3A3630"/>
+                </a:solidFill>
+              </a:rPr>
+              <a:t> </a:t>
+            </a:r>
+            <a:r>
+              <a:rPr lang="en-US" sz="1750" dirty="0" err="1">
+                <a:solidFill>
+                  <a:srgbClr val="3A3630"/>
+                </a:solidFill>
+              </a:rPr>
+              <a:t>все</a:t>
+            </a:r>
+            <a:r>
+              <a:rPr lang="en-US" sz="1750" dirty="0">
+                <a:solidFill>
+                  <a:srgbClr val="3A3630"/>
+                </a:solidFill>
+              </a:rPr>
+              <a:t> </a:t>
+            </a:r>
+            <a:r>
+              <a:rPr lang="en-US" sz="1750" dirty="0" err="1" smtClean="0">
+                <a:solidFill>
+                  <a:srgbClr val="3A3630"/>
+                </a:solidFill>
+              </a:rPr>
+              <a:t>сложнее</a:t>
+            </a:r>
+            <a:r>
+              <a:rPr lang="en-US" sz="1750" dirty="0" smtClean="0">
+                <a:solidFill>
+                  <a:srgbClr val="3A3630"/>
+                </a:solidFill>
+              </a:rPr>
+              <a:t>.</a:t>
+            </a:r>
+            <a:endParaRPr sz="1750" dirty="0">
               <a:solidFill>
                 <a:srgbClr val="3A3630"/>
               </a:solidFill>
@@ -6470,238 +7834,8 @@
 </p:sld>
 </file>
 
-<file path=ppt/slides/slide7.xml><?xml version="1.0" encoding="utf-8"?>
-<p:sld xmlns:a="http://schemas.openxmlformats.org/drawingml/2006/main" xmlns:r="http://schemas.openxmlformats.org/officeDocument/2006/relationships" xmlns:mc="http://schemas.openxmlformats.org/markup-compatibility/2006" xmlns:mv="urn:schemas-microsoft-com:mac:vml" xmlns:p="http://schemas.openxmlformats.org/presentationml/2006/main" xmlns:c="http://schemas.openxmlformats.org/drawingml/2006/chart" xmlns:dgm="http://schemas.openxmlformats.org/drawingml/2006/diagram" xmlns:o="urn:schemas-microsoft-com:office:office" xmlns:v="urn:schemas-microsoft-com:vml" xmlns:pvml="urn:schemas-microsoft-com:office:powerpoint" xmlns:com="http://schemas.openxmlformats.org/drawingml/2006/compatibility" xmlns:p14="http://schemas.microsoft.com/office/powerpoint/2010/main" xmlns:p15="http://schemas.microsoft.com/office/powerpoint/2012/main" xmlns:ahyp="http://schemas.microsoft.com/office/drawing/2018/hyperlinkcolor">
-  <p:cSld>
-    <p:spTree>
-      <p:nvGrpSpPr>
-        <p:cNvPr id="100" name="Shape 100"/>
-        <p:cNvGrpSpPr/>
-        <p:nvPr/>
-      </p:nvGrpSpPr>
-      <p:grpSpPr>
-        <a:xfrm>
-          <a:off x="0" y="0"/>
-          <a:ext cx="0" cy="0"/>
-          <a:chOff x="0" y="0"/>
-          <a:chExt cx="0" cy="0"/>
-        </a:xfrm>
-      </p:grpSpPr>
-      <p:sp>
-        <p:nvSpPr>
-          <p:cNvPr id="101" name="Google Shape;101;p9"/>
-          <p:cNvSpPr/>
-          <p:nvPr/>
-        </p:nvSpPr>
-        <p:spPr>
-          <a:xfrm>
-            <a:off x="0" y="0"/>
-            <a:ext cx="14630400" cy="8229600"/>
-          </a:xfrm>
-          <a:prstGeom prst="rect">
-            <a:avLst/>
-          </a:prstGeom>
-          <a:solidFill>
-            <a:srgbClr val="F2E4CF"/>
-          </a:solidFill>
-          <a:ln>
-            <a:noFill/>
-          </a:ln>
-        </p:spPr>
-        <p:txBody>
-          <a:bodyPr anchorCtr="0" anchor="ctr" bIns="91425" lIns="91425" spcFirstLastPara="1" rIns="91425" wrap="square" tIns="91425">
-            <a:noAutofit/>
-          </a:bodyPr>
-          <a:lstStyle/>
-          <a:p>
-            <a:pPr indent="0" lvl="0" marL="0" rtl="0" algn="l">
-              <a:spcBef>
-                <a:spcPts val="0"/>
-              </a:spcBef>
-              <a:spcAft>
-                <a:spcPts val="0"/>
-              </a:spcAft>
-              <a:buNone/>
-            </a:pPr>
-            <a:r>
-              <a:t/>
-            </a:r>
-            <a:endParaRPr sz="4374">
-              <a:solidFill>
-                <a:srgbClr val="38512F"/>
-              </a:solidFill>
-              <a:latin typeface="Lora"/>
-              <a:ea typeface="Lora"/>
-              <a:cs typeface="Lora"/>
-              <a:sym typeface="Lora"/>
-            </a:endParaRPr>
-          </a:p>
-        </p:txBody>
-      </p:sp>
-      <p:sp>
-        <p:nvSpPr>
-          <p:cNvPr id="102" name="Google Shape;102;p9"/>
-          <p:cNvSpPr/>
-          <p:nvPr/>
-        </p:nvSpPr>
-        <p:spPr>
-          <a:xfrm>
-            <a:off x="0" y="0"/>
-            <a:ext cx="14630400" cy="8229600"/>
-          </a:xfrm>
-          <a:prstGeom prst="rect">
-            <a:avLst/>
-          </a:prstGeom>
-          <a:solidFill>
-            <a:srgbClr val="FEF5E7"/>
-          </a:solidFill>
-          <a:ln>
-            <a:noFill/>
-          </a:ln>
-        </p:spPr>
-        <p:txBody>
-          <a:bodyPr anchorCtr="0" anchor="ctr" bIns="91425" lIns="91425" spcFirstLastPara="1" rIns="91425" wrap="square" tIns="91425">
-            <a:noAutofit/>
-          </a:bodyPr>
-          <a:lstStyle/>
-          <a:p>
-            <a:pPr indent="0" lvl="0" marL="0" rtl="0" algn="l">
-              <a:spcBef>
-                <a:spcPts val="0"/>
-              </a:spcBef>
-              <a:spcAft>
-                <a:spcPts val="0"/>
-              </a:spcAft>
-              <a:buNone/>
-            </a:pPr>
-            <a:r>
-              <a:t/>
-            </a:r>
-            <a:endParaRPr sz="4374">
-              <a:solidFill>
-                <a:srgbClr val="38512F"/>
-              </a:solidFill>
-              <a:latin typeface="Lora"/>
-              <a:ea typeface="Lora"/>
-              <a:cs typeface="Lora"/>
-              <a:sym typeface="Lora"/>
-            </a:endParaRPr>
-          </a:p>
-        </p:txBody>
-      </p:sp>
-      <p:sp>
-        <p:nvSpPr>
-          <p:cNvPr id="103" name="Google Shape;103;p9"/>
-          <p:cNvSpPr/>
-          <p:nvPr/>
-        </p:nvSpPr>
-        <p:spPr>
-          <a:xfrm>
-            <a:off x="4978450" y="2467175"/>
-            <a:ext cx="7649400" cy="4470300"/>
-          </a:xfrm>
-          <a:prstGeom prst="roundRect">
-            <a:avLst>
-              <a:gd fmla="val 2475" name="adj"/>
-            </a:avLst>
-          </a:prstGeom>
-          <a:solidFill>
-            <a:srgbClr val="F6E9D5"/>
-          </a:solidFill>
-          <a:ln>
-            <a:noFill/>
-          </a:ln>
-        </p:spPr>
-        <p:txBody>
-          <a:bodyPr anchorCtr="0" anchor="ctr" bIns="91425" lIns="91425" spcFirstLastPara="1" rIns="91425" wrap="square" tIns="91425">
-            <a:noAutofit/>
-          </a:bodyPr>
-          <a:lstStyle/>
-          <a:p>
-            <a:pPr indent="0" lvl="0" marL="0" rtl="0" algn="l">
-              <a:spcBef>
-                <a:spcPts val="0"/>
-              </a:spcBef>
-              <a:spcAft>
-                <a:spcPts val="0"/>
-              </a:spcAft>
-              <a:buNone/>
-            </a:pPr>
-            <a:r>
-              <a:t/>
-            </a:r>
-            <a:endParaRPr/>
-          </a:p>
-        </p:txBody>
-      </p:sp>
-      <p:sp>
-        <p:nvSpPr>
-          <p:cNvPr id="104" name="Google Shape;104;p9"/>
-          <p:cNvSpPr txBox="1"/>
-          <p:nvPr/>
-        </p:nvSpPr>
-        <p:spPr>
-          <a:xfrm>
-            <a:off x="750000" y="787325"/>
-            <a:ext cx="6447900" cy="627900"/>
-          </a:xfrm>
-          <a:prstGeom prst="rect">
-            <a:avLst/>
-          </a:prstGeom>
-          <a:noFill/>
-          <a:ln>
-            <a:noFill/>
-          </a:ln>
-        </p:spPr>
-        <p:txBody>
-          <a:bodyPr anchorCtr="0" anchor="t" bIns="91425" lIns="91425" spcFirstLastPara="1" rIns="91425" wrap="square" tIns="91425">
-            <a:noAutofit/>
-          </a:bodyPr>
-          <a:lstStyle/>
-          <a:p>
-            <a:pPr indent="0" lvl="0" marL="0" rtl="0" algn="l">
-              <a:spcBef>
-                <a:spcPts val="0"/>
-              </a:spcBef>
-              <a:spcAft>
-                <a:spcPts val="0"/>
-              </a:spcAft>
-              <a:buNone/>
-            </a:pPr>
-            <a:r>
-              <a:rPr lang="en-US" sz="4374">
-                <a:solidFill>
-                  <a:srgbClr val="38512F"/>
-                </a:solidFill>
-                <a:latin typeface="Lora"/>
-                <a:ea typeface="Lora"/>
-                <a:cs typeface="Lora"/>
-                <a:sym typeface="Lora"/>
-              </a:rPr>
-              <a:t>Видео-демонстрация</a:t>
-            </a:r>
-            <a:endParaRPr sz="4374">
-              <a:solidFill>
-                <a:srgbClr val="38512F"/>
-              </a:solidFill>
-              <a:latin typeface="Lora"/>
-              <a:ea typeface="Lora"/>
-              <a:cs typeface="Lora"/>
-              <a:sym typeface="Lora"/>
-            </a:endParaRPr>
-          </a:p>
-        </p:txBody>
-      </p:sp>
-    </p:spTree>
-  </p:cSld>
-  <p:clrMapOvr>
-    <a:masterClrMapping/>
-  </p:clrMapOvr>
-</p:sld>
-</file>
-
 <file path=ppt/theme/theme1.xml><?xml version="1.0" encoding="utf-8"?>
-<a:theme xmlns:a="http://schemas.openxmlformats.org/drawingml/2006/main" xmlns:r="http://schemas.openxmlformats.org/officeDocument/2006/relationships" name="Office Theme">
+<a:theme xmlns:a="http://schemas.openxmlformats.org/drawingml/2006/main" name="Office Theme">
   <a:themeElements>
     <a:clrScheme name="Office">
       <a:dk1>
@@ -6976,11 +8110,13 @@
       </a:bgFillStyleLst>
     </a:fmtScheme>
   </a:themeElements>
+  <a:objectDefaults/>
+  <a:extraClrSchemeLst/>
 </a:theme>
 </file>
 
 <file path=ppt/theme/theme2.xml><?xml version="1.0" encoding="utf-8"?>
-<a:theme xmlns:a="http://schemas.openxmlformats.org/drawingml/2006/main" xmlns:r="http://schemas.openxmlformats.org/officeDocument/2006/relationships" name="Office Theme">
+<a:theme xmlns:a="http://schemas.openxmlformats.org/drawingml/2006/main" name="Office Theme">
   <a:themeElements>
     <a:clrScheme name="Office">
       <a:dk1>
@@ -7255,5 +8391,7 @@
       </a:bgFillStyleLst>
     </a:fmtScheme>
   </a:themeElements>
+  <a:objectDefaults/>
+  <a:extraClrSchemeLst/>
 </a:theme>
 </file>